--- a/Final PPT.pptx
+++ b/Final PPT.pptx
@@ -72,20 +72,21 @@
             <a:noAutofit/>
           </a:bodyPr>
           <a:p>
+            <a:pPr algn="ctr"/>
             <a:r>
-              <a:rPr b="0" lang="en-US" sz="1800" spc="-1" strike="noStrike">
+              <a:rPr b="0" lang="en-US" sz="4400" spc="-1" strike="noStrike">
                 <a:solidFill>
                   <a:srgbClr val="000000"/>
                 </a:solidFill>
-                <a:latin typeface="Calibri"/>
+                <a:latin typeface="Arial"/>
               </a:rPr>
               <a:t>Click to move the slide</a:t>
             </a:r>
-            <a:endParaRPr b="0" lang="en-US" sz="1800" spc="-1" strike="noStrike">
-              <a:solidFill>
-                <a:srgbClr val="000000"/>
-              </a:solidFill>
-              <a:latin typeface="Calibri"/>
+            <a:endParaRPr b="0" lang="en-US" sz="4400" spc="-1" strike="noStrike">
+              <a:solidFill>
+                <a:srgbClr val="000000"/>
+              </a:solidFill>
+              <a:latin typeface="Arial"/>
             </a:endParaRPr>
           </a:p>
         </p:txBody>
@@ -350,7 +351,7 @@
             <a:pPr indent="0" algn="r">
               <a:buNone/>
             </a:pPr>
-            <a:fld id="{EEA57446-A071-45A6-9625-266F087744FD}" type="slidenum">
+            <a:fld id="{FEAA98D4-A81D-47AF-B0FD-0FDAA475524B}" type="slidenum">
               <a:rPr b="0" lang="en-US" sz="1400" spc="-1" strike="noStrike">
                 <a:solidFill>
                   <a:srgbClr val="000000"/>
@@ -404,7 +405,7 @@
         <p:spPr>
           <a:xfrm>
             <a:off x="685800" y="1143000"/>
-            <a:ext cx="5486040" cy="3085920"/>
+            <a:ext cx="5485320" cy="3085200"/>
           </a:xfrm>
           <a:prstGeom prst="rect">
             <a:avLst/>
@@ -427,18 +428,18 @@
         <p:spPr>
           <a:xfrm>
             <a:off x="685800" y="4400640"/>
-            <a:ext cx="5486040" cy="3600000"/>
-          </a:xfrm>
-          <a:prstGeom prst="rect">
-            <a:avLst/>
-          </a:prstGeom>
-          <a:noFill/>
-          <a:ln w="0">
-            <a:noFill/>
-          </a:ln>
-        </p:spPr>
-        <p:txBody>
-          <a:bodyPr anchor="t">
+            <a:ext cx="5485320" cy="3599280"/>
+          </a:xfrm>
+          <a:prstGeom prst="rect">
+            <a:avLst/>
+          </a:prstGeom>
+          <a:noFill/>
+          <a:ln w="0">
+            <a:noFill/>
+          </a:ln>
+        </p:spPr>
+        <p:txBody>
+          <a:bodyPr lIns="0" rIns="0" tIns="0" bIns="0" anchor="t">
             <a:noAutofit/>
           </a:bodyPr>
           <a:p>
@@ -467,18 +468,18 @@
         <p:spPr>
           <a:xfrm>
             <a:off x="3884760" y="8685360"/>
-            <a:ext cx="2971440" cy="458280"/>
-          </a:xfrm>
-          <a:prstGeom prst="rect">
-            <a:avLst/>
-          </a:prstGeom>
-          <a:noFill/>
-          <a:ln w="0">
-            <a:noFill/>
-          </a:ln>
-        </p:spPr>
-        <p:txBody>
-          <a:bodyPr anchor="b">
+            <a:ext cx="2970720" cy="457560"/>
+          </a:xfrm>
+          <a:prstGeom prst="rect">
+            <a:avLst/>
+          </a:prstGeom>
+          <a:noFill/>
+          <a:ln w="0">
+            <a:noFill/>
+          </a:ln>
+        </p:spPr>
+        <p:txBody>
+          <a:bodyPr lIns="0" rIns="0" tIns="0" bIns="0" anchor="b">
             <a:noAutofit/>
           </a:bodyPr>
           <a:lstStyle>
@@ -487,6 +488,9 @@
                 <a:spcPct val="100000"/>
               </a:lnSpc>
               <a:buNone/>
+              <a:tabLst>
+                <a:tab algn="l" pos="0"/>
+              </a:tabLst>
               <a:defRPr b="0" lang="en-US" sz="1200" spc="-1" strike="noStrike">
                 <a:solidFill>
                   <a:srgbClr val="000000"/>
@@ -502,8 +506,11 @@
                 <a:spcPct val="100000"/>
               </a:lnSpc>
               <a:buNone/>
-            </a:pPr>
-            <a:fld id="{DF48B589-8BD0-4A1A-880E-9AD3A9891110}" type="slidenum">
+              <a:tabLst>
+                <a:tab algn="l" pos="0"/>
+              </a:tabLst>
+            </a:pPr>
+            <a:fld id="{3E9352FD-53B8-4509-BC7F-CB27ACB2292B}" type="slidenum">
               <a:rPr b="0" lang="en-US" sz="1200" spc="-1" strike="noStrike">
                 <a:solidFill>
                   <a:srgbClr val="000000"/>
@@ -557,7 +564,7 @@
         <p:spPr>
           <a:xfrm>
             <a:off x="685800" y="1143000"/>
-            <a:ext cx="5486040" cy="3085920"/>
+            <a:ext cx="5485320" cy="3085200"/>
           </a:xfrm>
           <a:prstGeom prst="rect">
             <a:avLst/>
@@ -580,18 +587,18 @@
         <p:spPr>
           <a:xfrm>
             <a:off x="685800" y="4400640"/>
-            <a:ext cx="5486040" cy="3600000"/>
-          </a:xfrm>
-          <a:prstGeom prst="rect">
-            <a:avLst/>
-          </a:prstGeom>
-          <a:noFill/>
-          <a:ln w="0">
-            <a:noFill/>
-          </a:ln>
-        </p:spPr>
-        <p:txBody>
-          <a:bodyPr anchor="t">
+            <a:ext cx="5485320" cy="3599280"/>
+          </a:xfrm>
+          <a:prstGeom prst="rect">
+            <a:avLst/>
+          </a:prstGeom>
+          <a:noFill/>
+          <a:ln w="0">
+            <a:noFill/>
+          </a:ln>
+        </p:spPr>
+        <p:txBody>
+          <a:bodyPr lIns="0" rIns="0" tIns="0" bIns="0" anchor="t">
             <a:noAutofit/>
           </a:bodyPr>
           <a:p>
@@ -620,18 +627,18 @@
         <p:spPr>
           <a:xfrm>
             <a:off x="3884760" y="8685360"/>
-            <a:ext cx="2971440" cy="458280"/>
-          </a:xfrm>
-          <a:prstGeom prst="rect">
-            <a:avLst/>
-          </a:prstGeom>
-          <a:noFill/>
-          <a:ln w="0">
-            <a:noFill/>
-          </a:ln>
-        </p:spPr>
-        <p:txBody>
-          <a:bodyPr anchor="b">
+            <a:ext cx="2970720" cy="457560"/>
+          </a:xfrm>
+          <a:prstGeom prst="rect">
+            <a:avLst/>
+          </a:prstGeom>
+          <a:noFill/>
+          <a:ln w="0">
+            <a:noFill/>
+          </a:ln>
+        </p:spPr>
+        <p:txBody>
+          <a:bodyPr lIns="0" rIns="0" tIns="0" bIns="0" anchor="b">
             <a:noAutofit/>
           </a:bodyPr>
           <a:lstStyle>
@@ -640,6 +647,9 @@
                 <a:spcPct val="100000"/>
               </a:lnSpc>
               <a:buNone/>
+              <a:tabLst>
+                <a:tab algn="l" pos="0"/>
+              </a:tabLst>
               <a:defRPr b="0" lang="en-US" sz="1200" spc="-1" strike="noStrike">
                 <a:solidFill>
                   <a:srgbClr val="000000"/>
@@ -655,8 +665,11 @@
                 <a:spcPct val="100000"/>
               </a:lnSpc>
               <a:buNone/>
-            </a:pPr>
-            <a:fld id="{E3A9002D-05F3-401F-A206-5D894BCA7375}" type="slidenum">
+              <a:tabLst>
+                <a:tab algn="l" pos="0"/>
+              </a:tabLst>
+            </a:pPr>
+            <a:fld id="{B044EAF4-B8CC-433F-9448-34601DE99464}" type="slidenum">
               <a:rPr b="0" lang="en-US" sz="1200" spc="-1" strike="noStrike">
                 <a:solidFill>
                   <a:srgbClr val="000000"/>
@@ -710,7 +723,7 @@
         <p:spPr>
           <a:xfrm>
             <a:off x="685800" y="1143000"/>
-            <a:ext cx="5486040" cy="3085920"/>
+            <a:ext cx="5485320" cy="3085200"/>
           </a:xfrm>
           <a:prstGeom prst="rect">
             <a:avLst/>
@@ -733,18 +746,18 @@
         <p:spPr>
           <a:xfrm>
             <a:off x="685800" y="4400640"/>
-            <a:ext cx="5486040" cy="3600000"/>
-          </a:xfrm>
-          <a:prstGeom prst="rect">
-            <a:avLst/>
-          </a:prstGeom>
-          <a:noFill/>
-          <a:ln w="0">
-            <a:noFill/>
-          </a:ln>
-        </p:spPr>
-        <p:txBody>
-          <a:bodyPr anchor="t">
+            <a:ext cx="5485320" cy="3599280"/>
+          </a:xfrm>
+          <a:prstGeom prst="rect">
+            <a:avLst/>
+          </a:prstGeom>
+          <a:noFill/>
+          <a:ln w="0">
+            <a:noFill/>
+          </a:ln>
+        </p:spPr>
+        <p:txBody>
+          <a:bodyPr lIns="0" rIns="0" tIns="0" bIns="0" anchor="t">
             <a:noAutofit/>
           </a:bodyPr>
           <a:p>
@@ -773,18 +786,18 @@
         <p:spPr>
           <a:xfrm>
             <a:off x="3884760" y="8685360"/>
-            <a:ext cx="2971440" cy="458280"/>
-          </a:xfrm>
-          <a:prstGeom prst="rect">
-            <a:avLst/>
-          </a:prstGeom>
-          <a:noFill/>
-          <a:ln w="0">
-            <a:noFill/>
-          </a:ln>
-        </p:spPr>
-        <p:txBody>
-          <a:bodyPr anchor="b">
+            <a:ext cx="2970720" cy="457560"/>
+          </a:xfrm>
+          <a:prstGeom prst="rect">
+            <a:avLst/>
+          </a:prstGeom>
+          <a:noFill/>
+          <a:ln w="0">
+            <a:noFill/>
+          </a:ln>
+        </p:spPr>
+        <p:txBody>
+          <a:bodyPr lIns="0" rIns="0" tIns="0" bIns="0" anchor="b">
             <a:noAutofit/>
           </a:bodyPr>
           <a:lstStyle>
@@ -793,6 +806,9 @@
                 <a:spcPct val="100000"/>
               </a:lnSpc>
               <a:buNone/>
+              <a:tabLst>
+                <a:tab algn="l" pos="0"/>
+              </a:tabLst>
               <a:defRPr b="0" lang="en-US" sz="1200" spc="-1" strike="noStrike">
                 <a:solidFill>
                   <a:srgbClr val="000000"/>
@@ -808,8 +824,11 @@
                 <a:spcPct val="100000"/>
               </a:lnSpc>
               <a:buNone/>
-            </a:pPr>
-            <a:fld id="{9CA2F360-9D01-4FF4-9E68-C77CE39D578D}" type="slidenum">
+              <a:tabLst>
+                <a:tab algn="l" pos="0"/>
+              </a:tabLst>
+            </a:pPr>
+            <a:fld id="{005689F7-D964-4A3B-B604-2054004ADB52}" type="slidenum">
               <a:rPr b="0" lang="en-US" sz="1200" spc="-1" strike="noStrike">
                 <a:solidFill>
                   <a:srgbClr val="000000"/>
@@ -863,7 +882,7 @@
         <p:spPr>
           <a:xfrm>
             <a:off x="685800" y="1143000"/>
-            <a:ext cx="5486040" cy="3085920"/>
+            <a:ext cx="5485320" cy="3085200"/>
           </a:xfrm>
           <a:prstGeom prst="rect">
             <a:avLst/>
@@ -886,18 +905,18 @@
         <p:spPr>
           <a:xfrm>
             <a:off x="685800" y="4400640"/>
-            <a:ext cx="5486040" cy="3600000"/>
-          </a:xfrm>
-          <a:prstGeom prst="rect">
-            <a:avLst/>
-          </a:prstGeom>
-          <a:noFill/>
-          <a:ln w="0">
-            <a:noFill/>
-          </a:ln>
-        </p:spPr>
-        <p:txBody>
-          <a:bodyPr anchor="t">
+            <a:ext cx="5485320" cy="3599280"/>
+          </a:xfrm>
+          <a:prstGeom prst="rect">
+            <a:avLst/>
+          </a:prstGeom>
+          <a:noFill/>
+          <a:ln w="0">
+            <a:noFill/>
+          </a:ln>
+        </p:spPr>
+        <p:txBody>
+          <a:bodyPr lIns="0" rIns="0" tIns="0" bIns="0" anchor="t">
             <a:noAutofit/>
           </a:bodyPr>
           <a:p>
@@ -926,18 +945,18 @@
         <p:spPr>
           <a:xfrm>
             <a:off x="3884760" y="8685360"/>
-            <a:ext cx="2971440" cy="458280"/>
-          </a:xfrm>
-          <a:prstGeom prst="rect">
-            <a:avLst/>
-          </a:prstGeom>
-          <a:noFill/>
-          <a:ln w="0">
-            <a:noFill/>
-          </a:ln>
-        </p:spPr>
-        <p:txBody>
-          <a:bodyPr anchor="b">
+            <a:ext cx="2970720" cy="457560"/>
+          </a:xfrm>
+          <a:prstGeom prst="rect">
+            <a:avLst/>
+          </a:prstGeom>
+          <a:noFill/>
+          <a:ln w="0">
+            <a:noFill/>
+          </a:ln>
+        </p:spPr>
+        <p:txBody>
+          <a:bodyPr lIns="0" rIns="0" tIns="0" bIns="0" anchor="b">
             <a:noAutofit/>
           </a:bodyPr>
           <a:lstStyle>
@@ -946,6 +965,9 @@
                 <a:spcPct val="100000"/>
               </a:lnSpc>
               <a:buNone/>
+              <a:tabLst>
+                <a:tab algn="l" pos="0"/>
+              </a:tabLst>
               <a:defRPr b="0" lang="en-US" sz="1200" spc="-1" strike="noStrike">
                 <a:solidFill>
                   <a:srgbClr val="000000"/>
@@ -961,8 +983,11 @@
                 <a:spcPct val="100000"/>
               </a:lnSpc>
               <a:buNone/>
-            </a:pPr>
-            <a:fld id="{129A2C57-ADC3-40EE-A31D-53A37FABB2AA}" type="slidenum">
+              <a:tabLst>
+                <a:tab algn="l" pos="0"/>
+              </a:tabLst>
+            </a:pPr>
+            <a:fld id="{627AE5B8-A0C4-4C0F-B676-25C828680D2B}" type="slidenum">
               <a:rPr b="0" lang="en-US" sz="1200" spc="-1" strike="noStrike">
                 <a:solidFill>
                   <a:srgbClr val="000000"/>
@@ -1016,7 +1041,7 @@
         <p:spPr>
           <a:xfrm>
             <a:off x="685800" y="1143000"/>
-            <a:ext cx="5486040" cy="3085920"/>
+            <a:ext cx="5485320" cy="3085200"/>
           </a:xfrm>
           <a:prstGeom prst="rect">
             <a:avLst/>
@@ -1039,18 +1064,18 @@
         <p:spPr>
           <a:xfrm>
             <a:off x="685800" y="4400640"/>
-            <a:ext cx="5486040" cy="3600000"/>
-          </a:xfrm>
-          <a:prstGeom prst="rect">
-            <a:avLst/>
-          </a:prstGeom>
-          <a:noFill/>
-          <a:ln w="0">
-            <a:noFill/>
-          </a:ln>
-        </p:spPr>
-        <p:txBody>
-          <a:bodyPr anchor="t">
+            <a:ext cx="5485320" cy="3599280"/>
+          </a:xfrm>
+          <a:prstGeom prst="rect">
+            <a:avLst/>
+          </a:prstGeom>
+          <a:noFill/>
+          <a:ln w="0">
+            <a:noFill/>
+          </a:ln>
+        </p:spPr>
+        <p:txBody>
+          <a:bodyPr lIns="0" rIns="0" tIns="0" bIns="0" anchor="t">
             <a:noAutofit/>
           </a:bodyPr>
           <a:p>
@@ -1079,18 +1104,18 @@
         <p:spPr>
           <a:xfrm>
             <a:off x="3884760" y="8685360"/>
-            <a:ext cx="2971440" cy="458280"/>
-          </a:xfrm>
-          <a:prstGeom prst="rect">
-            <a:avLst/>
-          </a:prstGeom>
-          <a:noFill/>
-          <a:ln w="0">
-            <a:noFill/>
-          </a:ln>
-        </p:spPr>
-        <p:txBody>
-          <a:bodyPr anchor="b">
+            <a:ext cx="2970720" cy="457560"/>
+          </a:xfrm>
+          <a:prstGeom prst="rect">
+            <a:avLst/>
+          </a:prstGeom>
+          <a:noFill/>
+          <a:ln w="0">
+            <a:noFill/>
+          </a:ln>
+        </p:spPr>
+        <p:txBody>
+          <a:bodyPr lIns="0" rIns="0" tIns="0" bIns="0" anchor="b">
             <a:noAutofit/>
           </a:bodyPr>
           <a:lstStyle>
@@ -1099,6 +1124,9 @@
                 <a:spcPct val="100000"/>
               </a:lnSpc>
               <a:buNone/>
+              <a:tabLst>
+                <a:tab algn="l" pos="0"/>
+              </a:tabLst>
               <a:defRPr b="0" lang="en-US" sz="1200" spc="-1" strike="noStrike">
                 <a:solidFill>
                   <a:srgbClr val="000000"/>
@@ -1114,8 +1142,11 @@
                 <a:spcPct val="100000"/>
               </a:lnSpc>
               <a:buNone/>
-            </a:pPr>
-            <a:fld id="{56A2FBCB-642A-467A-96DF-B9E3C718EC6D}" type="slidenum">
+              <a:tabLst>
+                <a:tab algn="l" pos="0"/>
+              </a:tabLst>
+            </a:pPr>
+            <a:fld id="{6FD862F4-10F1-48F2-894A-1A516EFA3251}" type="slidenum">
               <a:rPr b="0" lang="en-US" sz="1200" spc="-1" strike="noStrike">
                 <a:solidFill>
                   <a:srgbClr val="000000"/>
@@ -1169,7 +1200,7 @@
         <p:spPr>
           <a:xfrm>
             <a:off x="685800" y="1143000"/>
-            <a:ext cx="5486040" cy="3085920"/>
+            <a:ext cx="5485320" cy="3085200"/>
           </a:xfrm>
           <a:prstGeom prst="rect">
             <a:avLst/>
@@ -1192,18 +1223,18 @@
         <p:spPr>
           <a:xfrm>
             <a:off x="685800" y="4400640"/>
-            <a:ext cx="5486040" cy="3600000"/>
-          </a:xfrm>
-          <a:prstGeom prst="rect">
-            <a:avLst/>
-          </a:prstGeom>
-          <a:noFill/>
-          <a:ln w="0">
-            <a:noFill/>
-          </a:ln>
-        </p:spPr>
-        <p:txBody>
-          <a:bodyPr anchor="t">
+            <a:ext cx="5485320" cy="3599280"/>
+          </a:xfrm>
+          <a:prstGeom prst="rect">
+            <a:avLst/>
+          </a:prstGeom>
+          <a:noFill/>
+          <a:ln w="0">
+            <a:noFill/>
+          </a:ln>
+        </p:spPr>
+        <p:txBody>
+          <a:bodyPr lIns="0" rIns="0" tIns="0" bIns="0" anchor="t">
             <a:noAutofit/>
           </a:bodyPr>
           <a:p>
@@ -1232,18 +1263,18 @@
         <p:spPr>
           <a:xfrm>
             <a:off x="3884760" y="8685360"/>
-            <a:ext cx="2971440" cy="458280"/>
-          </a:xfrm>
-          <a:prstGeom prst="rect">
-            <a:avLst/>
-          </a:prstGeom>
-          <a:noFill/>
-          <a:ln w="0">
-            <a:noFill/>
-          </a:ln>
-        </p:spPr>
-        <p:txBody>
-          <a:bodyPr anchor="b">
+            <a:ext cx="2970720" cy="457560"/>
+          </a:xfrm>
+          <a:prstGeom prst="rect">
+            <a:avLst/>
+          </a:prstGeom>
+          <a:noFill/>
+          <a:ln w="0">
+            <a:noFill/>
+          </a:ln>
+        </p:spPr>
+        <p:txBody>
+          <a:bodyPr lIns="0" rIns="0" tIns="0" bIns="0" anchor="b">
             <a:noAutofit/>
           </a:bodyPr>
           <a:lstStyle>
@@ -1252,6 +1283,9 @@
                 <a:spcPct val="100000"/>
               </a:lnSpc>
               <a:buNone/>
+              <a:tabLst>
+                <a:tab algn="l" pos="0"/>
+              </a:tabLst>
               <a:defRPr b="0" lang="en-US" sz="1200" spc="-1" strike="noStrike">
                 <a:solidFill>
                   <a:srgbClr val="000000"/>
@@ -1267,8 +1301,11 @@
                 <a:spcPct val="100000"/>
               </a:lnSpc>
               <a:buNone/>
-            </a:pPr>
-            <a:fld id="{1FE23F1D-01A4-4125-BD5A-46895914B514}" type="slidenum">
+              <a:tabLst>
+                <a:tab algn="l" pos="0"/>
+              </a:tabLst>
+            </a:pPr>
+            <a:fld id="{E51C09E3-8870-4FE3-84DE-C444A652A35F}" type="slidenum">
               <a:rPr b="0" lang="en-US" sz="1200" spc="-1" strike="noStrike">
                 <a:solidFill>
                   <a:srgbClr val="000000"/>
@@ -1322,7 +1359,7 @@
         <p:spPr>
           <a:xfrm>
             <a:off x="685800" y="1143000"/>
-            <a:ext cx="5486040" cy="3085920"/>
+            <a:ext cx="5485320" cy="3085200"/>
           </a:xfrm>
           <a:prstGeom prst="rect">
             <a:avLst/>
@@ -1345,18 +1382,18 @@
         <p:spPr>
           <a:xfrm>
             <a:off x="685800" y="4400640"/>
-            <a:ext cx="5486040" cy="3600000"/>
-          </a:xfrm>
-          <a:prstGeom prst="rect">
-            <a:avLst/>
-          </a:prstGeom>
-          <a:noFill/>
-          <a:ln w="0">
-            <a:noFill/>
-          </a:ln>
-        </p:spPr>
-        <p:txBody>
-          <a:bodyPr anchor="t">
+            <a:ext cx="5485320" cy="3599280"/>
+          </a:xfrm>
+          <a:prstGeom prst="rect">
+            <a:avLst/>
+          </a:prstGeom>
+          <a:noFill/>
+          <a:ln w="0">
+            <a:noFill/>
+          </a:ln>
+        </p:spPr>
+        <p:txBody>
+          <a:bodyPr lIns="0" rIns="0" tIns="0" bIns="0" anchor="t">
             <a:noAutofit/>
           </a:bodyPr>
           <a:p>
@@ -1385,18 +1422,18 @@
         <p:spPr>
           <a:xfrm>
             <a:off x="3884760" y="8685360"/>
-            <a:ext cx="2971440" cy="458280"/>
-          </a:xfrm>
-          <a:prstGeom prst="rect">
-            <a:avLst/>
-          </a:prstGeom>
-          <a:noFill/>
-          <a:ln w="0">
-            <a:noFill/>
-          </a:ln>
-        </p:spPr>
-        <p:txBody>
-          <a:bodyPr anchor="b">
+            <a:ext cx="2970720" cy="457560"/>
+          </a:xfrm>
+          <a:prstGeom prst="rect">
+            <a:avLst/>
+          </a:prstGeom>
+          <a:noFill/>
+          <a:ln w="0">
+            <a:noFill/>
+          </a:ln>
+        </p:spPr>
+        <p:txBody>
+          <a:bodyPr lIns="0" rIns="0" tIns="0" bIns="0" anchor="b">
             <a:noAutofit/>
           </a:bodyPr>
           <a:lstStyle>
@@ -1405,6 +1442,9 @@
                 <a:spcPct val="100000"/>
               </a:lnSpc>
               <a:buNone/>
+              <a:tabLst>
+                <a:tab algn="l" pos="0"/>
+              </a:tabLst>
               <a:defRPr b="0" lang="en-US" sz="1200" spc="-1" strike="noStrike">
                 <a:solidFill>
                   <a:srgbClr val="000000"/>
@@ -1420,8 +1460,11 @@
                 <a:spcPct val="100000"/>
               </a:lnSpc>
               <a:buNone/>
-            </a:pPr>
-            <a:fld id="{7853CE45-832F-49F4-9493-6A1A82F76DB6}" type="slidenum">
+              <a:tabLst>
+                <a:tab algn="l" pos="0"/>
+              </a:tabLst>
+            </a:pPr>
+            <a:fld id="{2BBE29B3-010E-4E0A-811B-4433B5D6C5A9}" type="slidenum">
               <a:rPr b="0" lang="en-US" sz="1200" spc="-1" strike="noStrike">
                 <a:solidFill>
                   <a:srgbClr val="000000"/>
@@ -1475,7 +1518,7 @@
         <p:spPr>
           <a:xfrm>
             <a:off x="685800" y="1143000"/>
-            <a:ext cx="5486040" cy="3085920"/>
+            <a:ext cx="5485320" cy="3085200"/>
           </a:xfrm>
           <a:prstGeom prst="rect">
             <a:avLst/>
@@ -1498,18 +1541,18 @@
         <p:spPr>
           <a:xfrm>
             <a:off x="685800" y="4400640"/>
-            <a:ext cx="5486040" cy="3600000"/>
-          </a:xfrm>
-          <a:prstGeom prst="rect">
-            <a:avLst/>
-          </a:prstGeom>
-          <a:noFill/>
-          <a:ln w="0">
-            <a:noFill/>
-          </a:ln>
-        </p:spPr>
-        <p:txBody>
-          <a:bodyPr anchor="t">
+            <a:ext cx="5485320" cy="3599280"/>
+          </a:xfrm>
+          <a:prstGeom prst="rect">
+            <a:avLst/>
+          </a:prstGeom>
+          <a:noFill/>
+          <a:ln w="0">
+            <a:noFill/>
+          </a:ln>
+        </p:spPr>
+        <p:txBody>
+          <a:bodyPr lIns="0" rIns="0" tIns="0" bIns="0" anchor="t">
             <a:noAutofit/>
           </a:bodyPr>
           <a:p>
@@ -1538,18 +1581,18 @@
         <p:spPr>
           <a:xfrm>
             <a:off x="3884760" y="8685360"/>
-            <a:ext cx="2971440" cy="458280"/>
-          </a:xfrm>
-          <a:prstGeom prst="rect">
-            <a:avLst/>
-          </a:prstGeom>
-          <a:noFill/>
-          <a:ln w="0">
-            <a:noFill/>
-          </a:ln>
-        </p:spPr>
-        <p:txBody>
-          <a:bodyPr anchor="b">
+            <a:ext cx="2970720" cy="457560"/>
+          </a:xfrm>
+          <a:prstGeom prst="rect">
+            <a:avLst/>
+          </a:prstGeom>
+          <a:noFill/>
+          <a:ln w="0">
+            <a:noFill/>
+          </a:ln>
+        </p:spPr>
+        <p:txBody>
+          <a:bodyPr lIns="0" rIns="0" tIns="0" bIns="0" anchor="b">
             <a:noAutofit/>
           </a:bodyPr>
           <a:lstStyle>
@@ -1558,6 +1601,9 @@
                 <a:spcPct val="100000"/>
               </a:lnSpc>
               <a:buNone/>
+              <a:tabLst>
+                <a:tab algn="l" pos="0"/>
+              </a:tabLst>
               <a:defRPr b="0" lang="en-US" sz="1200" spc="-1" strike="noStrike">
                 <a:solidFill>
                   <a:srgbClr val="000000"/>
@@ -1573,8 +1619,11 @@
                 <a:spcPct val="100000"/>
               </a:lnSpc>
               <a:buNone/>
-            </a:pPr>
-            <a:fld id="{EB1C2ABC-00C5-4D1B-9D17-412EE396BA93}" type="slidenum">
+              <a:tabLst>
+                <a:tab algn="l" pos="0"/>
+              </a:tabLst>
+            </a:pPr>
+            <a:fld id="{AD833295-4C99-4A22-BF1C-F1B9240CD893}" type="slidenum">
               <a:rPr b="0" lang="en-US" sz="1200" spc="-1" strike="noStrike">
                 <a:solidFill>
                   <a:srgbClr val="000000"/>
@@ -1628,7 +1677,7 @@
         <p:spPr>
           <a:xfrm>
             <a:off x="685800" y="1143000"/>
-            <a:ext cx="5486040" cy="3085920"/>
+            <a:ext cx="5485320" cy="3085200"/>
           </a:xfrm>
           <a:prstGeom prst="rect">
             <a:avLst/>
@@ -1651,18 +1700,18 @@
         <p:spPr>
           <a:xfrm>
             <a:off x="685800" y="4400640"/>
-            <a:ext cx="5486040" cy="3600000"/>
-          </a:xfrm>
-          <a:prstGeom prst="rect">
-            <a:avLst/>
-          </a:prstGeom>
-          <a:noFill/>
-          <a:ln w="0">
-            <a:noFill/>
-          </a:ln>
-        </p:spPr>
-        <p:txBody>
-          <a:bodyPr anchor="t">
+            <a:ext cx="5485320" cy="3599280"/>
+          </a:xfrm>
+          <a:prstGeom prst="rect">
+            <a:avLst/>
+          </a:prstGeom>
+          <a:noFill/>
+          <a:ln w="0">
+            <a:noFill/>
+          </a:ln>
+        </p:spPr>
+        <p:txBody>
+          <a:bodyPr lIns="0" rIns="0" tIns="0" bIns="0" anchor="t">
             <a:noAutofit/>
           </a:bodyPr>
           <a:p>
@@ -1691,18 +1740,18 @@
         <p:spPr>
           <a:xfrm>
             <a:off x="3884760" y="8685360"/>
-            <a:ext cx="2971440" cy="458280"/>
-          </a:xfrm>
-          <a:prstGeom prst="rect">
-            <a:avLst/>
-          </a:prstGeom>
-          <a:noFill/>
-          <a:ln w="0">
-            <a:noFill/>
-          </a:ln>
-        </p:spPr>
-        <p:txBody>
-          <a:bodyPr anchor="b">
+            <a:ext cx="2970720" cy="457560"/>
+          </a:xfrm>
+          <a:prstGeom prst="rect">
+            <a:avLst/>
+          </a:prstGeom>
+          <a:noFill/>
+          <a:ln w="0">
+            <a:noFill/>
+          </a:ln>
+        </p:spPr>
+        <p:txBody>
+          <a:bodyPr lIns="0" rIns="0" tIns="0" bIns="0" anchor="b">
             <a:noAutofit/>
           </a:bodyPr>
           <a:lstStyle>
@@ -1711,6 +1760,9 @@
                 <a:spcPct val="100000"/>
               </a:lnSpc>
               <a:buNone/>
+              <a:tabLst>
+                <a:tab algn="l" pos="0"/>
+              </a:tabLst>
               <a:defRPr b="0" lang="en-US" sz="1200" spc="-1" strike="noStrike">
                 <a:solidFill>
                   <a:srgbClr val="000000"/>
@@ -1726,8 +1778,11 @@
                 <a:spcPct val="100000"/>
               </a:lnSpc>
               <a:buNone/>
-            </a:pPr>
-            <a:fld id="{85CCED8B-DC8C-4C6A-AB55-54AB21E982C5}" type="slidenum">
+              <a:tabLst>
+                <a:tab algn="l" pos="0"/>
+              </a:tabLst>
+            </a:pPr>
+            <a:fld id="{97F69670-5389-4E98-A6AA-8D1DB2949095}" type="slidenum">
               <a:rPr b="0" lang="en-US" sz="1200" spc="-1" strike="noStrike">
                 <a:solidFill>
                   <a:srgbClr val="000000"/>
@@ -1781,7 +1836,7 @@
         <p:spPr>
           <a:xfrm>
             <a:off x="685800" y="1143000"/>
-            <a:ext cx="5486040" cy="3085920"/>
+            <a:ext cx="5485320" cy="3085200"/>
           </a:xfrm>
           <a:prstGeom prst="rect">
             <a:avLst/>
@@ -1804,18 +1859,18 @@
         <p:spPr>
           <a:xfrm>
             <a:off x="685800" y="4400640"/>
-            <a:ext cx="5486040" cy="3600000"/>
-          </a:xfrm>
-          <a:prstGeom prst="rect">
-            <a:avLst/>
-          </a:prstGeom>
-          <a:noFill/>
-          <a:ln w="0">
-            <a:noFill/>
-          </a:ln>
-        </p:spPr>
-        <p:txBody>
-          <a:bodyPr anchor="t">
+            <a:ext cx="5485320" cy="3599280"/>
+          </a:xfrm>
+          <a:prstGeom prst="rect">
+            <a:avLst/>
+          </a:prstGeom>
+          <a:noFill/>
+          <a:ln w="0">
+            <a:noFill/>
+          </a:ln>
+        </p:spPr>
+        <p:txBody>
+          <a:bodyPr lIns="0" rIns="0" tIns="0" bIns="0" anchor="t">
             <a:noAutofit/>
           </a:bodyPr>
           <a:p>
@@ -1844,18 +1899,18 @@
         <p:spPr>
           <a:xfrm>
             <a:off x="3884760" y="8685360"/>
-            <a:ext cx="2971440" cy="458280"/>
-          </a:xfrm>
-          <a:prstGeom prst="rect">
-            <a:avLst/>
-          </a:prstGeom>
-          <a:noFill/>
-          <a:ln w="0">
-            <a:noFill/>
-          </a:ln>
-        </p:spPr>
-        <p:txBody>
-          <a:bodyPr anchor="b">
+            <a:ext cx="2970720" cy="457560"/>
+          </a:xfrm>
+          <a:prstGeom prst="rect">
+            <a:avLst/>
+          </a:prstGeom>
+          <a:noFill/>
+          <a:ln w="0">
+            <a:noFill/>
+          </a:ln>
+        </p:spPr>
+        <p:txBody>
+          <a:bodyPr lIns="0" rIns="0" tIns="0" bIns="0" anchor="b">
             <a:noAutofit/>
           </a:bodyPr>
           <a:lstStyle>
@@ -1864,6 +1919,9 @@
                 <a:spcPct val="100000"/>
               </a:lnSpc>
               <a:buNone/>
+              <a:tabLst>
+                <a:tab algn="l" pos="0"/>
+              </a:tabLst>
               <a:defRPr b="0" lang="en-US" sz="1200" spc="-1" strike="noStrike">
                 <a:solidFill>
                   <a:srgbClr val="000000"/>
@@ -1879,8 +1937,11 @@
                 <a:spcPct val="100000"/>
               </a:lnSpc>
               <a:buNone/>
-            </a:pPr>
-            <a:fld id="{07653275-C892-41A1-8580-98469782F5B9}" type="slidenum">
+              <a:tabLst>
+                <a:tab algn="l" pos="0"/>
+              </a:tabLst>
+            </a:pPr>
+            <a:fld id="{BFB902B8-ECF1-4F85-9EB3-6E84F84DD6ED}" type="slidenum">
               <a:rPr b="0" lang="en-US" sz="1200" spc="-1" strike="noStrike">
                 <a:solidFill>
                   <a:srgbClr val="000000"/>
@@ -1934,7 +1995,7 @@
         <p:spPr>
           <a:xfrm>
             <a:off x="685800" y="1143000"/>
-            <a:ext cx="5486040" cy="3085920"/>
+            <a:ext cx="5485320" cy="3085200"/>
           </a:xfrm>
           <a:prstGeom prst="rect">
             <a:avLst/>
@@ -1957,18 +2018,18 @@
         <p:spPr>
           <a:xfrm>
             <a:off x="685800" y="4400640"/>
-            <a:ext cx="5486040" cy="3600000"/>
-          </a:xfrm>
-          <a:prstGeom prst="rect">
-            <a:avLst/>
-          </a:prstGeom>
-          <a:noFill/>
-          <a:ln w="0">
-            <a:noFill/>
-          </a:ln>
-        </p:spPr>
-        <p:txBody>
-          <a:bodyPr anchor="t">
+            <a:ext cx="5485320" cy="3599280"/>
+          </a:xfrm>
+          <a:prstGeom prst="rect">
+            <a:avLst/>
+          </a:prstGeom>
+          <a:noFill/>
+          <a:ln w="0">
+            <a:noFill/>
+          </a:ln>
+        </p:spPr>
+        <p:txBody>
+          <a:bodyPr lIns="0" rIns="0" tIns="0" bIns="0" anchor="t">
             <a:noAutofit/>
           </a:bodyPr>
           <a:p>
@@ -1997,18 +2058,18 @@
         <p:spPr>
           <a:xfrm>
             <a:off x="3884760" y="8685360"/>
-            <a:ext cx="2971440" cy="458280"/>
-          </a:xfrm>
-          <a:prstGeom prst="rect">
-            <a:avLst/>
-          </a:prstGeom>
-          <a:noFill/>
-          <a:ln w="0">
-            <a:noFill/>
-          </a:ln>
-        </p:spPr>
-        <p:txBody>
-          <a:bodyPr anchor="b">
+            <a:ext cx="2970720" cy="457560"/>
+          </a:xfrm>
+          <a:prstGeom prst="rect">
+            <a:avLst/>
+          </a:prstGeom>
+          <a:noFill/>
+          <a:ln w="0">
+            <a:noFill/>
+          </a:ln>
+        </p:spPr>
+        <p:txBody>
+          <a:bodyPr lIns="0" rIns="0" tIns="0" bIns="0" anchor="b">
             <a:noAutofit/>
           </a:bodyPr>
           <a:lstStyle>
@@ -2017,6 +2078,9 @@
                 <a:spcPct val="100000"/>
               </a:lnSpc>
               <a:buNone/>
+              <a:tabLst>
+                <a:tab algn="l" pos="0"/>
+              </a:tabLst>
               <a:defRPr b="0" lang="en-US" sz="1200" spc="-1" strike="noStrike">
                 <a:solidFill>
                   <a:srgbClr val="000000"/>
@@ -2032,8 +2096,11 @@
                 <a:spcPct val="100000"/>
               </a:lnSpc>
               <a:buNone/>
-            </a:pPr>
-            <a:fld id="{530C6C07-632A-43E6-89C1-EA12AF0DBFD3}" type="slidenum">
+              <a:tabLst>
+                <a:tab algn="l" pos="0"/>
+              </a:tabLst>
+            </a:pPr>
+            <a:fld id="{BE54336B-3A96-4E06-8B32-7F961C6DF632}" type="slidenum">
               <a:rPr b="0" lang="en-US" sz="1200" spc="-1" strike="noStrike">
                 <a:solidFill>
                   <a:srgbClr val="000000"/>
@@ -2087,7 +2154,7 @@
         <p:spPr>
           <a:xfrm>
             <a:off x="685800" y="1143000"/>
-            <a:ext cx="5486040" cy="3085920"/>
+            <a:ext cx="5485320" cy="3085200"/>
           </a:xfrm>
           <a:prstGeom prst="rect">
             <a:avLst/>
@@ -2110,18 +2177,18 @@
         <p:spPr>
           <a:xfrm>
             <a:off x="685800" y="4400640"/>
-            <a:ext cx="5486040" cy="3600000"/>
-          </a:xfrm>
-          <a:prstGeom prst="rect">
-            <a:avLst/>
-          </a:prstGeom>
-          <a:noFill/>
-          <a:ln w="0">
-            <a:noFill/>
-          </a:ln>
-        </p:spPr>
-        <p:txBody>
-          <a:bodyPr anchor="t">
+            <a:ext cx="5485320" cy="3599280"/>
+          </a:xfrm>
+          <a:prstGeom prst="rect">
+            <a:avLst/>
+          </a:prstGeom>
+          <a:noFill/>
+          <a:ln w="0">
+            <a:noFill/>
+          </a:ln>
+        </p:spPr>
+        <p:txBody>
+          <a:bodyPr lIns="0" rIns="0" tIns="0" bIns="0" anchor="t">
             <a:noAutofit/>
           </a:bodyPr>
           <a:p>
@@ -2150,18 +2217,18 @@
         <p:spPr>
           <a:xfrm>
             <a:off x="3884760" y="8685360"/>
-            <a:ext cx="2971440" cy="458280"/>
-          </a:xfrm>
-          <a:prstGeom prst="rect">
-            <a:avLst/>
-          </a:prstGeom>
-          <a:noFill/>
-          <a:ln w="0">
-            <a:noFill/>
-          </a:ln>
-        </p:spPr>
-        <p:txBody>
-          <a:bodyPr anchor="b">
+            <a:ext cx="2970720" cy="457560"/>
+          </a:xfrm>
+          <a:prstGeom prst="rect">
+            <a:avLst/>
+          </a:prstGeom>
+          <a:noFill/>
+          <a:ln w="0">
+            <a:noFill/>
+          </a:ln>
+        </p:spPr>
+        <p:txBody>
+          <a:bodyPr lIns="0" rIns="0" tIns="0" bIns="0" anchor="b">
             <a:noAutofit/>
           </a:bodyPr>
           <a:lstStyle>
@@ -2170,6 +2237,9 @@
                 <a:spcPct val="100000"/>
               </a:lnSpc>
               <a:buNone/>
+              <a:tabLst>
+                <a:tab algn="l" pos="0"/>
+              </a:tabLst>
               <a:defRPr b="0" lang="en-US" sz="1200" spc="-1" strike="noStrike">
                 <a:solidFill>
                   <a:srgbClr val="000000"/>
@@ -2185,8 +2255,11 @@
                 <a:spcPct val="100000"/>
               </a:lnSpc>
               <a:buNone/>
-            </a:pPr>
-            <a:fld id="{A558CF28-22C2-4F10-9355-A10B19165BB1}" type="slidenum">
+              <a:tabLst>
+                <a:tab algn="l" pos="0"/>
+              </a:tabLst>
+            </a:pPr>
+            <a:fld id="{6CDA1752-F02A-4222-AFC6-683763119257}" type="slidenum">
               <a:rPr b="0" lang="en-US" sz="1200" spc="-1" strike="noStrike">
                 <a:solidFill>
                   <a:srgbClr val="000000"/>
@@ -2240,7 +2313,7 @@
         <p:spPr>
           <a:xfrm>
             <a:off x="685800" y="1143000"/>
-            <a:ext cx="5486040" cy="3085920"/>
+            <a:ext cx="5485320" cy="3085200"/>
           </a:xfrm>
           <a:prstGeom prst="rect">
             <a:avLst/>
@@ -2263,18 +2336,18 @@
         <p:spPr>
           <a:xfrm>
             <a:off x="685800" y="4400640"/>
-            <a:ext cx="5486040" cy="3600000"/>
-          </a:xfrm>
-          <a:prstGeom prst="rect">
-            <a:avLst/>
-          </a:prstGeom>
-          <a:noFill/>
-          <a:ln w="0">
-            <a:noFill/>
-          </a:ln>
-        </p:spPr>
-        <p:txBody>
-          <a:bodyPr anchor="t">
+            <a:ext cx="5485320" cy="3599280"/>
+          </a:xfrm>
+          <a:prstGeom prst="rect">
+            <a:avLst/>
+          </a:prstGeom>
+          <a:noFill/>
+          <a:ln w="0">
+            <a:noFill/>
+          </a:ln>
+        </p:spPr>
+        <p:txBody>
+          <a:bodyPr lIns="0" rIns="0" tIns="0" bIns="0" anchor="t">
             <a:noAutofit/>
           </a:bodyPr>
           <a:p>
@@ -2303,18 +2376,18 @@
         <p:spPr>
           <a:xfrm>
             <a:off x="3884760" y="8685360"/>
-            <a:ext cx="2971440" cy="458280"/>
-          </a:xfrm>
-          <a:prstGeom prst="rect">
-            <a:avLst/>
-          </a:prstGeom>
-          <a:noFill/>
-          <a:ln w="0">
-            <a:noFill/>
-          </a:ln>
-        </p:spPr>
-        <p:txBody>
-          <a:bodyPr anchor="b">
+            <a:ext cx="2970720" cy="457560"/>
+          </a:xfrm>
+          <a:prstGeom prst="rect">
+            <a:avLst/>
+          </a:prstGeom>
+          <a:noFill/>
+          <a:ln w="0">
+            <a:noFill/>
+          </a:ln>
+        </p:spPr>
+        <p:txBody>
+          <a:bodyPr lIns="0" rIns="0" tIns="0" bIns="0" anchor="b">
             <a:noAutofit/>
           </a:bodyPr>
           <a:lstStyle>
@@ -2323,6 +2396,9 @@
                 <a:spcPct val="100000"/>
               </a:lnSpc>
               <a:buNone/>
+              <a:tabLst>
+                <a:tab algn="l" pos="0"/>
+              </a:tabLst>
               <a:defRPr b="0" lang="en-US" sz="1200" spc="-1" strike="noStrike">
                 <a:solidFill>
                   <a:srgbClr val="000000"/>
@@ -2338,8 +2414,11 @@
                 <a:spcPct val="100000"/>
               </a:lnSpc>
               <a:buNone/>
-            </a:pPr>
-            <a:fld id="{E42A1848-5CF2-47DD-822C-7BFD938D677F}" type="slidenum">
+              <a:tabLst>
+                <a:tab algn="l" pos="0"/>
+              </a:tabLst>
+            </a:pPr>
+            <a:fld id="{13E58098-9985-48D1-8219-6329987AD3B5}" type="slidenum">
               <a:rPr b="0" lang="en-US" sz="1200" spc="-1" strike="noStrike">
                 <a:solidFill>
                   <a:srgbClr val="000000"/>
@@ -2430,14 +2509,14 @@
             <a:noAutofit/>
           </a:bodyPr>
           <a:p>
-            <a:pPr indent="0">
+            <a:pPr indent="0" algn="ctr">
               <a:buNone/>
             </a:pPr>
-            <a:endParaRPr b="0" lang="en-US" sz="1800" spc="-1" strike="noStrike">
-              <a:solidFill>
-                <a:srgbClr val="000000"/>
-              </a:solidFill>
-              <a:latin typeface="Calibri"/>
+            <a:endParaRPr b="0" lang="en-US" sz="4400" spc="-1" strike="noStrike">
+              <a:solidFill>
+                <a:srgbClr val="000000"/>
+              </a:solidFill>
+              <a:latin typeface="Arial"/>
             </a:endParaRPr>
           </a:p>
         </p:txBody>
@@ -2480,7 +2559,7 @@
               <a:solidFill>
                 <a:srgbClr val="000000"/>
               </a:solidFill>
-              <a:latin typeface="Calibri"/>
+              <a:latin typeface="Arial"/>
             </a:endParaRPr>
           </a:p>
         </p:txBody>
@@ -2523,7 +2602,7 @@
               <a:solidFill>
                 <a:srgbClr val="000000"/>
               </a:solidFill>
-              <a:latin typeface="Calibri"/>
+              <a:latin typeface="Arial"/>
             </a:endParaRPr>
           </a:p>
         </p:txBody>
@@ -2578,14 +2657,14 @@
             <a:noAutofit/>
           </a:bodyPr>
           <a:p>
-            <a:pPr indent="0">
+            <a:pPr indent="0" algn="ctr">
               <a:buNone/>
             </a:pPr>
-            <a:endParaRPr b="0" lang="en-US" sz="1800" spc="-1" strike="noStrike">
-              <a:solidFill>
-                <a:srgbClr val="000000"/>
-              </a:solidFill>
-              <a:latin typeface="Calibri"/>
+            <a:endParaRPr b="0" lang="en-US" sz="4400" spc="-1" strike="noStrike">
+              <a:solidFill>
+                <a:srgbClr val="000000"/>
+              </a:solidFill>
+              <a:latin typeface="Arial"/>
             </a:endParaRPr>
           </a:p>
         </p:txBody>
@@ -2628,7 +2707,7 @@
               <a:solidFill>
                 <a:srgbClr val="000000"/>
               </a:solidFill>
-              <a:latin typeface="Calibri"/>
+              <a:latin typeface="Arial"/>
             </a:endParaRPr>
           </a:p>
         </p:txBody>
@@ -2671,7 +2750,7 @@
               <a:solidFill>
                 <a:srgbClr val="000000"/>
               </a:solidFill>
-              <a:latin typeface="Calibri"/>
+              <a:latin typeface="Arial"/>
             </a:endParaRPr>
           </a:p>
         </p:txBody>
@@ -2714,7 +2793,7 @@
               <a:solidFill>
                 <a:srgbClr val="000000"/>
               </a:solidFill>
-              <a:latin typeface="Calibri"/>
+              <a:latin typeface="Arial"/>
             </a:endParaRPr>
           </a:p>
         </p:txBody>
@@ -2757,7 +2836,7 @@
               <a:solidFill>
                 <a:srgbClr val="000000"/>
               </a:solidFill>
-              <a:latin typeface="Calibri"/>
+              <a:latin typeface="Arial"/>
             </a:endParaRPr>
           </a:p>
         </p:txBody>
@@ -2812,14 +2891,14 @@
             <a:noAutofit/>
           </a:bodyPr>
           <a:p>
-            <a:pPr indent="0">
+            <a:pPr indent="0" algn="ctr">
               <a:buNone/>
             </a:pPr>
-            <a:endParaRPr b="0" lang="en-US" sz="1800" spc="-1" strike="noStrike">
-              <a:solidFill>
-                <a:srgbClr val="000000"/>
-              </a:solidFill>
-              <a:latin typeface="Calibri"/>
+            <a:endParaRPr b="0" lang="en-US" sz="4400" spc="-1" strike="noStrike">
+              <a:solidFill>
+                <a:srgbClr val="000000"/>
+              </a:solidFill>
+              <a:latin typeface="Arial"/>
             </a:endParaRPr>
           </a:p>
         </p:txBody>
@@ -2862,7 +2941,7 @@
               <a:solidFill>
                 <a:srgbClr val="000000"/>
               </a:solidFill>
-              <a:latin typeface="Calibri"/>
+              <a:latin typeface="Arial"/>
             </a:endParaRPr>
           </a:p>
         </p:txBody>
@@ -2905,7 +2984,7 @@
               <a:solidFill>
                 <a:srgbClr val="000000"/>
               </a:solidFill>
-              <a:latin typeface="Calibri"/>
+              <a:latin typeface="Arial"/>
             </a:endParaRPr>
           </a:p>
         </p:txBody>
@@ -2948,7 +3027,7 @@
               <a:solidFill>
                 <a:srgbClr val="000000"/>
               </a:solidFill>
-              <a:latin typeface="Calibri"/>
+              <a:latin typeface="Arial"/>
             </a:endParaRPr>
           </a:p>
         </p:txBody>
@@ -2991,7 +3070,7 @@
               <a:solidFill>
                 <a:srgbClr val="000000"/>
               </a:solidFill>
-              <a:latin typeface="Calibri"/>
+              <a:latin typeface="Arial"/>
             </a:endParaRPr>
           </a:p>
         </p:txBody>
@@ -3034,7 +3113,7 @@
               <a:solidFill>
                 <a:srgbClr val="000000"/>
               </a:solidFill>
-              <a:latin typeface="Calibri"/>
+              <a:latin typeface="Arial"/>
             </a:endParaRPr>
           </a:p>
         </p:txBody>
@@ -3077,7 +3156,7 @@
               <a:solidFill>
                 <a:srgbClr val="000000"/>
               </a:solidFill>
-              <a:latin typeface="Calibri"/>
+              <a:latin typeface="Arial"/>
             </a:endParaRPr>
           </a:p>
         </p:txBody>
@@ -3132,14 +3211,14 @@
             <a:noAutofit/>
           </a:bodyPr>
           <a:p>
-            <a:pPr indent="0">
+            <a:pPr indent="0" algn="ctr">
               <a:buNone/>
             </a:pPr>
-            <a:endParaRPr b="0" lang="en-US" sz="1800" spc="-1" strike="noStrike">
-              <a:solidFill>
-                <a:srgbClr val="000000"/>
-              </a:solidFill>
-              <a:latin typeface="Calibri"/>
+            <a:endParaRPr b="0" lang="en-US" sz="4400" spc="-1" strike="noStrike">
+              <a:solidFill>
+                <a:srgbClr val="000000"/>
+              </a:solidFill>
+              <a:latin typeface="Arial"/>
             </a:endParaRPr>
           </a:p>
         </p:txBody>
@@ -3234,14 +3313,14 @@
             <a:noAutofit/>
           </a:bodyPr>
           <a:p>
-            <a:pPr indent="0">
+            <a:pPr indent="0" algn="ctr">
               <a:buNone/>
             </a:pPr>
-            <a:endParaRPr b="0" lang="en-US" sz="1800" spc="-1" strike="noStrike">
-              <a:solidFill>
-                <a:srgbClr val="000000"/>
-              </a:solidFill>
-              <a:latin typeface="Calibri"/>
+            <a:endParaRPr b="0" lang="en-US" sz="4400" spc="-1" strike="noStrike">
+              <a:solidFill>
+                <a:srgbClr val="000000"/>
+              </a:solidFill>
+              <a:latin typeface="Arial"/>
             </a:endParaRPr>
           </a:p>
         </p:txBody>
@@ -3284,7 +3363,7 @@
               <a:solidFill>
                 <a:srgbClr val="000000"/>
               </a:solidFill>
-              <a:latin typeface="Calibri"/>
+              <a:latin typeface="Arial"/>
             </a:endParaRPr>
           </a:p>
         </p:txBody>
@@ -3339,14 +3418,14 @@
             <a:noAutofit/>
           </a:bodyPr>
           <a:p>
-            <a:pPr indent="0">
+            <a:pPr indent="0" algn="ctr">
               <a:buNone/>
             </a:pPr>
-            <a:endParaRPr b="0" lang="en-US" sz="1800" spc="-1" strike="noStrike">
-              <a:solidFill>
-                <a:srgbClr val="000000"/>
-              </a:solidFill>
-              <a:latin typeface="Calibri"/>
+            <a:endParaRPr b="0" lang="en-US" sz="4400" spc="-1" strike="noStrike">
+              <a:solidFill>
+                <a:srgbClr val="000000"/>
+              </a:solidFill>
+              <a:latin typeface="Arial"/>
             </a:endParaRPr>
           </a:p>
         </p:txBody>
@@ -3389,7 +3468,7 @@
               <a:solidFill>
                 <a:srgbClr val="000000"/>
               </a:solidFill>
-              <a:latin typeface="Calibri"/>
+              <a:latin typeface="Arial"/>
             </a:endParaRPr>
           </a:p>
         </p:txBody>
@@ -3432,7 +3511,7 @@
               <a:solidFill>
                 <a:srgbClr val="000000"/>
               </a:solidFill>
-              <a:latin typeface="Calibri"/>
+              <a:latin typeface="Arial"/>
             </a:endParaRPr>
           </a:p>
         </p:txBody>
@@ -3487,14 +3566,14 @@
             <a:noAutofit/>
           </a:bodyPr>
           <a:p>
-            <a:pPr indent="0">
+            <a:pPr indent="0" algn="ctr">
               <a:buNone/>
             </a:pPr>
-            <a:endParaRPr b="0" lang="en-US" sz="1800" spc="-1" strike="noStrike">
-              <a:solidFill>
-                <a:srgbClr val="000000"/>
-              </a:solidFill>
-              <a:latin typeface="Calibri"/>
+            <a:endParaRPr b="0" lang="en-US" sz="4400" spc="-1" strike="noStrike">
+              <a:solidFill>
+                <a:srgbClr val="000000"/>
+              </a:solidFill>
+              <a:latin typeface="Arial"/>
             </a:endParaRPr>
           </a:p>
         </p:txBody>
@@ -3609,14 +3688,14 @@
             <a:noAutofit/>
           </a:bodyPr>
           <a:p>
-            <a:pPr indent="0">
+            <a:pPr indent="0" algn="ctr">
               <a:buNone/>
             </a:pPr>
-            <a:endParaRPr b="0" lang="en-US" sz="1800" spc="-1" strike="noStrike">
-              <a:solidFill>
-                <a:srgbClr val="000000"/>
-              </a:solidFill>
-              <a:latin typeface="Calibri"/>
+            <a:endParaRPr b="0" lang="en-US" sz="4400" spc="-1" strike="noStrike">
+              <a:solidFill>
+                <a:srgbClr val="000000"/>
+              </a:solidFill>
+              <a:latin typeface="Arial"/>
             </a:endParaRPr>
           </a:p>
         </p:txBody>
@@ -3659,7 +3738,7 @@
               <a:solidFill>
                 <a:srgbClr val="000000"/>
               </a:solidFill>
-              <a:latin typeface="Calibri"/>
+              <a:latin typeface="Arial"/>
             </a:endParaRPr>
           </a:p>
         </p:txBody>
@@ -3702,7 +3781,7 @@
               <a:solidFill>
                 <a:srgbClr val="000000"/>
               </a:solidFill>
-              <a:latin typeface="Calibri"/>
+              <a:latin typeface="Arial"/>
             </a:endParaRPr>
           </a:p>
         </p:txBody>
@@ -3745,7 +3824,7 @@
               <a:solidFill>
                 <a:srgbClr val="000000"/>
               </a:solidFill>
-              <a:latin typeface="Calibri"/>
+              <a:latin typeface="Arial"/>
             </a:endParaRPr>
           </a:p>
         </p:txBody>
@@ -3800,14 +3879,14 @@
             <a:noAutofit/>
           </a:bodyPr>
           <a:p>
-            <a:pPr indent="0">
+            <a:pPr indent="0" algn="ctr">
               <a:buNone/>
             </a:pPr>
-            <a:endParaRPr b="0" lang="en-US" sz="1800" spc="-1" strike="noStrike">
-              <a:solidFill>
-                <a:srgbClr val="000000"/>
-              </a:solidFill>
-              <a:latin typeface="Calibri"/>
+            <a:endParaRPr b="0" lang="en-US" sz="4400" spc="-1" strike="noStrike">
+              <a:solidFill>
+                <a:srgbClr val="000000"/>
+              </a:solidFill>
+              <a:latin typeface="Arial"/>
             </a:endParaRPr>
           </a:p>
         </p:txBody>
@@ -3850,7 +3929,7 @@
               <a:solidFill>
                 <a:srgbClr val="000000"/>
               </a:solidFill>
-              <a:latin typeface="Calibri"/>
+              <a:latin typeface="Arial"/>
             </a:endParaRPr>
           </a:p>
         </p:txBody>
@@ -3893,7 +3972,7 @@
               <a:solidFill>
                 <a:srgbClr val="000000"/>
               </a:solidFill>
-              <a:latin typeface="Calibri"/>
+              <a:latin typeface="Arial"/>
             </a:endParaRPr>
           </a:p>
         </p:txBody>
@@ -3936,7 +4015,7 @@
               <a:solidFill>
                 <a:srgbClr val="000000"/>
               </a:solidFill>
-              <a:latin typeface="Calibri"/>
+              <a:latin typeface="Arial"/>
             </a:endParaRPr>
           </a:p>
         </p:txBody>
@@ -3991,14 +4070,14 @@
             <a:noAutofit/>
           </a:bodyPr>
           <a:p>
-            <a:pPr indent="0">
+            <a:pPr indent="0" algn="ctr">
               <a:buNone/>
             </a:pPr>
-            <a:endParaRPr b="0" lang="en-US" sz="1800" spc="-1" strike="noStrike">
-              <a:solidFill>
-                <a:srgbClr val="000000"/>
-              </a:solidFill>
-              <a:latin typeface="Calibri"/>
+            <a:endParaRPr b="0" lang="en-US" sz="4400" spc="-1" strike="noStrike">
+              <a:solidFill>
+                <a:srgbClr val="000000"/>
+              </a:solidFill>
+              <a:latin typeface="Arial"/>
             </a:endParaRPr>
           </a:p>
         </p:txBody>
@@ -4041,7 +4120,7 @@
               <a:solidFill>
                 <a:srgbClr val="000000"/>
               </a:solidFill>
-              <a:latin typeface="Calibri"/>
+              <a:latin typeface="Arial"/>
             </a:endParaRPr>
           </a:p>
         </p:txBody>
@@ -4084,7 +4163,7 @@
               <a:solidFill>
                 <a:srgbClr val="000000"/>
               </a:solidFill>
-              <a:latin typeface="Calibri"/>
+              <a:latin typeface="Arial"/>
             </a:endParaRPr>
           </a:p>
         </p:txBody>
@@ -4127,7 +4206,7 @@
               <a:solidFill>
                 <a:srgbClr val="000000"/>
               </a:solidFill>
-              <a:latin typeface="Calibri"/>
+              <a:latin typeface="Arial"/>
             </a:endParaRPr>
           </a:p>
         </p:txBody>
@@ -4189,23 +4268,23 @@
             <a:noAutofit/>
           </a:bodyPr>
           <a:p>
-            <a:pPr indent="0">
+            <a:pPr indent="0" algn="ctr">
               <a:buNone/>
             </a:pPr>
             <a:r>
-              <a:rPr b="0" lang="en-US" sz="1800" spc="-1" strike="noStrike">
+              <a:rPr b="0" lang="en-US" sz="4400" spc="-1" strike="noStrike">
                 <a:solidFill>
                   <a:srgbClr val="000000"/>
                 </a:solidFill>
-                <a:latin typeface="Calibri"/>
+                <a:latin typeface="Arial"/>
               </a:rPr>
               <a:t>Click to edit the title text format</a:t>
             </a:r>
-            <a:endParaRPr b="0" lang="en-US" sz="1800" spc="-1" strike="noStrike">
-              <a:solidFill>
-                <a:srgbClr val="000000"/>
-              </a:solidFill>
-              <a:latin typeface="Calibri"/>
+            <a:endParaRPr b="0" lang="en-US" sz="4400" spc="-1" strike="noStrike">
+              <a:solidFill>
+                <a:srgbClr val="000000"/>
+              </a:solidFill>
+              <a:latin typeface="Arial"/>
             </a:endParaRPr>
           </a:p>
         </p:txBody>
@@ -4254,7 +4333,7 @@
                 <a:solidFill>
                   <a:srgbClr val="000000"/>
                 </a:solidFill>
-                <a:latin typeface="Calibri"/>
+                <a:latin typeface="Arial"/>
               </a:rPr>
               <a:t>Click to edit the outline text format</a:t>
             </a:r>
@@ -4262,7 +4341,7 @@
               <a:solidFill>
                 <a:srgbClr val="000000"/>
               </a:solidFill>
-              <a:latin typeface="Calibri"/>
+              <a:latin typeface="Arial"/>
             </a:endParaRPr>
           </a:p>
           <a:p>
@@ -4278,19 +4357,19 @@
               <a:buChar char=""/>
             </a:pPr>
             <a:r>
-              <a:rPr b="0" lang="en-US" sz="2400" spc="-1" strike="noStrike">
+              <a:rPr b="0" lang="en-US" sz="2800" spc="-1" strike="noStrike">
                 <a:solidFill>
                   <a:srgbClr val="000000"/>
                 </a:solidFill>
-                <a:latin typeface="Calibri"/>
+                <a:latin typeface="Arial"/>
               </a:rPr>
               <a:t>Second Outline Level</a:t>
             </a:r>
-            <a:endParaRPr b="0" lang="en-US" sz="2400" spc="-1" strike="noStrike">
-              <a:solidFill>
-                <a:srgbClr val="000000"/>
-              </a:solidFill>
-              <a:latin typeface="Calibri"/>
+            <a:endParaRPr b="0" lang="en-US" sz="2800" spc="-1" strike="noStrike">
+              <a:solidFill>
+                <a:srgbClr val="000000"/>
+              </a:solidFill>
+              <a:latin typeface="Arial"/>
             </a:endParaRPr>
           </a:p>
           <a:p>
@@ -4306,19 +4385,19 @@
               <a:buChar char=""/>
             </a:pPr>
             <a:r>
-              <a:rPr b="0" lang="en-US" sz="2000" spc="-1" strike="noStrike">
+              <a:rPr b="0" lang="en-US" sz="2400" spc="-1" strike="noStrike">
                 <a:solidFill>
                   <a:srgbClr val="000000"/>
                 </a:solidFill>
-                <a:latin typeface="Calibri"/>
+                <a:latin typeface="Arial"/>
               </a:rPr>
               <a:t>Third Outline Level</a:t>
             </a:r>
-            <a:endParaRPr b="0" lang="en-US" sz="2000" spc="-1" strike="noStrike">
-              <a:solidFill>
-                <a:srgbClr val="000000"/>
-              </a:solidFill>
-              <a:latin typeface="Calibri"/>
+            <a:endParaRPr b="0" lang="en-US" sz="2400" spc="-1" strike="noStrike">
+              <a:solidFill>
+                <a:srgbClr val="000000"/>
+              </a:solidFill>
+              <a:latin typeface="Arial"/>
             </a:endParaRPr>
           </a:p>
           <a:p>
@@ -4338,7 +4417,7 @@
                 <a:solidFill>
                   <a:srgbClr val="000000"/>
                 </a:solidFill>
-                <a:latin typeface="Calibri"/>
+                <a:latin typeface="Arial"/>
               </a:rPr>
               <a:t>Fourth Outline Level</a:t>
             </a:r>
@@ -4346,7 +4425,7 @@
               <a:solidFill>
                 <a:srgbClr val="000000"/>
               </a:solidFill>
-              <a:latin typeface="Calibri"/>
+              <a:latin typeface="Arial"/>
             </a:endParaRPr>
           </a:p>
           <a:p>
@@ -4366,7 +4445,7 @@
                 <a:solidFill>
                   <a:srgbClr val="000000"/>
                 </a:solidFill>
-                <a:latin typeface="Calibri"/>
+                <a:latin typeface="Arial"/>
               </a:rPr>
               <a:t>Fifth Outline Level</a:t>
             </a:r>
@@ -4374,7 +4453,7 @@
               <a:solidFill>
                 <a:srgbClr val="000000"/>
               </a:solidFill>
-              <a:latin typeface="Calibri"/>
+              <a:latin typeface="Arial"/>
             </a:endParaRPr>
           </a:p>
           <a:p>
@@ -4394,7 +4473,7 @@
                 <a:solidFill>
                   <a:srgbClr val="000000"/>
                 </a:solidFill>
-                <a:latin typeface="Calibri"/>
+                <a:latin typeface="Arial"/>
               </a:rPr>
               <a:t>Sixth Outline Level</a:t>
             </a:r>
@@ -4402,7 +4481,7 @@
               <a:solidFill>
                 <a:srgbClr val="000000"/>
               </a:solidFill>
-              <a:latin typeface="Calibri"/>
+              <a:latin typeface="Arial"/>
             </a:endParaRPr>
           </a:p>
           <a:p>
@@ -4422,7 +4501,7 @@
                 <a:solidFill>
                   <a:srgbClr val="000000"/>
                 </a:solidFill>
-                <a:latin typeface="Calibri"/>
+                <a:latin typeface="Arial"/>
               </a:rPr>
               <a:t>Seventh Outline Level</a:t>
             </a:r>
@@ -4430,7 +4509,7 @@
               <a:solidFill>
                 <a:srgbClr val="000000"/>
               </a:solidFill>
-              <a:latin typeface="Calibri"/>
+              <a:latin typeface="Arial"/>
             </a:endParaRPr>
           </a:p>
         </p:txBody>
@@ -4481,7 +4560,7 @@
         <p:spPr>
           <a:xfrm>
             <a:off x="0" y="0"/>
-            <a:ext cx="14630040" cy="8229240"/>
+            <a:ext cx="14629320" cy="8228520"/>
           </a:xfrm>
           <a:prstGeom prst="rect">
             <a:avLst/>
@@ -4504,11 +4583,17 @@
             <a:noAutofit/>
           </a:bodyPr>
           <a:p>
+            <a:pPr>
+              <a:lnSpc>
+                <a:spcPct val="100000"/>
+              </a:lnSpc>
+            </a:pPr>
             <a:endParaRPr b="0" lang="en-US" sz="1800" spc="-1" strike="noStrike">
               <a:solidFill>
                 <a:srgbClr val="ffffff"/>
               </a:solidFill>
               <a:latin typeface="Arial"/>
+              <a:ea typeface="DejaVu Sans"/>
             </a:endParaRPr>
           </a:p>
         </p:txBody>
@@ -4522,7 +4607,7 @@
         <p:spPr>
           <a:xfrm>
             <a:off x="0" y="0"/>
-            <a:ext cx="14630040" cy="8229240"/>
+            <a:ext cx="14629320" cy="8228520"/>
           </a:xfrm>
           <a:prstGeom prst="rect">
             <a:avLst/>
@@ -4548,11 +4633,17 @@
             <a:noAutofit/>
           </a:bodyPr>
           <a:p>
+            <a:pPr>
+              <a:lnSpc>
+                <a:spcPct val="100000"/>
+              </a:lnSpc>
+            </a:pPr>
             <a:endParaRPr b="0" lang="en-US" sz="1800" spc="-1" strike="noStrike">
               <a:solidFill>
                 <a:srgbClr val="ffffff"/>
               </a:solidFill>
               <a:latin typeface="Arial"/>
+              <a:ea typeface="DejaVu Sans"/>
             </a:endParaRPr>
           </a:p>
         </p:txBody>
@@ -4566,7 +4657,7 @@
         <p:spPr>
           <a:xfrm>
             <a:off x="833040" y="3053880"/>
-            <a:ext cx="7477200" cy="1388520"/>
+            <a:ext cx="7476480" cy="1387800"/>
           </a:xfrm>
           <a:prstGeom prst="rect">
             <a:avLst/>
@@ -4623,7 +4714,7 @@
         <p:spPr>
           <a:xfrm>
             <a:off x="1188720" y="4775760"/>
-            <a:ext cx="7121880" cy="399600"/>
+            <a:ext cx="7121160" cy="398880"/>
           </a:xfrm>
           <a:prstGeom prst="rect">
             <a:avLst/>
@@ -4651,7 +4742,7 @@
               <a:buClr>
                 <a:srgbClr val="e5e0df"/>
               </a:buClr>
-              <a:buFont typeface="Symbol" charset="2"/>
+              <a:buFont typeface="Symbol"/>
               <a:buChar char=""/>
             </a:pPr>
             <a:r>
@@ -4686,7 +4777,7 @@
         <p:spPr>
           <a:xfrm>
             <a:off x="9144000" y="0"/>
-            <a:ext cx="5486040" cy="8229240"/>
+            <a:ext cx="5485320" cy="8228520"/>
           </a:xfrm>
           <a:prstGeom prst="rect">
             <a:avLst/>
@@ -4728,14 +4819,14 @@
       </p:grpSpPr>
       <p:sp>
         <p:nvSpPr>
-          <p:cNvPr id="137" name="Shape 0"/>
+          <p:cNvPr id="134" name="Shape 0"/>
           <p:cNvSpPr/>
           <p:nvPr/>
         </p:nvSpPr>
         <p:spPr>
           <a:xfrm>
             <a:off x="0" y="0"/>
-            <a:ext cx="14630040" cy="8229240"/>
+            <a:ext cx="14629320" cy="8228520"/>
           </a:xfrm>
           <a:prstGeom prst="rect">
             <a:avLst/>
@@ -4758,25 +4849,31 @@
             <a:noAutofit/>
           </a:bodyPr>
           <a:p>
+            <a:pPr>
+              <a:lnSpc>
+                <a:spcPct val="100000"/>
+              </a:lnSpc>
+            </a:pPr>
             <a:endParaRPr b="0" lang="en-US" sz="1800" spc="-1" strike="noStrike">
               <a:solidFill>
                 <a:srgbClr val="ffffff"/>
               </a:solidFill>
               <a:latin typeface="Arial"/>
-            </a:endParaRPr>
-          </a:p>
-        </p:txBody>
-      </p:sp>
-      <p:sp>
-        <p:nvSpPr>
-          <p:cNvPr id="138" name="Shape 1"/>
+              <a:ea typeface="DejaVu Sans"/>
+            </a:endParaRPr>
+          </a:p>
+        </p:txBody>
+      </p:sp>
+      <p:sp>
+        <p:nvSpPr>
+          <p:cNvPr id="135" name="Shape 1"/>
           <p:cNvSpPr/>
           <p:nvPr/>
         </p:nvSpPr>
         <p:spPr>
           <a:xfrm>
             <a:off x="0" y="0"/>
-            <a:ext cx="14630040" cy="8229240"/>
+            <a:ext cx="14629320" cy="8228520"/>
           </a:xfrm>
           <a:prstGeom prst="rect">
             <a:avLst/>
@@ -4802,25 +4899,31 @@
             <a:noAutofit/>
           </a:bodyPr>
           <a:p>
+            <a:pPr>
+              <a:lnSpc>
+                <a:spcPct val="100000"/>
+              </a:lnSpc>
+            </a:pPr>
             <a:endParaRPr b="0" lang="en-US" sz="1800" spc="-1" strike="noStrike">
               <a:solidFill>
                 <a:srgbClr val="ffffff"/>
               </a:solidFill>
               <a:latin typeface="Arial"/>
-            </a:endParaRPr>
-          </a:p>
-        </p:txBody>
-      </p:sp>
-      <p:sp>
-        <p:nvSpPr>
-          <p:cNvPr id="139" name="Text 2"/>
+              <a:ea typeface="DejaVu Sans"/>
+            </a:endParaRPr>
+          </a:p>
+        </p:txBody>
+      </p:sp>
+      <p:sp>
+        <p:nvSpPr>
+          <p:cNvPr id="136" name="Text 2"/>
           <p:cNvSpPr/>
           <p:nvPr/>
         </p:nvSpPr>
         <p:spPr>
           <a:xfrm>
-            <a:off x="2037960" y="1515960"/>
-            <a:ext cx="9944280" cy="694080"/>
+            <a:off x="2037960" y="659880"/>
+            <a:ext cx="4442760" cy="693360"/>
           </a:xfrm>
           <a:prstGeom prst="rect">
             <a:avLst/>
@@ -4857,7 +4960,7 @@
                 <a:latin typeface="Inter"/>
                 <a:ea typeface="Inter"/>
               </a:rPr>
-              <a:t>Main Function - Menu-Driven Interface</a:t>
+              <a:t>Utility Functions</a:t>
             </a:r>
             <a:endParaRPr b="0" lang="en-US" sz="4370" spc="-1" strike="noStrike">
               <a:solidFill>
@@ -4870,18 +4973,18 @@
       </p:sp>
       <p:sp>
         <p:nvSpPr>
-          <p:cNvPr id="140" name="Shape 3"/>
+          <p:cNvPr id="137" name="Shape 3"/>
           <p:cNvSpPr/>
           <p:nvPr/>
         </p:nvSpPr>
         <p:spPr>
           <a:xfrm>
-            <a:off x="2037960" y="2654640"/>
-            <a:ext cx="10554120" cy="2032200"/>
+            <a:off x="2037960" y="1798560"/>
+            <a:ext cx="10553400" cy="3697200"/>
           </a:xfrm>
           <a:prstGeom prst="roundRect">
             <a:avLst>
-              <a:gd name="adj" fmla="val 2699"/>
+              <a:gd name="adj" fmla="val 1483"/>
             </a:avLst>
           </a:prstGeom>
           <a:solidFill>
@@ -4902,18 +5005,24 @@
             <a:noAutofit/>
           </a:bodyPr>
           <a:p>
+            <a:pPr>
+              <a:lnSpc>
+                <a:spcPct val="100000"/>
+              </a:lnSpc>
+            </a:pPr>
             <a:endParaRPr b="0" lang="en-US" sz="1800" spc="-1" strike="noStrike">
               <a:solidFill>
                 <a:srgbClr val="ffffff"/>
               </a:solidFill>
               <a:latin typeface="Arial"/>
+              <a:ea typeface="DejaVu Sans"/>
             </a:endParaRPr>
           </a:p>
         </p:txBody>
       </p:sp>
       <p:pic>
         <p:nvPicPr>
-          <p:cNvPr id="141" name="Image 0" descr="preencoded.png"/>
+          <p:cNvPr id="138" name="Image 0" descr="preencoded.png"/>
           <p:cNvPicPr/>
           <p:nvPr/>
         </p:nvPicPr>
@@ -4923,8 +5032,8 @@
         </p:blipFill>
         <p:spPr>
           <a:xfrm>
-            <a:off x="2260080" y="2989080"/>
-            <a:ext cx="277200" cy="221760"/>
+            <a:off x="2260080" y="2133360"/>
+            <a:ext cx="276480" cy="221040"/>
           </a:xfrm>
           <a:prstGeom prst="rect">
             <a:avLst/>
@@ -4936,14 +5045,14 @@
       </p:pic>
       <p:sp>
         <p:nvSpPr>
-          <p:cNvPr id="142" name="Text 4"/>
+          <p:cNvPr id="139" name="Text 4"/>
           <p:cNvSpPr/>
           <p:nvPr/>
         </p:nvSpPr>
         <p:spPr>
           <a:xfrm>
-            <a:off x="2760120" y="2909880"/>
-            <a:ext cx="9609840" cy="354960"/>
+            <a:off x="2760120" y="2054160"/>
+            <a:ext cx="9609120" cy="354240"/>
           </a:xfrm>
           <a:prstGeom prst="rect">
             <a:avLst/>
@@ -4980,7 +5089,7 @@
                 <a:latin typeface="Inter"/>
                 <a:ea typeface="Inter"/>
               </a:rPr>
-              <a:t>int main() { </a:t>
+              <a:t>void Introduction() { </a:t>
             </a:r>
             <a:endParaRPr b="0" lang="en-US" sz="1750" spc="-1" strike="noStrike">
               <a:solidFill>
@@ -4993,14 +5102,14 @@
       </p:sp>
       <p:sp>
         <p:nvSpPr>
-          <p:cNvPr id="143" name="Text 5"/>
+          <p:cNvPr id="140" name="Text 5"/>
           <p:cNvSpPr/>
           <p:nvPr/>
         </p:nvSpPr>
         <p:spPr>
           <a:xfrm>
-            <a:off x="2760120" y="3465360"/>
-            <a:ext cx="9609840" cy="354960"/>
+            <a:off x="2760120" y="2609280"/>
+            <a:ext cx="9609120" cy="354240"/>
           </a:xfrm>
           <a:prstGeom prst="rect">
             <a:avLst/>
@@ -5039,16 +5148,6 @@
               </a:rPr>
               <a:t>// ... Function Implementation ...</a:t>
             </a:r>
-            <a:r>
-              <a:rPr b="0" lang="en-US" sz="1750" spc="-35" strike="noStrike">
-                <a:solidFill>
-                  <a:srgbClr val="ffffff"/>
-                </a:solidFill>
-                <a:latin typeface="Inter"/>
-                <a:ea typeface="Inter"/>
-              </a:rPr>
-              <a:t> </a:t>
-            </a:r>
             <a:endParaRPr b="0" lang="en-US" sz="1750" spc="-1" strike="noStrike">
               <a:solidFill>
                 <a:srgbClr val="000000"/>
@@ -5060,14 +5159,14 @@
       </p:sp>
       <p:sp>
         <p:nvSpPr>
-          <p:cNvPr id="144" name="Text 6"/>
+          <p:cNvPr id="141" name="Text 6"/>
           <p:cNvSpPr/>
           <p:nvPr/>
         </p:nvSpPr>
         <p:spPr>
           <a:xfrm>
-            <a:off x="2760120" y="4020480"/>
-            <a:ext cx="9609840" cy="354960"/>
+            <a:off x="2760120" y="3164760"/>
+            <a:ext cx="9609120" cy="354240"/>
           </a:xfrm>
           <a:prstGeom prst="rect">
             <a:avLst/>
@@ -5104,6 +5203,16 @@
                 <a:latin typeface="Inter"/>
                 <a:ea typeface="Inter"/>
               </a:rPr>
+              <a:t> </a:t>
+            </a:r>
+            <a:r>
+              <a:rPr b="0" lang="en-US" sz="1750" spc="-35" strike="noStrike">
+                <a:solidFill>
+                  <a:srgbClr val="ffffff"/>
+                </a:solidFill>
+                <a:latin typeface="Inter"/>
+                <a:ea typeface="Inter"/>
+              </a:rPr>
               <a:t>}</a:t>
             </a:r>
             <a:endParaRPr b="0" lang="en-US" sz="1750" spc="-1" strike="noStrike">
@@ -5117,14 +5226,14 @@
       </p:sp>
       <p:sp>
         <p:nvSpPr>
-          <p:cNvPr id="145" name="Text 7"/>
+          <p:cNvPr id="142" name="Text 7"/>
           <p:cNvSpPr/>
           <p:nvPr/>
         </p:nvSpPr>
         <p:spPr>
           <a:xfrm>
-            <a:off x="2393280" y="4936680"/>
-            <a:ext cx="10198800" cy="399600"/>
+            <a:off x="2760120" y="3719880"/>
+            <a:ext cx="9609120" cy="354240"/>
           </a:xfrm>
           <a:prstGeom prst="rect">
             <a:avLst/>
@@ -5145,25 +5254,23 @@
             <a:noAutofit/>
           </a:bodyPr>
           <a:p>
-            <a:pPr marL="343080" indent="-343080">
-              <a:lnSpc>
-                <a:spcPts val="3149"/>
-              </a:lnSpc>
-              <a:buClr>
-                <a:srgbClr val="e5e0df"/>
-              </a:buClr>
-              <a:buFont typeface="Symbol" charset="2"/>
-              <a:buChar char=""/>
+            <a:pPr>
+              <a:lnSpc>
+                <a:spcPts val="2798"/>
+              </a:lnSpc>
+              <a:tabLst>
+                <a:tab algn="l" pos="0"/>
+              </a:tabLst>
             </a:pPr>
             <a:r>
               <a:rPr b="0" lang="en-US" sz="1750" spc="-35" strike="noStrike">
                 <a:solidFill>
-                  <a:srgbClr val="e5e0df"/>
+                  <a:srgbClr val="ffffff"/>
                 </a:solidFill>
                 <a:latin typeface="Inter"/>
                 <a:ea typeface="Inter"/>
               </a:rPr>
-              <a:t>he main function serves as the central control hub of the Console Voting System.</a:t>
+              <a:t>void design_lines() { </a:t>
             </a:r>
             <a:endParaRPr b="0" lang="en-US" sz="1750" spc="-1" strike="noStrike">
               <a:solidFill>
@@ -5176,14 +5283,14 @@
       </p:sp>
       <p:sp>
         <p:nvSpPr>
-          <p:cNvPr id="146" name="Text 8"/>
+          <p:cNvPr id="143" name="Text 8"/>
           <p:cNvSpPr/>
           <p:nvPr/>
         </p:nvSpPr>
         <p:spPr>
           <a:xfrm>
-            <a:off x="2393280" y="5425560"/>
-            <a:ext cx="10198800" cy="799200"/>
+            <a:off x="2760120" y="4275360"/>
+            <a:ext cx="9609120" cy="354240"/>
           </a:xfrm>
           <a:prstGeom prst="rect">
             <a:avLst/>
@@ -5200,29 +5307,27 @@
           <a:fontRef idx="minor"/>
         </p:style>
         <p:txBody>
-          <a:bodyPr lIns="90000" rIns="90000" tIns="45000" bIns="45000" anchor="t">
-            <a:noAutofit/>
-          </a:bodyPr>
-          <a:p>
-            <a:pPr marL="343080" indent="-343080">
-              <a:lnSpc>
-                <a:spcPts val="3149"/>
-              </a:lnSpc>
-              <a:buClr>
-                <a:srgbClr val="e5e0df"/>
-              </a:buClr>
-              <a:buFont typeface="Symbol" charset="2"/>
-              <a:buChar char=""/>
+          <a:bodyPr wrap="none" lIns="90000" rIns="90000" tIns="45000" bIns="45000" anchor="t">
+            <a:noAutofit/>
+          </a:bodyPr>
+          <a:p>
+            <a:pPr>
+              <a:lnSpc>
+                <a:spcPts val="2798"/>
+              </a:lnSpc>
+              <a:tabLst>
+                <a:tab algn="l" pos="0"/>
+              </a:tabLst>
             </a:pPr>
             <a:r>
-              <a:rPr b="0" lang="en-US" sz="1750" spc="-35" strike="noStrike">
-                <a:solidFill>
-                  <a:srgbClr val="e5e0df"/>
+              <a:rPr b="0" i="1" lang="en-US" sz="1750" spc="-35" strike="noStrike">
+                <a:solidFill>
+                  <a:srgbClr val="ffffff"/>
                 </a:solidFill>
                 <a:latin typeface="Inter"/>
                 <a:ea typeface="Inter"/>
               </a:rPr>
-              <a:t>It offers a menu-driven interface, allowing users to choose from various options: candidate input, candidate display, voting, result display, and exit.</a:t>
+              <a:t>// ... Function Implementation ... </a:t>
             </a:r>
             <a:endParaRPr b="0" lang="en-US" sz="1750" spc="-1" strike="noStrike">
               <a:solidFill>
@@ -5235,14 +5340,14 @@
       </p:sp>
       <p:sp>
         <p:nvSpPr>
-          <p:cNvPr id="147" name="Text 9"/>
+          <p:cNvPr id="144" name="Text 9"/>
           <p:cNvSpPr/>
           <p:nvPr/>
         </p:nvSpPr>
         <p:spPr>
           <a:xfrm>
-            <a:off x="2393280" y="6314040"/>
-            <a:ext cx="10198800" cy="399600"/>
+            <a:off x="2760120" y="4830480"/>
+            <a:ext cx="9609120" cy="354240"/>
           </a:xfrm>
           <a:prstGeom prst="rect">
             <a:avLst/>
@@ -5263,6 +5368,63 @@
             <a:noAutofit/>
           </a:bodyPr>
           <a:p>
+            <a:pPr>
+              <a:lnSpc>
+                <a:spcPts val="2798"/>
+              </a:lnSpc>
+              <a:tabLst>
+                <a:tab algn="l" pos="0"/>
+              </a:tabLst>
+            </a:pPr>
+            <a:r>
+              <a:rPr b="0" lang="en-US" sz="1750" spc="-35" strike="noStrike">
+                <a:solidFill>
+                  <a:srgbClr val="ffffff"/>
+                </a:solidFill>
+                <a:latin typeface="Inter"/>
+                <a:ea typeface="Inter"/>
+              </a:rPr>
+              <a:t>}</a:t>
+            </a:r>
+            <a:endParaRPr b="0" lang="en-US" sz="1750" spc="-1" strike="noStrike">
+              <a:solidFill>
+                <a:srgbClr val="000000"/>
+              </a:solidFill>
+              <a:latin typeface="Arial"/>
+            </a:endParaRPr>
+          </a:p>
+        </p:txBody>
+      </p:sp>
+      <p:sp>
+        <p:nvSpPr>
+          <p:cNvPr id="145" name="Text 10"/>
+          <p:cNvSpPr/>
+          <p:nvPr/>
+        </p:nvSpPr>
+        <p:spPr>
+          <a:xfrm>
+            <a:off x="2393280" y="5747040"/>
+            <a:ext cx="10198080" cy="398880"/>
+          </a:xfrm>
+          <a:prstGeom prst="rect">
+            <a:avLst/>
+          </a:prstGeom>
+          <a:noFill/>
+          <a:ln w="0">
+            <a:noFill/>
+          </a:ln>
+        </p:spPr>
+        <p:style>
+          <a:lnRef idx="0"/>
+          <a:fillRef idx="0"/>
+          <a:effectRef idx="0"/>
+          <a:fontRef idx="minor"/>
+        </p:style>
+        <p:txBody>
+          <a:bodyPr wrap="none" lIns="90000" rIns="90000" tIns="45000" bIns="45000" anchor="t">
+            <a:noAutofit/>
+          </a:bodyPr>
+          <a:p>
             <a:pPr marL="343080" indent="-343080">
               <a:lnSpc>
                 <a:spcPts val="3149"/>
@@ -5270,7 +5432,7 @@
               <a:buClr>
                 <a:srgbClr val="e5e0df"/>
               </a:buClr>
-              <a:buFont typeface="Symbol" charset="2"/>
+              <a:buFont typeface="Symbol"/>
               <a:buChar char=""/>
             </a:pPr>
             <a:r>
@@ -5281,7 +5443,147 @@
                 <a:latin typeface="Inter"/>
                 <a:ea typeface="Inter"/>
               </a:rPr>
-              <a:t>The menu-driven approach makes the voting process intuitive and user-friendly.</a:t>
+              <a:t>To create a more user-friendly experience, the Console Voting System includes utility functions.</a:t>
+            </a:r>
+            <a:endParaRPr b="0" lang="en-US" sz="1750" spc="-1" strike="noStrike">
+              <a:solidFill>
+                <a:srgbClr val="000000"/>
+              </a:solidFill>
+              <a:latin typeface="Arial"/>
+            </a:endParaRPr>
+          </a:p>
+        </p:txBody>
+      </p:sp>
+      <p:sp>
+        <p:nvSpPr>
+          <p:cNvPr id="146" name="Text 11"/>
+          <p:cNvSpPr/>
+          <p:nvPr/>
+        </p:nvSpPr>
+        <p:spPr>
+          <a:xfrm>
+            <a:off x="2393280" y="6235560"/>
+            <a:ext cx="10198080" cy="821520"/>
+          </a:xfrm>
+          <a:prstGeom prst="rect">
+            <a:avLst/>
+          </a:prstGeom>
+          <a:noFill/>
+          <a:ln w="0">
+            <a:noFill/>
+          </a:ln>
+        </p:spPr>
+        <p:style>
+          <a:lnRef idx="0"/>
+          <a:fillRef idx="0"/>
+          <a:effectRef idx="0"/>
+          <a:fontRef idx="minor"/>
+        </p:style>
+        <p:txBody>
+          <a:bodyPr lIns="90000" rIns="90000" tIns="45000" bIns="45000" anchor="t">
+            <a:noAutofit/>
+          </a:bodyPr>
+          <a:p>
+            <a:pPr>
+              <a:lnSpc>
+                <a:spcPts val="3149"/>
+              </a:lnSpc>
+              <a:tabLst>
+                <a:tab algn="l" pos="0"/>
+              </a:tabLst>
+            </a:pPr>
+            <a:r>
+              <a:rPr b="0" lang="en-US" sz="1750" spc="-35" strike="noStrike">
+                <a:solidFill>
+                  <a:srgbClr val="e5e0df"/>
+                </a:solidFill>
+                <a:highlight>
+                  <a:srgbClr val="0a004d"/>
+                </a:highlight>
+                <a:latin typeface="Consolas"/>
+                <a:ea typeface="Consolas"/>
+              </a:rPr>
+              <a:t>Introduction()</a:t>
+            </a:r>
+            <a:r>
+              <a:rPr b="0" lang="en-US" sz="1750" spc="-35" strike="noStrike">
+                <a:solidFill>
+                  <a:srgbClr val="e5e0df"/>
+                </a:solidFill>
+                <a:latin typeface="Inter"/>
+                <a:ea typeface="Inter"/>
+              </a:rPr>
+              <a:t> displays a warm welcome message to users, setting a positive tone for their voting experience.</a:t>
+            </a:r>
+            <a:endParaRPr b="0" lang="en-US" sz="1750" spc="-1" strike="noStrike">
+              <a:solidFill>
+                <a:srgbClr val="000000"/>
+              </a:solidFill>
+              <a:latin typeface="Arial"/>
+            </a:endParaRPr>
+          </a:p>
+        </p:txBody>
+      </p:sp>
+      <p:sp>
+        <p:nvSpPr>
+          <p:cNvPr id="147" name="Text 12"/>
+          <p:cNvSpPr/>
+          <p:nvPr/>
+        </p:nvSpPr>
+        <p:spPr>
+          <a:xfrm>
+            <a:off x="2393280" y="7146720"/>
+            <a:ext cx="10198080" cy="421560"/>
+          </a:xfrm>
+          <a:prstGeom prst="rect">
+            <a:avLst/>
+          </a:prstGeom>
+          <a:noFill/>
+          <a:ln w="0">
+            <a:noFill/>
+          </a:ln>
+        </p:spPr>
+        <p:style>
+          <a:lnRef idx="0"/>
+          <a:fillRef idx="0"/>
+          <a:effectRef idx="0"/>
+          <a:fontRef idx="minor"/>
+        </p:style>
+        <p:txBody>
+          <a:bodyPr wrap="none" lIns="90000" rIns="90000" tIns="45000" bIns="45000" anchor="t">
+            <a:noAutofit/>
+          </a:bodyPr>
+          <a:p>
+            <a:pPr>
+              <a:lnSpc>
+                <a:spcPts val="3149"/>
+              </a:lnSpc>
+              <a:tabLst>
+                <a:tab algn="l" pos="0"/>
+              </a:tabLst>
+            </a:pPr>
+            <a:r>
+              <a:rPr b="0" lang="en-US" sz="1750" spc="-35" strike="noStrike">
+                <a:solidFill>
+                  <a:srgbClr val="e5e0df"/>
+                </a:solidFill>
+                <a:highlight>
+                  <a:srgbClr val="0a004d"/>
+                </a:highlight>
+                <a:latin typeface="Consolas"/>
+                <a:ea typeface="Consolas"/>
+              </a:rPr>
+              <a:t>design_lines()</a:t>
+            </a:r>
+            <a:r>
+              <a:rPr b="0" lang="en-US" sz="1750" spc="-35" strike="noStrike">
+                <a:solidFill>
+                  <a:srgbClr val="e5e0df"/>
+                </a:solidFill>
+                <a:latin typeface="Inter"/>
+                <a:ea typeface="Inter"/>
+              </a:rPr>
+              <a:t> provides a visually appealing separator to improve the aesthetics of the console display.</a:t>
             </a:r>
             <a:endParaRPr b="0" lang="en-US" sz="1750" spc="-1" strike="noStrike">
               <a:solidFill>
@@ -5331,7 +5633,7 @@
         <p:spPr>
           <a:xfrm>
             <a:off x="0" y="0"/>
-            <a:ext cx="14630040" cy="8229240"/>
+            <a:ext cx="14629320" cy="8228520"/>
           </a:xfrm>
           <a:prstGeom prst="rect">
             <a:avLst/>
@@ -5354,11 +5656,17 @@
             <a:noAutofit/>
           </a:bodyPr>
           <a:p>
+            <a:pPr>
+              <a:lnSpc>
+                <a:spcPct val="100000"/>
+              </a:lnSpc>
+            </a:pPr>
             <a:endParaRPr b="0" lang="en-US" sz="1800" spc="-1" strike="noStrike">
               <a:solidFill>
                 <a:srgbClr val="ffffff"/>
               </a:solidFill>
               <a:latin typeface="Arial"/>
+              <a:ea typeface="DejaVu Sans"/>
             </a:endParaRPr>
           </a:p>
         </p:txBody>
@@ -5372,7 +5680,7 @@
         <p:spPr>
           <a:xfrm>
             <a:off x="0" y="0"/>
-            <a:ext cx="14630040" cy="8229240"/>
+            <a:ext cx="14629320" cy="8228520"/>
           </a:xfrm>
           <a:prstGeom prst="rect">
             <a:avLst/>
@@ -5398,11 +5706,17 @@
             <a:noAutofit/>
           </a:bodyPr>
           <a:p>
+            <a:pPr>
+              <a:lnSpc>
+                <a:spcPct val="100000"/>
+              </a:lnSpc>
+            </a:pPr>
             <a:endParaRPr b="0" lang="en-US" sz="1800" spc="-1" strike="noStrike">
               <a:solidFill>
                 <a:srgbClr val="ffffff"/>
               </a:solidFill>
               <a:latin typeface="Arial"/>
+              <a:ea typeface="DejaVu Sans"/>
             </a:endParaRPr>
           </a:p>
         </p:txBody>
@@ -5416,7 +5730,7 @@
         <p:spPr>
           <a:xfrm>
             <a:off x="2037960" y="2257200"/>
-            <a:ext cx="4443480" cy="694080"/>
+            <a:ext cx="4442760" cy="693360"/>
           </a:xfrm>
           <a:prstGeom prst="rect">
             <a:avLst/>
@@ -5473,7 +5787,7 @@
         <p:spPr>
           <a:xfrm>
             <a:off x="2393280" y="3395880"/>
-            <a:ext cx="10198800" cy="799200"/>
+            <a:ext cx="10198080" cy="798480"/>
           </a:xfrm>
           <a:prstGeom prst="rect">
             <a:avLst/>
@@ -5501,7 +5815,7 @@
               <a:buClr>
                 <a:srgbClr val="e5e0df"/>
               </a:buClr>
-              <a:buFont typeface="Symbol" charset="2"/>
+              <a:buFont typeface="Symbol"/>
               <a:buChar char=""/>
             </a:pPr>
             <a:r>
@@ -5532,7 +5846,7 @@
         <p:spPr>
           <a:xfrm>
             <a:off x="2393280" y="4284360"/>
-            <a:ext cx="10198800" cy="799200"/>
+            <a:ext cx="10198080" cy="798480"/>
           </a:xfrm>
           <a:prstGeom prst="rect">
             <a:avLst/>
@@ -5560,7 +5874,7 @@
               <a:buClr>
                 <a:srgbClr val="e5e0df"/>
               </a:buClr>
-              <a:buFont typeface="Symbol" charset="2"/>
+              <a:buFont typeface="Symbol"/>
               <a:buChar char=""/>
             </a:pPr>
             <a:r>
@@ -5591,7 +5905,7 @@
         <p:spPr>
           <a:xfrm>
             <a:off x="2393280" y="5172840"/>
-            <a:ext cx="10198800" cy="799200"/>
+            <a:ext cx="10198080" cy="798480"/>
           </a:xfrm>
           <a:prstGeom prst="rect">
             <a:avLst/>
@@ -5619,7 +5933,7 @@
               <a:buClr>
                 <a:srgbClr val="e5e0df"/>
               </a:buClr>
-              <a:buFont typeface="Symbol" charset="2"/>
+              <a:buFont typeface="Symbol"/>
               <a:buChar char=""/>
             </a:pPr>
             <a:r>
@@ -5680,7 +5994,7 @@
         <p:spPr>
           <a:xfrm>
             <a:off x="0" y="0"/>
-            <a:ext cx="14630040" cy="8229240"/>
+            <a:ext cx="14629320" cy="8228520"/>
           </a:xfrm>
           <a:prstGeom prst="rect">
             <a:avLst/>
@@ -5703,11 +6017,17 @@
             <a:noAutofit/>
           </a:bodyPr>
           <a:p>
+            <a:pPr>
+              <a:lnSpc>
+                <a:spcPct val="100000"/>
+              </a:lnSpc>
+            </a:pPr>
             <a:endParaRPr b="0" lang="en-US" sz="1800" spc="-1" strike="noStrike">
               <a:solidFill>
                 <a:srgbClr val="ffffff"/>
               </a:solidFill>
               <a:latin typeface="Arial"/>
+              <a:ea typeface="DejaVu Sans"/>
             </a:endParaRPr>
           </a:p>
         </p:txBody>
@@ -5721,7 +6041,7 @@
         <p:spPr>
           <a:xfrm>
             <a:off x="0" y="0"/>
-            <a:ext cx="14630040" cy="8229240"/>
+            <a:ext cx="14629320" cy="8228520"/>
           </a:xfrm>
           <a:prstGeom prst="rect">
             <a:avLst/>
@@ -5747,11 +6067,17 @@
             <a:noAutofit/>
           </a:bodyPr>
           <a:p>
+            <a:pPr>
+              <a:lnSpc>
+                <a:spcPct val="100000"/>
+              </a:lnSpc>
+            </a:pPr>
             <a:endParaRPr b="0" lang="en-US" sz="1800" spc="-1" strike="noStrike">
               <a:solidFill>
                 <a:srgbClr val="ffffff"/>
               </a:solidFill>
               <a:latin typeface="Arial"/>
+              <a:ea typeface="DejaVu Sans"/>
             </a:endParaRPr>
           </a:p>
         </p:txBody>
@@ -5765,7 +6091,7 @@
         <p:spPr>
           <a:xfrm>
             <a:off x="2037960" y="2124000"/>
-            <a:ext cx="5634360" cy="694080"/>
+            <a:ext cx="5633640" cy="693360"/>
           </a:xfrm>
           <a:prstGeom prst="rect">
             <a:avLst/>
@@ -5822,7 +6148,7 @@
         <p:spPr>
           <a:xfrm>
             <a:off x="2393280" y="3262680"/>
-            <a:ext cx="10198800" cy="399600"/>
+            <a:ext cx="10198080" cy="398880"/>
           </a:xfrm>
           <a:prstGeom prst="rect">
             <a:avLst/>
@@ -5850,7 +6176,7 @@
               <a:buClr>
                 <a:srgbClr val="e5e0df"/>
               </a:buClr>
-              <a:buFont typeface="Symbol" charset="2"/>
+              <a:buFont typeface="Symbol"/>
               <a:buChar char=""/>
             </a:pPr>
             <a:r>
@@ -5881,7 +6207,7 @@
         <p:spPr>
           <a:xfrm>
             <a:off x="2393280" y="3751200"/>
-            <a:ext cx="10198800" cy="399600"/>
+            <a:ext cx="10198080" cy="398880"/>
           </a:xfrm>
           <a:prstGeom prst="rect">
             <a:avLst/>
@@ -5909,7 +6235,7 @@
               <a:buClr>
                 <a:srgbClr val="e5e0df"/>
               </a:buClr>
-              <a:buFont typeface="Symbol" charset="2"/>
+              <a:buFont typeface="Symbol"/>
               <a:buChar char=""/>
             </a:pPr>
             <a:r>
@@ -5940,7 +6266,7 @@
         <p:spPr>
           <a:xfrm>
             <a:off x="2748960" y="4240080"/>
-            <a:ext cx="9843120" cy="399600"/>
+            <a:ext cx="9842400" cy="398880"/>
           </a:xfrm>
           <a:prstGeom prst="rect">
             <a:avLst/>
@@ -5968,7 +6294,7 @@
               <a:buClr>
                 <a:srgbClr val="e5e0df"/>
               </a:buClr>
-              <a:buFont typeface="Symbol" charset="2"/>
+              <a:buFont typeface="Symbol"/>
               <a:buChar char=""/>
             </a:pPr>
             <a:r>
@@ -5999,7 +6325,7 @@
         <p:spPr>
           <a:xfrm>
             <a:off x="2748960" y="4728600"/>
-            <a:ext cx="9843120" cy="399600"/>
+            <a:ext cx="9842400" cy="398880"/>
           </a:xfrm>
           <a:prstGeom prst="rect">
             <a:avLst/>
@@ -6027,7 +6353,7 @@
               <a:buClr>
                 <a:srgbClr val="e5e0df"/>
               </a:buClr>
-              <a:buFont typeface="Symbol" charset="2"/>
+              <a:buFont typeface="Symbol"/>
               <a:buChar char=""/>
             </a:pPr>
             <a:r>
@@ -6058,7 +6384,7 @@
         <p:spPr>
           <a:xfrm>
             <a:off x="2748960" y="5217120"/>
-            <a:ext cx="9843120" cy="399600"/>
+            <a:ext cx="9842400" cy="398880"/>
           </a:xfrm>
           <a:prstGeom prst="rect">
             <a:avLst/>
@@ -6086,7 +6412,7 @@
               <a:buClr>
                 <a:srgbClr val="e5e0df"/>
               </a:buClr>
-              <a:buFont typeface="Symbol" charset="2"/>
+              <a:buFont typeface="Symbol"/>
               <a:buChar char=""/>
             </a:pPr>
             <a:r>
@@ -6117,7 +6443,7 @@
         <p:spPr>
           <a:xfrm>
             <a:off x="2748960" y="5706000"/>
-            <a:ext cx="9843120" cy="399600"/>
+            <a:ext cx="9842400" cy="398880"/>
           </a:xfrm>
           <a:prstGeom prst="rect">
             <a:avLst/>
@@ -6145,7 +6471,7 @@
               <a:buClr>
                 <a:srgbClr val="e5e0df"/>
               </a:buClr>
-              <a:buFont typeface="Symbol" charset="2"/>
+              <a:buFont typeface="Symbol"/>
               <a:buChar char=""/>
             </a:pPr>
             <a:r>
@@ -6206,7 +6532,7 @@
         <p:spPr>
           <a:xfrm>
             <a:off x="0" y="0"/>
-            <a:ext cx="14630040" cy="8229240"/>
+            <a:ext cx="14629320" cy="8228520"/>
           </a:xfrm>
           <a:prstGeom prst="rect">
             <a:avLst/>
@@ -6229,11 +6555,17 @@
             <a:noAutofit/>
           </a:bodyPr>
           <a:p>
+            <a:pPr>
+              <a:lnSpc>
+                <a:spcPct val="100000"/>
+              </a:lnSpc>
+            </a:pPr>
             <a:endParaRPr b="0" lang="en-US" sz="1800" spc="-1" strike="noStrike">
               <a:solidFill>
                 <a:srgbClr val="ffffff"/>
               </a:solidFill>
               <a:latin typeface="Arial"/>
+              <a:ea typeface="DejaVu Sans"/>
             </a:endParaRPr>
           </a:p>
         </p:txBody>
@@ -6247,7 +6579,7 @@
         <p:spPr>
           <a:xfrm>
             <a:off x="0" y="0"/>
-            <a:ext cx="14630040" cy="8229240"/>
+            <a:ext cx="14629320" cy="8228520"/>
           </a:xfrm>
           <a:prstGeom prst="rect">
             <a:avLst/>
@@ -6273,11 +6605,17 @@
             <a:noAutofit/>
           </a:bodyPr>
           <a:p>
+            <a:pPr>
+              <a:lnSpc>
+                <a:spcPct val="100000"/>
+              </a:lnSpc>
+            </a:pPr>
             <a:endParaRPr b="0" lang="en-US" sz="1800" spc="-1" strike="noStrike">
               <a:solidFill>
                 <a:srgbClr val="ffffff"/>
               </a:solidFill>
               <a:latin typeface="Arial"/>
+              <a:ea typeface="DejaVu Sans"/>
             </a:endParaRPr>
           </a:p>
         </p:txBody>
@@ -6291,7 +6629,7 @@
         <p:spPr>
           <a:xfrm>
             <a:off x="5093280" y="2554200"/>
-            <a:ext cx="4443480" cy="694080"/>
+            <a:ext cx="4442760" cy="693360"/>
           </a:xfrm>
           <a:prstGeom prst="rect">
             <a:avLst/>
@@ -6348,7 +6686,7 @@
         <p:spPr>
           <a:xfrm>
             <a:off x="2393280" y="3692880"/>
-            <a:ext cx="10198800" cy="399600"/>
+            <a:ext cx="10198080" cy="398880"/>
           </a:xfrm>
           <a:prstGeom prst="rect">
             <a:avLst/>
@@ -6376,7 +6714,7 @@
               <a:buClr>
                 <a:srgbClr val="e5e0df"/>
               </a:buClr>
-              <a:buFont typeface="Symbol" charset="2"/>
+              <a:buFont typeface="Symbol"/>
               <a:buChar char=""/>
             </a:pPr>
             <a:r>
@@ -6407,7 +6745,7 @@
         <p:spPr>
           <a:xfrm>
             <a:off x="2393280" y="4181760"/>
-            <a:ext cx="10198800" cy="399600"/>
+            <a:ext cx="10198080" cy="398880"/>
           </a:xfrm>
           <a:prstGeom prst="rect">
             <a:avLst/>
@@ -6435,7 +6773,7 @@
               <a:buClr>
                 <a:srgbClr val="e5e0df"/>
               </a:buClr>
-              <a:buFont typeface="Symbol" charset="2"/>
+              <a:buFont typeface="Symbol"/>
               <a:buChar char=""/>
             </a:pPr>
             <a:r>
@@ -6466,7 +6804,7 @@
         <p:spPr>
           <a:xfrm>
             <a:off x="2393280" y="4670280"/>
-            <a:ext cx="10198800" cy="399600"/>
+            <a:ext cx="10198080" cy="398880"/>
           </a:xfrm>
           <a:prstGeom prst="rect">
             <a:avLst/>
@@ -6494,7 +6832,7 @@
               <a:buClr>
                 <a:srgbClr val="e5e0df"/>
               </a:buClr>
-              <a:buFont typeface="Symbol" charset="2"/>
+              <a:buFont typeface="Symbol"/>
               <a:buChar char=""/>
             </a:pPr>
             <a:r>
@@ -6525,7 +6863,7 @@
         <p:spPr>
           <a:xfrm>
             <a:off x="2037960" y="5320080"/>
-            <a:ext cx="10554120" cy="354960"/>
+            <a:ext cx="10553400" cy="354240"/>
           </a:xfrm>
           <a:prstGeom prst="rect">
             <a:avLst/>
@@ -6559,6 +6897,7 @@
                 <a:srgbClr val="000000"/>
               </a:solidFill>
               <a:latin typeface="Calibri"/>
+              <a:ea typeface="DejaVu Sans"/>
             </a:endParaRPr>
           </a:p>
         </p:txBody>
@@ -6602,7 +6941,7 @@
         <p:spPr>
           <a:xfrm>
             <a:off x="0" y="0"/>
-            <a:ext cx="14630040" cy="8229240"/>
+            <a:ext cx="14629320" cy="8228520"/>
           </a:xfrm>
           <a:prstGeom prst="rect">
             <a:avLst/>
@@ -6625,11 +6964,17 @@
             <a:noAutofit/>
           </a:bodyPr>
           <a:p>
+            <a:pPr>
+              <a:lnSpc>
+                <a:spcPct val="100000"/>
+              </a:lnSpc>
+            </a:pPr>
             <a:endParaRPr b="0" lang="en-US" sz="1800" spc="-1" strike="noStrike">
               <a:solidFill>
                 <a:srgbClr val="ffffff"/>
               </a:solidFill>
               <a:latin typeface="Arial"/>
+              <a:ea typeface="DejaVu Sans"/>
             </a:endParaRPr>
           </a:p>
         </p:txBody>
@@ -6642,8 +6987,8 @@
         </p:nvSpPr>
         <p:spPr>
           <a:xfrm>
-            <a:off x="0" y="0"/>
-            <a:ext cx="14630040" cy="8229240"/>
+            <a:off x="-36000" y="0"/>
+            <a:ext cx="14629320" cy="8228520"/>
           </a:xfrm>
           <a:prstGeom prst="rect">
             <a:avLst/>
@@ -6669,11 +7014,17 @@
             <a:noAutofit/>
           </a:bodyPr>
           <a:p>
+            <a:pPr>
+              <a:lnSpc>
+                <a:spcPct val="100000"/>
+              </a:lnSpc>
+            </a:pPr>
             <a:endParaRPr b="0" lang="en-US" sz="1800" spc="-1" strike="noStrike">
               <a:solidFill>
                 <a:srgbClr val="ffffff"/>
               </a:solidFill>
               <a:latin typeface="Arial"/>
+              <a:ea typeface="DejaVu Sans"/>
             </a:endParaRPr>
           </a:p>
         </p:txBody>
@@ -6687,7 +7038,7 @@
         <p:spPr>
           <a:xfrm>
             <a:off x="2037960" y="2302200"/>
-            <a:ext cx="10416960" cy="694080"/>
+            <a:ext cx="10416240" cy="693360"/>
           </a:xfrm>
           <a:prstGeom prst="rect">
             <a:avLst/>
@@ -6744,7 +7095,7 @@
         <p:spPr>
           <a:xfrm>
             <a:off x="2037960" y="3440880"/>
-            <a:ext cx="10554120" cy="1065960"/>
+            <a:ext cx="10553400" cy="1065240"/>
           </a:xfrm>
           <a:prstGeom prst="rect">
             <a:avLst/>
@@ -6801,7 +7152,7 @@
         <p:spPr>
           <a:xfrm>
             <a:off x="2037960" y="4757040"/>
-            <a:ext cx="10554120" cy="1170000"/>
+            <a:ext cx="10553400" cy="1169280"/>
           </a:xfrm>
           <a:prstGeom prst="roundRect">
             <a:avLst>
@@ -6829,11 +7180,17 @@
             <a:noAutofit/>
           </a:bodyPr>
           <a:p>
+            <a:pPr>
+              <a:lnSpc>
+                <a:spcPct val="100000"/>
+              </a:lnSpc>
+            </a:pPr>
             <a:endParaRPr b="0" lang="en-US" sz="1800" spc="-1" strike="noStrike">
               <a:solidFill>
                 <a:srgbClr val="ffffff"/>
               </a:solidFill>
               <a:latin typeface="Arial"/>
+              <a:ea typeface="DejaVu Sans"/>
             </a:endParaRPr>
           </a:p>
         </p:txBody>
@@ -6847,7 +7204,7 @@
         <p:spPr>
           <a:xfrm>
             <a:off x="2267640" y="4986720"/>
-            <a:ext cx="10094400" cy="710280"/>
+            <a:ext cx="10093680" cy="709560"/>
           </a:xfrm>
           <a:prstGeom prst="rect">
             <a:avLst/>
@@ -6934,7 +7291,7 @@
         <p:spPr>
           <a:xfrm>
             <a:off x="0" y="0"/>
-            <a:ext cx="14630040" cy="8229240"/>
+            <a:ext cx="14629320" cy="8228520"/>
           </a:xfrm>
           <a:prstGeom prst="rect">
             <a:avLst/>
@@ -6957,11 +7314,17 @@
             <a:noAutofit/>
           </a:bodyPr>
           <a:p>
+            <a:pPr>
+              <a:lnSpc>
+                <a:spcPct val="100000"/>
+              </a:lnSpc>
+            </a:pPr>
             <a:endParaRPr b="0" lang="en-US" sz="1800" spc="-1" strike="noStrike">
               <a:solidFill>
                 <a:srgbClr val="ffffff"/>
               </a:solidFill>
               <a:latin typeface="Arial"/>
+              <a:ea typeface="DejaVu Sans"/>
             </a:endParaRPr>
           </a:p>
         </p:txBody>
@@ -6975,7 +7338,7 @@
         <p:spPr>
           <a:xfrm>
             <a:off x="0" y="0"/>
-            <a:ext cx="14630040" cy="8229240"/>
+            <a:ext cx="14629320" cy="8228520"/>
           </a:xfrm>
           <a:prstGeom prst="rect">
             <a:avLst/>
@@ -7001,11 +7364,17 @@
             <a:noAutofit/>
           </a:bodyPr>
           <a:p>
+            <a:pPr>
+              <a:lnSpc>
+                <a:spcPct val="100000"/>
+              </a:lnSpc>
+            </a:pPr>
             <a:endParaRPr b="0" lang="en-US" sz="1800" spc="-1" strike="noStrike">
               <a:solidFill>
                 <a:srgbClr val="ffffff"/>
               </a:solidFill>
               <a:latin typeface="Arial"/>
+              <a:ea typeface="DejaVu Sans"/>
             </a:endParaRPr>
           </a:p>
         </p:txBody>
@@ -7019,7 +7388,7 @@
         <p:spPr>
           <a:xfrm>
             <a:off x="2037960" y="2457000"/>
-            <a:ext cx="5132880" cy="694080"/>
+            <a:ext cx="5132160" cy="693360"/>
           </a:xfrm>
           <a:prstGeom prst="rect">
             <a:avLst/>
@@ -7076,7 +7445,7 @@
         <p:spPr>
           <a:xfrm>
             <a:off x="2393280" y="3595680"/>
-            <a:ext cx="10198800" cy="399600"/>
+            <a:ext cx="10198080" cy="398880"/>
           </a:xfrm>
           <a:prstGeom prst="rect">
             <a:avLst/>
@@ -7104,7 +7473,7 @@
               <a:buClr>
                 <a:srgbClr val="e5e0df"/>
               </a:buClr>
-              <a:buFont typeface="Symbol" charset="2"/>
+              <a:buFont typeface="Symbol"/>
               <a:buChar char=""/>
             </a:pPr>
             <a:r>
@@ -7135,7 +7504,7 @@
         <p:spPr>
           <a:xfrm>
             <a:off x="2393280" y="4084560"/>
-            <a:ext cx="10198800" cy="799200"/>
+            <a:ext cx="10198080" cy="798480"/>
           </a:xfrm>
           <a:prstGeom prst="rect">
             <a:avLst/>
@@ -7163,7 +7532,7 @@
               <a:buClr>
                 <a:srgbClr val="e5e0df"/>
               </a:buClr>
-              <a:buFont typeface="Symbol" charset="2"/>
+              <a:buFont typeface="Symbol"/>
               <a:buChar char=""/>
             </a:pPr>
             <a:r>
@@ -7194,7 +7563,7 @@
         <p:spPr>
           <a:xfrm>
             <a:off x="2393280" y="4973040"/>
-            <a:ext cx="10198800" cy="799200"/>
+            <a:ext cx="10198080" cy="798480"/>
           </a:xfrm>
           <a:prstGeom prst="rect">
             <a:avLst/>
@@ -7222,7 +7591,7 @@
               <a:buClr>
                 <a:srgbClr val="e5e0df"/>
               </a:buClr>
-              <a:buFont typeface="Symbol" charset="2"/>
+              <a:buFont typeface="Symbol"/>
               <a:buChar char=""/>
             </a:pPr>
             <a:r>
@@ -7283,7 +7652,7 @@
         <p:spPr>
           <a:xfrm>
             <a:off x="0" y="0"/>
-            <a:ext cx="14630040" cy="8229240"/>
+            <a:ext cx="14629320" cy="8228520"/>
           </a:xfrm>
           <a:prstGeom prst="rect">
             <a:avLst/>
@@ -7306,11 +7675,17 @@
             <a:noAutofit/>
           </a:bodyPr>
           <a:p>
+            <a:pPr>
+              <a:lnSpc>
+                <a:spcPct val="100000"/>
+              </a:lnSpc>
+            </a:pPr>
             <a:endParaRPr b="0" lang="en-US" sz="1800" spc="-1" strike="noStrike">
               <a:solidFill>
                 <a:srgbClr val="ffffff"/>
               </a:solidFill>
               <a:latin typeface="Arial"/>
+              <a:ea typeface="DejaVu Sans"/>
             </a:endParaRPr>
           </a:p>
         </p:txBody>
@@ -7324,7 +7699,7 @@
         <p:spPr>
           <a:xfrm>
             <a:off x="0" y="0"/>
-            <a:ext cx="14630040" cy="8232480"/>
+            <a:ext cx="14629320" cy="8231760"/>
           </a:xfrm>
           <a:prstGeom prst="rect">
             <a:avLst/>
@@ -7350,11 +7725,17 @@
             <a:noAutofit/>
           </a:bodyPr>
           <a:p>
+            <a:pPr>
+              <a:lnSpc>
+                <a:spcPct val="100000"/>
+              </a:lnSpc>
+            </a:pPr>
             <a:endParaRPr b="0" lang="en-US" sz="1800" spc="-1" strike="noStrike">
               <a:solidFill>
                 <a:srgbClr val="ffffff"/>
               </a:solidFill>
               <a:latin typeface="Arial"/>
+              <a:ea typeface="DejaVu Sans"/>
             </a:endParaRPr>
           </a:p>
         </p:txBody>
@@ -7368,7 +7749,7 @@
         <p:spPr>
           <a:xfrm>
             <a:off x="2086200" y="605520"/>
-            <a:ext cx="8737200" cy="687600"/>
+            <a:ext cx="8736480" cy="686880"/>
           </a:xfrm>
           <a:prstGeom prst="rect">
             <a:avLst/>
@@ -7425,7 +7806,7 @@
         <p:spPr>
           <a:xfrm>
             <a:off x="2086200" y="1733760"/>
-            <a:ext cx="10457280" cy="4765320"/>
+            <a:ext cx="10456560" cy="4764600"/>
           </a:xfrm>
           <a:prstGeom prst="roundRect">
             <a:avLst>
@@ -7450,11 +7831,17 @@
             <a:noAutofit/>
           </a:bodyPr>
           <a:p>
+            <a:pPr>
+              <a:lnSpc>
+                <a:spcPct val="100000"/>
+              </a:lnSpc>
+            </a:pPr>
             <a:endParaRPr b="0" lang="en-US" sz="1800" spc="-1" strike="noStrike">
               <a:solidFill>
                 <a:srgbClr val="ffffff"/>
               </a:solidFill>
               <a:latin typeface="Arial"/>
+              <a:ea typeface="DejaVu Sans"/>
             </a:endParaRPr>
           </a:p>
         </p:txBody>
@@ -7472,7 +7859,7 @@
         <p:spPr>
           <a:xfrm>
             <a:off x="2306520" y="2067480"/>
-            <a:ext cx="274680" cy="219960"/>
+            <a:ext cx="273960" cy="219240"/>
           </a:xfrm>
           <a:prstGeom prst="rect">
             <a:avLst/>
@@ -7491,7 +7878,7 @@
         <p:spPr>
           <a:xfrm>
             <a:off x="2801880" y="1986840"/>
-            <a:ext cx="9521640" cy="351720"/>
+            <a:ext cx="9520920" cy="351000"/>
           </a:xfrm>
           <a:prstGeom prst="rect">
             <a:avLst/>
@@ -7548,7 +7935,7 @@
         <p:spPr>
           <a:xfrm>
             <a:off x="2801880" y="2537280"/>
-            <a:ext cx="9521640" cy="351720"/>
+            <a:ext cx="9520920" cy="351000"/>
           </a:xfrm>
           <a:prstGeom prst="rect">
             <a:avLst/>
@@ -7605,7 +7992,7 @@
         <p:spPr>
           <a:xfrm>
             <a:off x="2801880" y="3087360"/>
-            <a:ext cx="9521640" cy="351720"/>
+            <a:ext cx="9520920" cy="351000"/>
           </a:xfrm>
           <a:prstGeom prst="rect">
             <a:avLst/>
@@ -7662,7 +8049,7 @@
         <p:spPr>
           <a:xfrm>
             <a:off x="2801880" y="3637800"/>
-            <a:ext cx="9521640" cy="351720"/>
+            <a:ext cx="9520920" cy="351000"/>
           </a:xfrm>
           <a:prstGeom prst="rect">
             <a:avLst/>
@@ -7729,7 +8116,7 @@
         <p:spPr>
           <a:xfrm>
             <a:off x="2801880" y="4187880"/>
-            <a:ext cx="9521640" cy="351720"/>
+            <a:ext cx="9520920" cy="351000"/>
           </a:xfrm>
           <a:prstGeom prst="rect">
             <a:avLst/>
@@ -7786,7 +8173,7 @@
         <p:spPr>
           <a:xfrm>
             <a:off x="2801880" y="4738320"/>
-            <a:ext cx="9521640" cy="351720"/>
+            <a:ext cx="9520920" cy="351000"/>
           </a:xfrm>
           <a:prstGeom prst="rect">
             <a:avLst/>
@@ -7843,7 +8230,7 @@
         <p:spPr>
           <a:xfrm>
             <a:off x="2801880" y="5288760"/>
-            <a:ext cx="9521640" cy="351720"/>
+            <a:ext cx="9520920" cy="351000"/>
           </a:xfrm>
           <a:prstGeom prst="rect">
             <a:avLst/>
@@ -7900,7 +8287,7 @@
         <p:spPr>
           <a:xfrm>
             <a:off x="2801880" y="5838840"/>
-            <a:ext cx="9521640" cy="351720"/>
+            <a:ext cx="9520920" cy="351000"/>
           </a:xfrm>
           <a:prstGeom prst="rect">
             <a:avLst/>
@@ -7957,7 +8344,7 @@
         <p:spPr>
           <a:xfrm>
             <a:off x="2438280" y="6746760"/>
-            <a:ext cx="10105200" cy="396000"/>
+            <a:ext cx="10104480" cy="395280"/>
           </a:xfrm>
           <a:prstGeom prst="rect">
             <a:avLst/>
@@ -7985,7 +8372,7 @@
               <a:buClr>
                 <a:srgbClr val="e5e0df"/>
               </a:buClr>
-              <a:buFont typeface="Symbol" charset="2"/>
+              <a:buFont typeface="Symbol"/>
               <a:buChar char=""/>
             </a:pPr>
             <a:r>
@@ -8016,7 +8403,7 @@
         <p:spPr>
           <a:xfrm>
             <a:off x="2438280" y="7231320"/>
-            <a:ext cx="10105200" cy="396000"/>
+            <a:ext cx="10104480" cy="395280"/>
           </a:xfrm>
           <a:prstGeom prst="rect">
             <a:avLst/>
@@ -8044,7 +8431,7 @@
               <a:buClr>
                 <a:srgbClr val="e5e0df"/>
               </a:buClr>
-              <a:buFont typeface="Symbol" charset="2"/>
+              <a:buFont typeface="Symbol"/>
               <a:buChar char=""/>
             </a:pPr>
             <a:r>
@@ -8105,7 +8492,7 @@
         <p:spPr>
           <a:xfrm>
             <a:off x="0" y="0"/>
-            <a:ext cx="14630040" cy="8229240"/>
+            <a:ext cx="14629320" cy="8228520"/>
           </a:xfrm>
           <a:prstGeom prst="rect">
             <a:avLst/>
@@ -8133,6 +8520,7 @@
                 <a:srgbClr val="ffffff"/>
               </a:solidFill>
               <a:latin typeface="Arial"/>
+              <a:ea typeface="DejaVu Sans"/>
             </a:endParaRPr>
           </a:p>
         </p:txBody>
@@ -8146,7 +8534,7 @@
         <p:spPr>
           <a:xfrm>
             <a:off x="0" y="0"/>
-            <a:ext cx="14630040" cy="8229240"/>
+            <a:ext cx="14629320" cy="8228520"/>
           </a:xfrm>
           <a:prstGeom prst="rect">
             <a:avLst/>
@@ -8177,6 +8565,7 @@
                 <a:srgbClr val="ffffff"/>
               </a:solidFill>
               <a:latin typeface="Arial"/>
+              <a:ea typeface="DejaVu Sans"/>
             </a:endParaRPr>
           </a:p>
         </p:txBody>
@@ -8189,8 +8578,8 @@
         </p:nvSpPr>
         <p:spPr>
           <a:xfrm>
-            <a:off x="2037960" y="898920"/>
-            <a:ext cx="6032520" cy="694080"/>
+            <a:off x="2037960" y="1515960"/>
+            <a:ext cx="9943560" cy="693360"/>
           </a:xfrm>
           <a:prstGeom prst="rect">
             <a:avLst/>
@@ -8227,7 +8616,7 @@
                 <a:latin typeface="Inter"/>
                 <a:ea typeface="Inter"/>
               </a:rPr>
-              <a:t>Candidate Details Input</a:t>
+              <a:t>Main Function - Menu-Driven Interface</a:t>
             </a:r>
             <a:endParaRPr b="0" lang="en-US" sz="4370" spc="-1" strike="noStrike">
               <a:solidFill>
@@ -8240,19 +8629,23 @@
       </p:sp>
       <p:sp>
         <p:nvSpPr>
-          <p:cNvPr id="79" name="Text 3"/>
+          <p:cNvPr id="79" name="Shape 3"/>
           <p:cNvSpPr/>
           <p:nvPr/>
         </p:nvSpPr>
         <p:spPr>
           <a:xfrm>
-            <a:off x="2037960" y="2037600"/>
-            <a:ext cx="10554120" cy="354960"/>
-          </a:xfrm>
-          <a:prstGeom prst="rect">
-            <a:avLst/>
-          </a:prstGeom>
-          <a:noFill/>
+            <a:off x="2037960" y="2654640"/>
+            <a:ext cx="10553400" cy="2031480"/>
+          </a:xfrm>
+          <a:prstGeom prst="roundRect">
+            <a:avLst>
+              <a:gd name="adj" fmla="val 2699"/>
+            </a:avLst>
+          </a:prstGeom>
+          <a:solidFill>
+            <a:srgbClr val="032349"/>
+          </a:solidFill>
           <a:ln w="0">
             <a:noFill/>
           </a:ln>
@@ -8264,37 +8657,53 @@
           <a:fontRef idx="minor"/>
         </p:style>
         <p:txBody>
-          <a:bodyPr wrap="none" lIns="90000" rIns="90000" tIns="45000" bIns="45000" anchor="t">
-            <a:noAutofit/>
-          </a:bodyPr>
-          <a:p>
-            <a:pPr>
-              <a:lnSpc>
-                <a:spcPts val="2798"/>
-              </a:lnSpc>
-              <a:tabLst>
-                <a:tab algn="l" pos="0"/>
-              </a:tabLst>
-            </a:pPr>
-            <a:endParaRPr b="0" lang="en-US" sz="1750" spc="-1" strike="noStrike">
-              <a:solidFill>
-                <a:srgbClr val="000000"/>
-              </a:solidFill>
-              <a:latin typeface="Calibri"/>
-            </a:endParaRPr>
-          </a:p>
-        </p:txBody>
-      </p:sp>
-      <p:sp>
-        <p:nvSpPr>
-          <p:cNvPr id="80" name="Text 4"/>
+          <a:bodyPr lIns="90000" rIns="90000" tIns="45000" bIns="45000" anchor="t">
+            <a:noAutofit/>
+          </a:bodyPr>
+          <a:p>
+            <a:endParaRPr b="0" lang="en-US" sz="1800" spc="-1" strike="noStrike">
+              <a:solidFill>
+                <a:srgbClr val="ffffff"/>
+              </a:solidFill>
+              <a:latin typeface="Arial"/>
+              <a:ea typeface="DejaVu Sans"/>
+            </a:endParaRPr>
+          </a:p>
+        </p:txBody>
+      </p:sp>
+      <p:pic>
+        <p:nvPicPr>
+          <p:cNvPr id="80" name="Image 0" descr="preencoded.png"/>
+          <p:cNvPicPr/>
+          <p:nvPr/>
+        </p:nvPicPr>
+        <p:blipFill>
+          <a:blip r:embed="rId1"/>
+          <a:stretch/>
+        </p:blipFill>
+        <p:spPr>
+          <a:xfrm>
+            <a:off x="2260080" y="2989080"/>
+            <a:ext cx="276480" cy="221040"/>
+          </a:xfrm>
+          <a:prstGeom prst="rect">
+            <a:avLst/>
+          </a:prstGeom>
+          <a:ln w="0">
+            <a:noFill/>
+          </a:ln>
+        </p:spPr>
+      </p:pic>
+      <p:sp>
+        <p:nvSpPr>
+          <p:cNvPr id="81" name="Text 4"/>
           <p:cNvSpPr/>
           <p:nvPr/>
         </p:nvSpPr>
         <p:spPr>
           <a:xfrm>
-            <a:off x="2037960" y="2643120"/>
-            <a:ext cx="10554120" cy="354960"/>
+            <a:off x="2760120" y="2909880"/>
+            <a:ext cx="9609120" cy="354240"/>
           </a:xfrm>
           <a:prstGeom prst="rect">
             <a:avLst/>
@@ -8326,12 +8735,12 @@
             <a:r>
               <a:rPr b="0" lang="en-US" sz="1750" spc="-35" strike="noStrike">
                 <a:solidFill>
-                  <a:srgbClr val="e5e0df"/>
+                  <a:srgbClr val="ffffff"/>
                 </a:solidFill>
                 <a:latin typeface="Inter"/>
                 <a:ea typeface="Inter"/>
               </a:rPr>
-              <a:t> </a:t>
+              <a:t>int main() { </a:t>
             </a:r>
             <a:endParaRPr b="0" lang="en-US" sz="1750" spc="-1" strike="noStrike">
               <a:solidFill>
@@ -8344,23 +8753,19 @@
       </p:sp>
       <p:sp>
         <p:nvSpPr>
-          <p:cNvPr id="81" name="Shape 5"/>
+          <p:cNvPr id="82" name="Text 5"/>
           <p:cNvSpPr/>
           <p:nvPr/>
         </p:nvSpPr>
         <p:spPr>
           <a:xfrm>
-            <a:off x="2037960" y="3248280"/>
-            <a:ext cx="10554120" cy="2032200"/>
-          </a:xfrm>
-          <a:prstGeom prst="roundRect">
-            <a:avLst>
-              <a:gd name="adj" fmla="val 2699"/>
-            </a:avLst>
-          </a:prstGeom>
-          <a:solidFill>
-            <a:srgbClr val="032349"/>
-          </a:solidFill>
+            <a:off x="2760120" y="3465360"/>
+            <a:ext cx="9609120" cy="354240"/>
+          </a:xfrm>
+          <a:prstGeom prst="rect">
+            <a:avLst/>
+          </a:prstGeom>
+          <a:noFill/>
           <a:ln w="0">
             <a:noFill/>
           </a:ln>
@@ -8372,42 +8777,47 @@
           <a:fontRef idx="minor"/>
         </p:style>
         <p:txBody>
-          <a:bodyPr lIns="90000" rIns="90000" tIns="45000" bIns="45000" anchor="t">
-            <a:noAutofit/>
-          </a:bodyPr>
-          <a:p>
-            <a:endParaRPr b="0" lang="en-US" sz="1800" spc="-1" strike="noStrike">
-              <a:solidFill>
-                <a:srgbClr val="ffffff"/>
-              </a:solidFill>
-              <a:latin typeface="Arial"/>
-            </a:endParaRPr>
-          </a:p>
-        </p:txBody>
-      </p:sp>
-      <p:pic>
-        <p:nvPicPr>
-          <p:cNvPr id="82" name="Image 0" descr="preencoded.png"/>
-          <p:cNvPicPr/>
-          <p:nvPr/>
-        </p:nvPicPr>
-        <p:blipFill>
-          <a:blip r:embed="rId1"/>
-          <a:stretch/>
-        </p:blipFill>
-        <p:spPr>
-          <a:xfrm>
-            <a:off x="2260080" y="3583080"/>
-            <a:ext cx="277200" cy="221760"/>
-          </a:xfrm>
-          <a:prstGeom prst="rect">
-            <a:avLst/>
-          </a:prstGeom>
-          <a:ln w="0">
-            <a:noFill/>
-          </a:ln>
-        </p:spPr>
-      </p:pic>
+          <a:bodyPr wrap="none" lIns="90000" rIns="90000" tIns="45000" bIns="45000" anchor="t">
+            <a:noAutofit/>
+          </a:bodyPr>
+          <a:p>
+            <a:pPr>
+              <a:lnSpc>
+                <a:spcPts val="2798"/>
+              </a:lnSpc>
+              <a:tabLst>
+                <a:tab algn="l" pos="0"/>
+              </a:tabLst>
+            </a:pPr>
+            <a:r>
+              <a:rPr b="0" i="1" lang="en-US" sz="1750" spc="-35" strike="noStrike">
+                <a:solidFill>
+                  <a:srgbClr val="ffffff"/>
+                </a:solidFill>
+                <a:latin typeface="Inter"/>
+                <a:ea typeface="Inter"/>
+              </a:rPr>
+              <a:t>// ... Function Implementation ...</a:t>
+            </a:r>
+            <a:r>
+              <a:rPr b="0" lang="en-US" sz="1750" spc="-35" strike="noStrike">
+                <a:solidFill>
+                  <a:srgbClr val="ffffff"/>
+                </a:solidFill>
+                <a:latin typeface="Inter"/>
+                <a:ea typeface="Inter"/>
+              </a:rPr>
+              <a:t> </a:t>
+            </a:r>
+            <a:endParaRPr b="0" lang="en-US" sz="1750" spc="-1" strike="noStrike">
+              <a:solidFill>
+                <a:srgbClr val="000000"/>
+              </a:solidFill>
+              <a:latin typeface="Arial"/>
+            </a:endParaRPr>
+          </a:p>
+        </p:txBody>
+      </p:sp>
       <p:sp>
         <p:nvSpPr>
           <p:cNvPr id="83" name="Text 6"/>
@@ -8416,8 +8826,8 @@
         </p:nvSpPr>
         <p:spPr>
           <a:xfrm>
-            <a:off x="2760120" y="3503880"/>
-            <a:ext cx="9609840" cy="354960"/>
+            <a:off x="2760120" y="4020480"/>
+            <a:ext cx="9609120" cy="354240"/>
           </a:xfrm>
           <a:prstGeom prst="rect">
             <a:avLst/>
@@ -8454,17 +8864,7 @@
                 <a:latin typeface="Inter"/>
                 <a:ea typeface="Inter"/>
               </a:rPr>
-              <a:t> </a:t>
-            </a:r>
-            <a:r>
-              <a:rPr b="0" lang="en-US" sz="1750" spc="-35" strike="noStrike">
-                <a:solidFill>
-                  <a:srgbClr val="ffffff"/>
-                </a:solidFill>
-                <a:latin typeface="Inter"/>
-                <a:ea typeface="Inter"/>
-              </a:rPr>
-              <a:t>void CandidateDetailsInput(can can[ }, int n) {</a:t>
+              <a:t>}</a:t>
             </a:r>
             <a:endParaRPr b="0" lang="en-US" sz="1750" spc="-1" strike="noStrike">
               <a:solidFill>
@@ -8483,8 +8883,8 @@
         </p:nvSpPr>
         <p:spPr>
           <a:xfrm>
-            <a:off x="2760120" y="4059000"/>
-            <a:ext cx="9609840" cy="354960"/>
+            <a:off x="2393280" y="4936680"/>
+            <a:ext cx="10198080" cy="398880"/>
           </a:xfrm>
           <a:prstGeom prst="rect">
             <a:avLst/>
@@ -8505,23 +8905,25 @@
             <a:noAutofit/>
           </a:bodyPr>
           <a:p>
-            <a:pPr>
-              <a:lnSpc>
-                <a:spcPts val="2798"/>
-              </a:lnSpc>
-              <a:tabLst>
-                <a:tab algn="l" pos="0"/>
-              </a:tabLst>
+            <a:pPr marL="343080" indent="-343080">
+              <a:lnSpc>
+                <a:spcPts val="3149"/>
+              </a:lnSpc>
+              <a:buClr>
+                <a:srgbClr val="e5e0df"/>
+              </a:buClr>
+              <a:buFont typeface="Symbol"/>
+              <a:buChar char=""/>
             </a:pPr>
             <a:r>
-              <a:rPr b="0" i="1" lang="en-US" sz="1750" spc="-35" strike="noStrike">
-                <a:solidFill>
-                  <a:srgbClr val="ffffff"/>
+              <a:rPr b="0" lang="en-US" sz="1750" spc="-35" strike="noStrike">
+                <a:solidFill>
+                  <a:srgbClr val="e5e0df"/>
                 </a:solidFill>
                 <a:latin typeface="Inter"/>
                 <a:ea typeface="Inter"/>
               </a:rPr>
-              <a:t>//Function Implementation</a:t>
+              <a:t>The main function serves as the central control hub of the Console Voting System.</a:t>
             </a:r>
             <a:endParaRPr b="0" lang="en-US" sz="1750" spc="-1" strike="noStrike">
               <a:solidFill>
@@ -8540,8 +8942,8 @@
         </p:nvSpPr>
         <p:spPr>
           <a:xfrm>
-            <a:off x="2760120" y="4614480"/>
-            <a:ext cx="9609840" cy="354960"/>
+            <a:off x="2393280" y="5425560"/>
+            <a:ext cx="10198080" cy="798480"/>
           </a:xfrm>
           <a:prstGeom prst="rect">
             <a:avLst/>
@@ -8558,27 +8960,29 @@
           <a:fontRef idx="minor"/>
         </p:style>
         <p:txBody>
-          <a:bodyPr wrap="none" lIns="90000" rIns="90000" tIns="45000" bIns="45000" anchor="t">
-            <a:noAutofit/>
-          </a:bodyPr>
-          <a:p>
-            <a:pPr>
-              <a:lnSpc>
-                <a:spcPts val="2798"/>
-              </a:lnSpc>
-              <a:tabLst>
-                <a:tab algn="l" pos="0"/>
-              </a:tabLst>
+          <a:bodyPr lIns="90000" rIns="90000" tIns="45000" bIns="45000" anchor="t">
+            <a:noAutofit/>
+          </a:bodyPr>
+          <a:p>
+            <a:pPr marL="343080" indent="-343080">
+              <a:lnSpc>
+                <a:spcPts val="3149"/>
+              </a:lnSpc>
+              <a:buClr>
+                <a:srgbClr val="e5e0df"/>
+              </a:buClr>
+              <a:buFont typeface="Symbol"/>
+              <a:buChar char=""/>
             </a:pPr>
             <a:r>
               <a:rPr b="0" lang="en-US" sz="1750" spc="-35" strike="noStrike">
                 <a:solidFill>
-                  <a:srgbClr val="ffffff"/>
+                  <a:srgbClr val="e5e0df"/>
                 </a:solidFill>
                 <a:latin typeface="Inter"/>
                 <a:ea typeface="Inter"/>
               </a:rPr>
-              <a:t>}</a:t>
+              <a:t>It offers a menu-driven interface, allowing users to choose from various options: candidate input, candidate display, voting, result display, and exit.</a:t>
             </a:r>
             <a:endParaRPr b="0" lang="en-US" sz="1750" spc="-1" strike="noStrike">
               <a:solidFill>
@@ -8597,8 +9001,8 @@
         </p:nvSpPr>
         <p:spPr>
           <a:xfrm>
-            <a:off x="2393280" y="5530680"/>
-            <a:ext cx="10198800" cy="799200"/>
+            <a:off x="2393280" y="6314040"/>
+            <a:ext cx="10198080" cy="398880"/>
           </a:xfrm>
           <a:prstGeom prst="rect">
             <a:avLst/>
@@ -8615,7 +9019,7 @@
           <a:fontRef idx="minor"/>
         </p:style>
         <p:txBody>
-          <a:bodyPr lIns="90000" rIns="90000" tIns="45000" bIns="45000" anchor="t">
+          <a:bodyPr wrap="none" lIns="90000" rIns="90000" tIns="45000" bIns="45000" anchor="t">
             <a:noAutofit/>
           </a:bodyPr>
           <a:p>
@@ -8626,7 +9030,7 @@
               <a:buClr>
                 <a:srgbClr val="e5e0df"/>
               </a:buClr>
-              <a:buFont typeface="Symbol" charset="2"/>
+              <a:buFont typeface="Symbol"/>
               <a:buChar char=""/>
             </a:pPr>
             <a:r>
@@ -8637,146 +9041,7 @@
                 <a:latin typeface="Inter"/>
                 <a:ea typeface="Inter"/>
               </a:rPr>
-              <a:t>In a real-world scenario, election officials would use this function to input candidate details before the election.</a:t>
-            </a:r>
-            <a:endParaRPr b="0" lang="en-US" sz="1750" spc="-1" strike="noStrike">
-              <a:solidFill>
-                <a:srgbClr val="000000"/>
-              </a:solidFill>
-              <a:latin typeface="Arial"/>
-            </a:endParaRPr>
-          </a:p>
-        </p:txBody>
-      </p:sp>
-      <p:sp>
-        <p:nvSpPr>
-          <p:cNvPr id="87" name="Text 10"/>
-          <p:cNvSpPr/>
-          <p:nvPr/>
-        </p:nvSpPr>
-        <p:spPr>
-          <a:xfrm>
-            <a:off x="2393280" y="6419160"/>
-            <a:ext cx="10198800" cy="399600"/>
-          </a:xfrm>
-          <a:prstGeom prst="rect">
-            <a:avLst/>
-          </a:prstGeom>
-          <a:noFill/>
-          <a:ln w="0">
-            <a:noFill/>
-          </a:ln>
-        </p:spPr>
-        <p:style>
-          <a:lnRef idx="0"/>
-          <a:fillRef idx="0"/>
-          <a:effectRef idx="0"/>
-          <a:fontRef idx="minor"/>
-        </p:style>
-        <p:txBody>
-          <a:bodyPr wrap="none" lIns="90000" rIns="90000" tIns="45000" bIns="45000" anchor="t">
-            <a:noAutofit/>
-          </a:bodyPr>
-          <a:p>
-            <a:pPr marL="343080" indent="-343080">
-              <a:lnSpc>
-                <a:spcPts val="3149"/>
-              </a:lnSpc>
-              <a:buClr>
-                <a:srgbClr val="e5e0df"/>
-              </a:buClr>
-              <a:buFont typeface="Symbol" charset="2"/>
-              <a:buChar char=""/>
-            </a:pPr>
-            <a:r>
-              <a:rPr b="0" lang="en-US" sz="1750" spc="-35" strike="noStrike">
-                <a:solidFill>
-                  <a:srgbClr val="e5e0df"/>
-                </a:solidFill>
-                <a:latin typeface="Inter"/>
-                <a:ea typeface="Inter"/>
-              </a:rPr>
-              <a:t>It allows users to input candidate information, including their ID and name.</a:t>
-            </a:r>
-            <a:endParaRPr b="0" lang="en-US" sz="1750" spc="-1" strike="noStrike">
-              <a:solidFill>
-                <a:srgbClr val="000000"/>
-              </a:solidFill>
-              <a:latin typeface="Arial"/>
-            </a:endParaRPr>
-          </a:p>
-        </p:txBody>
-      </p:sp>
-      <p:sp>
-        <p:nvSpPr>
-          <p:cNvPr id="88" name="Text 11"/>
-          <p:cNvSpPr/>
-          <p:nvPr/>
-        </p:nvSpPr>
-        <p:spPr>
-          <a:xfrm>
-            <a:off x="2393280" y="6907680"/>
-            <a:ext cx="10198800" cy="422280"/>
-          </a:xfrm>
-          <a:prstGeom prst="rect">
-            <a:avLst/>
-          </a:prstGeom>
-          <a:noFill/>
-          <a:ln w="0">
-            <a:noFill/>
-          </a:ln>
-        </p:spPr>
-        <p:style>
-          <a:lnRef idx="0"/>
-          <a:fillRef idx="0"/>
-          <a:effectRef idx="0"/>
-          <a:fontRef idx="minor"/>
-        </p:style>
-        <p:txBody>
-          <a:bodyPr wrap="none" lIns="90000" rIns="90000" tIns="45000" bIns="45000" anchor="t">
-            <a:noAutofit/>
-          </a:bodyPr>
-          <a:p>
-            <a:pPr>
-              <a:lnSpc>
-                <a:spcPts val="3149"/>
-              </a:lnSpc>
-              <a:tabLst>
-                <a:tab algn="l" pos="0"/>
-              </a:tabLst>
-            </a:pPr>
-            <a:r>
-              <a:rPr b="0" lang="en-US" sz="1750" spc="-35" strike="noStrike">
-                <a:solidFill>
-                  <a:srgbClr val="e5e0df"/>
-                </a:solidFill>
-                <a:latin typeface="Inter"/>
-                <a:ea typeface="Inter"/>
-              </a:rPr>
-              <a:t>The data is saved in a file named </a:t>
-            </a:r>
-            <a:r>
-              <a:rPr b="0" lang="en-US" sz="1750" spc="-35" strike="noStrike">
-                <a:solidFill>
-                  <a:srgbClr val="e5e0df"/>
-                </a:solidFill>
-                <a:highlight>
-                  <a:srgbClr val="0a004d"/>
-                </a:highlight>
-                <a:latin typeface="Consolas"/>
-                <a:ea typeface="Consolas"/>
-              </a:rPr>
-              <a:t>candidates.txt</a:t>
-            </a:r>
-            <a:r>
-              <a:rPr b="0" lang="en-US" sz="1750" spc="-35" strike="noStrike">
-                <a:solidFill>
-                  <a:srgbClr val="e5e0df"/>
-                </a:solidFill>
-                <a:latin typeface="Inter"/>
-                <a:ea typeface="Inter"/>
-              </a:rPr>
-              <a:t> to maintain a record of all candidates.</a:t>
+              <a:t>The menu-driven approach makes the voting process intuitive and user-friendly.</a:t>
             </a:r>
             <a:endParaRPr b="0" lang="en-US" sz="1750" spc="-1" strike="noStrike">
               <a:solidFill>
@@ -8819,14 +9084,14 @@
       </p:grpSpPr>
       <p:sp>
         <p:nvSpPr>
-          <p:cNvPr id="89" name="Shape 0"/>
+          <p:cNvPr id="87" name="Shape 0"/>
           <p:cNvSpPr/>
           <p:nvPr/>
         </p:nvSpPr>
         <p:spPr>
           <a:xfrm>
             <a:off x="0" y="0"/>
-            <a:ext cx="14630040" cy="8229240"/>
+            <a:ext cx="14629320" cy="8228520"/>
           </a:xfrm>
           <a:prstGeom prst="rect">
             <a:avLst/>
@@ -8849,25 +9114,31 @@
             <a:noAutofit/>
           </a:bodyPr>
           <a:p>
+            <a:pPr>
+              <a:lnSpc>
+                <a:spcPct val="100000"/>
+              </a:lnSpc>
+            </a:pPr>
             <a:endParaRPr b="0" lang="en-US" sz="1800" spc="-1" strike="noStrike">
               <a:solidFill>
                 <a:srgbClr val="ffffff"/>
               </a:solidFill>
               <a:latin typeface="Arial"/>
-            </a:endParaRPr>
-          </a:p>
-        </p:txBody>
-      </p:sp>
-      <p:sp>
-        <p:nvSpPr>
-          <p:cNvPr id="90" name="Shape 1"/>
+              <a:ea typeface="DejaVu Sans"/>
+            </a:endParaRPr>
+          </a:p>
+        </p:txBody>
+      </p:sp>
+      <p:sp>
+        <p:nvSpPr>
+          <p:cNvPr id="88" name="Shape 1"/>
           <p:cNvSpPr/>
           <p:nvPr/>
         </p:nvSpPr>
         <p:spPr>
           <a:xfrm>
             <a:off x="0" y="0"/>
-            <a:ext cx="14630040" cy="8229240"/>
+            <a:ext cx="14629320" cy="8228520"/>
           </a:xfrm>
           <a:prstGeom prst="rect">
             <a:avLst/>
@@ -8893,25 +9164,31 @@
             <a:noAutofit/>
           </a:bodyPr>
           <a:p>
+            <a:pPr>
+              <a:lnSpc>
+                <a:spcPct val="100000"/>
+              </a:lnSpc>
+            </a:pPr>
             <a:endParaRPr b="0" lang="en-US" sz="1800" spc="-1" strike="noStrike">
               <a:solidFill>
                 <a:srgbClr val="ffffff"/>
               </a:solidFill>
               <a:latin typeface="Arial"/>
-            </a:endParaRPr>
-          </a:p>
-        </p:txBody>
-      </p:sp>
-      <p:sp>
-        <p:nvSpPr>
-          <p:cNvPr id="91" name="Text 2"/>
+              <a:ea typeface="DejaVu Sans"/>
+            </a:endParaRPr>
+          </a:p>
+        </p:txBody>
+      </p:sp>
+      <p:sp>
+        <p:nvSpPr>
+          <p:cNvPr id="89" name="Text 2"/>
           <p:cNvSpPr/>
           <p:nvPr/>
         </p:nvSpPr>
         <p:spPr>
           <a:xfrm>
-            <a:off x="2037960" y="1132920"/>
-            <a:ext cx="6927120" cy="694080"/>
+            <a:off x="2037960" y="898920"/>
+            <a:ext cx="6031800" cy="693360"/>
           </a:xfrm>
           <a:prstGeom prst="rect">
             <a:avLst/>
@@ -8948,7 +9225,7 @@
                 <a:latin typeface="Inter"/>
                 <a:ea typeface="Inter"/>
               </a:rPr>
-              <a:t>Display Candidates Details</a:t>
+              <a:t>Candidate Details Input</a:t>
             </a:r>
             <a:endParaRPr b="0" lang="en-US" sz="4370" spc="-1" strike="noStrike">
               <a:solidFill>
@@ -8961,23 +9238,19 @@
       </p:sp>
       <p:sp>
         <p:nvSpPr>
-          <p:cNvPr id="92" name="Shape 3"/>
+          <p:cNvPr id="90" name="Text 3"/>
           <p:cNvSpPr/>
           <p:nvPr/>
         </p:nvSpPr>
         <p:spPr>
           <a:xfrm>
-            <a:off x="2037960" y="2271600"/>
-            <a:ext cx="10554120" cy="2032200"/>
-          </a:xfrm>
-          <a:prstGeom prst="roundRect">
-            <a:avLst>
-              <a:gd name="adj" fmla="val 2699"/>
-            </a:avLst>
-          </a:prstGeom>
-          <a:solidFill>
-            <a:srgbClr val="032349"/>
-          </a:solidFill>
+            <a:off x="2037960" y="2037600"/>
+            <a:ext cx="10553400" cy="354240"/>
+          </a:xfrm>
+          <a:prstGeom prst="rect">
+            <a:avLst/>
+          </a:prstGeom>
+          <a:noFill/>
           <a:ln w="0">
             <a:noFill/>
           </a:ln>
@@ -8989,52 +9262,38 @@
           <a:fontRef idx="minor"/>
         </p:style>
         <p:txBody>
-          <a:bodyPr lIns="90000" rIns="90000" tIns="45000" bIns="45000" anchor="t">
-            <a:noAutofit/>
-          </a:bodyPr>
-          <a:p>
-            <a:endParaRPr b="0" lang="en-US" sz="1800" spc="-1" strike="noStrike">
-              <a:solidFill>
-                <a:srgbClr val="ffffff"/>
-              </a:solidFill>
-              <a:latin typeface="Arial"/>
-            </a:endParaRPr>
-          </a:p>
-        </p:txBody>
-      </p:sp>
-      <p:pic>
-        <p:nvPicPr>
-          <p:cNvPr id="93" name="Image 0" descr="preencoded.png"/>
-          <p:cNvPicPr/>
-          <p:nvPr/>
-        </p:nvPicPr>
-        <p:blipFill>
-          <a:blip r:embed="rId1"/>
-          <a:stretch/>
-        </p:blipFill>
-        <p:spPr>
-          <a:xfrm>
-            <a:off x="2260080" y="2606400"/>
-            <a:ext cx="277200" cy="221760"/>
-          </a:xfrm>
-          <a:prstGeom prst="rect">
-            <a:avLst/>
-          </a:prstGeom>
-          <a:ln w="0">
-            <a:noFill/>
-          </a:ln>
-        </p:spPr>
-      </p:pic>
-      <p:sp>
-        <p:nvSpPr>
-          <p:cNvPr id="94" name="Text 4"/>
+          <a:bodyPr wrap="none" lIns="90000" rIns="90000" tIns="45000" bIns="45000" anchor="t">
+            <a:noAutofit/>
+          </a:bodyPr>
+          <a:p>
+            <a:pPr>
+              <a:lnSpc>
+                <a:spcPts val="2798"/>
+              </a:lnSpc>
+              <a:tabLst>
+                <a:tab algn="l" pos="0"/>
+              </a:tabLst>
+            </a:pPr>
+            <a:endParaRPr b="0" lang="en-US" sz="1750" spc="-1" strike="noStrike">
+              <a:solidFill>
+                <a:srgbClr val="000000"/>
+              </a:solidFill>
+              <a:latin typeface="Calibri"/>
+              <a:ea typeface="DejaVu Sans"/>
+            </a:endParaRPr>
+          </a:p>
+        </p:txBody>
+      </p:sp>
+      <p:sp>
+        <p:nvSpPr>
+          <p:cNvPr id="91" name="Text 4"/>
           <p:cNvSpPr/>
           <p:nvPr/>
         </p:nvSpPr>
         <p:spPr>
           <a:xfrm>
-            <a:off x="2760120" y="2526840"/>
-            <a:ext cx="9609840" cy="354960"/>
+            <a:off x="2037960" y="2643120"/>
+            <a:ext cx="10553400" cy="354240"/>
           </a:xfrm>
           <a:prstGeom prst="rect">
             <a:avLst/>
@@ -9066,12 +9325,12 @@
             <a:r>
               <a:rPr b="0" lang="en-US" sz="1750" spc="-35" strike="noStrike">
                 <a:solidFill>
-                  <a:srgbClr val="ffffff"/>
+                  <a:srgbClr val="e5e0df"/>
                 </a:solidFill>
                 <a:latin typeface="Inter"/>
                 <a:ea typeface="Inter"/>
               </a:rPr>
-              <a:t>void displayCandidates() {</a:t>
+              <a:t> </a:t>
             </a:r>
             <a:endParaRPr b="0" lang="en-US" sz="1750" spc="-1" strike="noStrike">
               <a:solidFill>
@@ -9084,19 +9343,23 @@
       </p:sp>
       <p:sp>
         <p:nvSpPr>
-          <p:cNvPr id="95" name="Text 5"/>
+          <p:cNvPr id="92" name="Shape 5"/>
           <p:cNvSpPr/>
           <p:nvPr/>
         </p:nvSpPr>
         <p:spPr>
           <a:xfrm>
-            <a:off x="2760120" y="3082320"/>
-            <a:ext cx="9609840" cy="354960"/>
-          </a:xfrm>
-          <a:prstGeom prst="rect">
-            <a:avLst/>
-          </a:prstGeom>
-          <a:noFill/>
+            <a:off x="2037960" y="3248280"/>
+            <a:ext cx="10553400" cy="2031480"/>
+          </a:xfrm>
+          <a:prstGeom prst="roundRect">
+            <a:avLst>
+              <a:gd name="adj" fmla="val 2699"/>
+            </a:avLst>
+          </a:prstGeom>
+          <a:solidFill>
+            <a:srgbClr val="032349"/>
+          </a:solidFill>
           <a:ln w="0">
             <a:noFill/>
           </a:ln>
@@ -9108,57 +9371,58 @@
           <a:fontRef idx="minor"/>
         </p:style>
         <p:txBody>
-          <a:bodyPr wrap="none" lIns="90000" rIns="90000" tIns="45000" bIns="45000" anchor="t">
+          <a:bodyPr lIns="90000" rIns="90000" tIns="45000" bIns="45000" anchor="t">
             <a:noAutofit/>
           </a:bodyPr>
           <a:p>
             <a:pPr>
               <a:lnSpc>
-                <a:spcPts val="2798"/>
-              </a:lnSpc>
-              <a:tabLst>
-                <a:tab algn="l" pos="0"/>
-              </a:tabLst>
-            </a:pPr>
-            <a:r>
-              <a:rPr b="0" lang="en-US" sz="1750" spc="-35" strike="noStrike">
-                <a:solidFill>
-                  <a:srgbClr val="ffffff"/>
-                </a:solidFill>
-                <a:latin typeface="Inter"/>
-                <a:ea typeface="Inter"/>
-              </a:rPr>
-              <a:t> </a:t>
-            </a:r>
-            <a:r>
-              <a:rPr b="0" i="1" lang="en-US" sz="1750" spc="-35" strike="noStrike">
-                <a:solidFill>
-                  <a:srgbClr val="ffffff"/>
-                </a:solidFill>
-                <a:latin typeface="Inter"/>
-                <a:ea typeface="Inter"/>
-              </a:rPr>
-              <a:t>// ... Function Implementation ...</a:t>
-            </a:r>
-            <a:endParaRPr b="0" lang="en-US" sz="1750" spc="-1" strike="noStrike">
-              <a:solidFill>
-                <a:srgbClr val="000000"/>
-              </a:solidFill>
-              <a:latin typeface="Arial"/>
-            </a:endParaRPr>
-          </a:p>
-        </p:txBody>
-      </p:sp>
-      <p:sp>
-        <p:nvSpPr>
-          <p:cNvPr id="96" name="Text 6"/>
+                <a:spcPct val="100000"/>
+              </a:lnSpc>
+            </a:pPr>
+            <a:endParaRPr b="0" lang="en-US" sz="1800" spc="-1" strike="noStrike">
+              <a:solidFill>
+                <a:srgbClr val="ffffff"/>
+              </a:solidFill>
+              <a:latin typeface="Arial"/>
+              <a:ea typeface="DejaVu Sans"/>
+            </a:endParaRPr>
+          </a:p>
+        </p:txBody>
+      </p:sp>
+      <p:pic>
+        <p:nvPicPr>
+          <p:cNvPr id="93" name="Image 0" descr="preencoded.png"/>
+          <p:cNvPicPr/>
+          <p:nvPr/>
+        </p:nvPicPr>
+        <p:blipFill>
+          <a:blip r:embed="rId1"/>
+          <a:stretch/>
+        </p:blipFill>
+        <p:spPr>
+          <a:xfrm>
+            <a:off x="2260080" y="3583080"/>
+            <a:ext cx="276480" cy="221040"/>
+          </a:xfrm>
+          <a:prstGeom prst="rect">
+            <a:avLst/>
+          </a:prstGeom>
+          <a:ln w="0">
+            <a:noFill/>
+          </a:ln>
+        </p:spPr>
+      </p:pic>
+      <p:sp>
+        <p:nvSpPr>
+          <p:cNvPr id="94" name="Text 6"/>
           <p:cNvSpPr/>
           <p:nvPr/>
         </p:nvSpPr>
         <p:spPr>
           <a:xfrm>
-            <a:off x="2760120" y="3637440"/>
-            <a:ext cx="9609840" cy="354960"/>
+            <a:off x="2760120" y="3503880"/>
+            <a:ext cx="9609120" cy="354240"/>
           </a:xfrm>
           <a:prstGeom prst="rect">
             <a:avLst/>
@@ -9205,7 +9469,7 @@
                 <a:latin typeface="Inter"/>
                 <a:ea typeface="Inter"/>
               </a:rPr>
-              <a:t>}</a:t>
+              <a:t>void CandidateDetailsInput(can can[ }, int n) {</a:t>
             </a:r>
             <a:endParaRPr b="0" lang="en-US" sz="1750" spc="-1" strike="noStrike">
               <a:solidFill>
@@ -9218,28 +9482,21 @@
       </p:sp>
       <p:sp>
         <p:nvSpPr>
-          <p:cNvPr id="97" name="Shape 7"/>
+          <p:cNvPr id="95" name="Text 7"/>
           <p:cNvSpPr/>
           <p:nvPr/>
         </p:nvSpPr>
         <p:spPr>
           <a:xfrm>
-            <a:off x="2037960" y="4554000"/>
-            <a:ext cx="3369600" cy="2542320"/>
-          </a:xfrm>
-          <a:prstGeom prst="roundRect">
-            <a:avLst>
-              <a:gd name="adj" fmla="val 2158"/>
-            </a:avLst>
-          </a:prstGeom>
-          <a:solidFill>
-            <a:srgbClr val="110080"/>
-          </a:solidFill>
-          <a:ln w="7620">
-            <a:solidFill>
-              <a:srgbClr val="140099"/>
-            </a:solidFill>
-            <a:round/>
+            <a:off x="2760120" y="4059000"/>
+            <a:ext cx="9609120" cy="354240"/>
+          </a:xfrm>
+          <a:prstGeom prst="rect">
+            <a:avLst/>
+          </a:prstGeom>
+          <a:noFill/>
+          <a:ln w="0">
+            <a:noFill/>
           </a:ln>
         </p:spPr>
         <p:style>
@@ -9249,29 +9506,47 @@
           <a:fontRef idx="minor"/>
         </p:style>
         <p:txBody>
-          <a:bodyPr lIns="90000" rIns="90000" tIns="45000" bIns="45000" anchor="t">
-            <a:noAutofit/>
-          </a:bodyPr>
-          <a:p>
-            <a:endParaRPr b="0" lang="en-US" sz="1800" spc="-1" strike="noStrike">
-              <a:solidFill>
-                <a:srgbClr val="ffffff"/>
-              </a:solidFill>
-              <a:latin typeface="Arial"/>
-            </a:endParaRPr>
-          </a:p>
-        </p:txBody>
-      </p:sp>
-      <p:sp>
-        <p:nvSpPr>
-          <p:cNvPr id="98" name="Text 8"/>
+          <a:bodyPr wrap="none" lIns="90000" rIns="90000" tIns="45000" bIns="45000" anchor="t">
+            <a:noAutofit/>
+          </a:bodyPr>
+          <a:p>
+            <a:pPr>
+              <a:lnSpc>
+                <a:spcPts val="2798"/>
+              </a:lnSpc>
+              <a:tabLst>
+                <a:tab algn="l" pos="0"/>
+              </a:tabLst>
+            </a:pPr>
+            <a:r>
+              <a:rPr b="0" i="1" lang="en-US" sz="1750" spc="-35" strike="noStrike">
+                <a:solidFill>
+                  <a:srgbClr val="ffffff"/>
+                </a:solidFill>
+                <a:latin typeface="Inter"/>
+                <a:ea typeface="Inter"/>
+              </a:rPr>
+              <a:t>//Function Implementation</a:t>
+            </a:r>
+            <a:endParaRPr b="0" lang="en-US" sz="1750" spc="-1" strike="noStrike">
+              <a:solidFill>
+                <a:srgbClr val="000000"/>
+              </a:solidFill>
+              <a:latin typeface="Arial"/>
+            </a:endParaRPr>
+          </a:p>
+        </p:txBody>
+      </p:sp>
+      <p:sp>
+        <p:nvSpPr>
+          <p:cNvPr id="96" name="Text 8"/>
           <p:cNvSpPr/>
           <p:nvPr/>
         </p:nvSpPr>
         <p:spPr>
           <a:xfrm>
-            <a:off x="2267640" y="4783680"/>
-            <a:ext cx="2910240" cy="694080"/>
+            <a:off x="2760120" y="4614480"/>
+            <a:ext cx="9609120" cy="354240"/>
           </a:xfrm>
           <a:prstGeom prst="rect">
             <a:avLst/>
@@ -9288,61 +9563,54 @@
           <a:fontRef idx="minor"/>
         </p:style>
         <p:txBody>
-          <a:bodyPr lIns="90000" rIns="90000" tIns="45000" bIns="45000" anchor="t">
+          <a:bodyPr wrap="none" lIns="90000" rIns="90000" tIns="45000" bIns="45000" anchor="t">
             <a:noAutofit/>
           </a:bodyPr>
           <a:p>
             <a:pPr>
               <a:lnSpc>
-                <a:spcPts val="2733"/>
+                <a:spcPts val="2798"/>
               </a:lnSpc>
               <a:tabLst>
                 <a:tab algn="l" pos="0"/>
               </a:tabLst>
             </a:pPr>
             <a:r>
-              <a:rPr b="1" lang="en-US" sz="2190" spc="-66" strike="noStrike">
-                <a:solidFill>
-                  <a:srgbClr val="e5e0df"/>
+              <a:rPr b="0" lang="en-US" sz="1750" spc="-35" strike="noStrike">
+                <a:solidFill>
+                  <a:srgbClr val="ffffff"/>
                 </a:solidFill>
                 <a:latin typeface="Inter"/>
                 <a:ea typeface="Inter"/>
               </a:rPr>
-              <a:t>Transparency is a key aspect of any election.</a:t>
+              <a:t>}</a:t>
             </a:r>
-            <a:endParaRPr b="0" lang="en-US" sz="2190" spc="-1" strike="noStrike">
-              <a:solidFill>
-                <a:srgbClr val="000000"/>
-              </a:solidFill>
-              <a:latin typeface="Arial"/>
-            </a:endParaRPr>
-          </a:p>
-        </p:txBody>
-      </p:sp>
-      <p:sp>
-        <p:nvSpPr>
-          <p:cNvPr id="99" name="Shape 9"/>
+            <a:endParaRPr b="0" lang="en-US" sz="1750" spc="-1" strike="noStrike">
+              <a:solidFill>
+                <a:srgbClr val="000000"/>
+              </a:solidFill>
+              <a:latin typeface="Arial"/>
+            </a:endParaRPr>
+          </a:p>
+        </p:txBody>
+      </p:sp>
+      <p:sp>
+        <p:nvSpPr>
+          <p:cNvPr id="97" name="Text 9"/>
           <p:cNvSpPr/>
           <p:nvPr/>
         </p:nvSpPr>
         <p:spPr>
           <a:xfrm>
-            <a:off x="5630400" y="4554000"/>
-            <a:ext cx="3369600" cy="2542320"/>
-          </a:xfrm>
-          <a:prstGeom prst="roundRect">
-            <a:avLst>
-              <a:gd name="adj" fmla="val 2158"/>
-            </a:avLst>
-          </a:prstGeom>
-          <a:solidFill>
-            <a:srgbClr val="110080"/>
-          </a:solidFill>
-          <a:ln w="7620">
-            <a:solidFill>
-              <a:srgbClr val="140099"/>
-            </a:solidFill>
-            <a:round/>
+            <a:off x="2393280" y="5530680"/>
+            <a:ext cx="10198080" cy="798480"/>
+          </a:xfrm>
+          <a:prstGeom prst="rect">
+            <a:avLst/>
+          </a:prstGeom>
+          <a:noFill/>
+          <a:ln w="0">
+            <a:noFill/>
           </a:ln>
         </p:spPr>
         <p:style>
@@ -9356,25 +9624,45 @@
             <a:noAutofit/>
           </a:bodyPr>
           <a:p>
-            <a:endParaRPr b="0" lang="en-US" sz="1800" spc="-1" strike="noStrike">
-              <a:solidFill>
-                <a:srgbClr val="ffffff"/>
-              </a:solidFill>
-              <a:latin typeface="Arial"/>
-            </a:endParaRPr>
-          </a:p>
-        </p:txBody>
-      </p:sp>
-      <p:sp>
-        <p:nvSpPr>
-          <p:cNvPr id="100" name="Text 10"/>
+            <a:pPr marL="343080" indent="-343080">
+              <a:lnSpc>
+                <a:spcPts val="3149"/>
+              </a:lnSpc>
+              <a:buClr>
+                <a:srgbClr val="e5e0df"/>
+              </a:buClr>
+              <a:buFont typeface="Symbol"/>
+              <a:buChar char=""/>
+            </a:pPr>
+            <a:r>
+              <a:rPr b="0" lang="en-US" sz="1750" spc="-35" strike="noStrike">
+                <a:solidFill>
+                  <a:srgbClr val="e5e0df"/>
+                </a:solidFill>
+                <a:latin typeface="Inter"/>
+                <a:ea typeface="Inter"/>
+              </a:rPr>
+              <a:t>In a real-world scenario, election officials would use this function to input candidate details before the election.</a:t>
+            </a:r>
+            <a:endParaRPr b="0" lang="en-US" sz="1750" spc="-1" strike="noStrike">
+              <a:solidFill>
+                <a:srgbClr val="000000"/>
+              </a:solidFill>
+              <a:latin typeface="Arial"/>
+            </a:endParaRPr>
+          </a:p>
+        </p:txBody>
+      </p:sp>
+      <p:sp>
+        <p:nvSpPr>
+          <p:cNvPr id="98" name="Text 10"/>
           <p:cNvSpPr/>
           <p:nvPr/>
         </p:nvSpPr>
         <p:spPr>
           <a:xfrm>
-            <a:off x="5860080" y="4783680"/>
-            <a:ext cx="2910240" cy="1799640"/>
+            <a:off x="2393280" y="6419160"/>
+            <a:ext cx="10198080" cy="398880"/>
           </a:xfrm>
           <a:prstGeom prst="rect">
             <a:avLst/>
@@ -9391,50 +9679,29 @@
           <a:fontRef idx="minor"/>
         </p:style>
         <p:txBody>
-          <a:bodyPr lIns="90000" rIns="90000" tIns="45000" bIns="45000" anchor="t">
-            <a:noAutofit/>
-          </a:bodyPr>
-          <a:p>
-            <a:pPr>
-              <a:lnSpc>
-                <a:spcPts val="2798"/>
-              </a:lnSpc>
-              <a:tabLst>
-                <a:tab algn="l" pos="0"/>
-              </a:tabLst>
+          <a:bodyPr wrap="none" lIns="90000" rIns="90000" tIns="45000" bIns="45000" anchor="t">
+            <a:noAutofit/>
+          </a:bodyPr>
+          <a:p>
+            <a:pPr marL="343080" indent="-343080">
+              <a:lnSpc>
+                <a:spcPts val="3149"/>
+              </a:lnSpc>
+              <a:buClr>
+                <a:srgbClr val="e5e0df"/>
+              </a:buClr>
+              <a:buFont typeface="Symbol"/>
+              <a:buChar char=""/>
             </a:pPr>
             <a:r>
               <a:rPr b="0" lang="en-US" sz="1750" spc="-35" strike="noStrike">
                 <a:solidFill>
-                  <a:srgbClr val="b05ef1"/>
+                  <a:srgbClr val="e5e0df"/>
                 </a:solidFill>
                 <a:latin typeface="Inter"/>
                 <a:ea typeface="Inter"/>
               </a:rPr>
-              <a:t>This function enables users to view all registered candidates along with their details from the </a:t>
-            </a:r>
-            <a:r>
-              <a:rPr b="0" lang="en-US" sz="1750" spc="-35" strike="noStrike">
-                <a:solidFill>
-                  <a:srgbClr val="e5e0df"/>
-                </a:solidFill>
-                <a:highlight>
-                  <a:srgbClr val="0a004d"/>
-                </a:highlight>
-                <a:latin typeface="Consolas"/>
-                <a:ea typeface="Consolas"/>
-              </a:rPr>
-              <a:t>candidates.txt</a:t>
-            </a:r>
-            <a:r>
-              <a:rPr b="0" lang="en-US" sz="1750" spc="-35" strike="noStrike">
-                <a:solidFill>
-                  <a:srgbClr val="b05ef1"/>
-                </a:solidFill>
-                <a:latin typeface="Inter"/>
-                <a:ea typeface="Inter"/>
-              </a:rPr>
-              <a:t> file.</a:t>
+              <a:t>It allows users to input candidate information, including their ID and name.</a:t>
             </a:r>
             <a:endParaRPr b="0" lang="en-US" sz="1750" spc="-1" strike="noStrike">
               <a:solidFill>
@@ -9447,28 +9714,21 @@
       </p:sp>
       <p:sp>
         <p:nvSpPr>
-          <p:cNvPr id="101" name="Shape 11"/>
+          <p:cNvPr id="99" name="Text 11"/>
           <p:cNvSpPr/>
           <p:nvPr/>
         </p:nvSpPr>
         <p:spPr>
           <a:xfrm>
-            <a:off x="9222480" y="4554000"/>
-            <a:ext cx="3369600" cy="2542320"/>
-          </a:xfrm>
-          <a:prstGeom prst="roundRect">
-            <a:avLst>
-              <a:gd name="adj" fmla="val 2158"/>
-            </a:avLst>
-          </a:prstGeom>
-          <a:solidFill>
-            <a:srgbClr val="110080"/>
-          </a:solidFill>
-          <a:ln w="7620">
-            <a:solidFill>
-              <a:srgbClr val="140099"/>
-            </a:solidFill>
-            <a:round/>
+            <a:off x="2393280" y="6907680"/>
+            <a:ext cx="10198080" cy="421560"/>
+          </a:xfrm>
+          <a:prstGeom prst="rect">
+            <a:avLst/>
+          </a:prstGeom>
+          <a:noFill/>
+          <a:ln w="0">
+            <a:noFill/>
           </a:ln>
         </p:spPr>
         <p:style>
@@ -9478,68 +9738,52 @@
           <a:fontRef idx="minor"/>
         </p:style>
         <p:txBody>
-          <a:bodyPr lIns="90000" rIns="90000" tIns="45000" bIns="45000" anchor="t">
-            <a:noAutofit/>
-          </a:bodyPr>
-          <a:p>
-            <a:endParaRPr b="0" lang="en-US" sz="1800" spc="-1" strike="noStrike">
-              <a:solidFill>
-                <a:srgbClr val="ffffff"/>
-              </a:solidFill>
-              <a:latin typeface="Arial"/>
-            </a:endParaRPr>
-          </a:p>
-        </p:txBody>
-      </p:sp>
-      <p:sp>
-        <p:nvSpPr>
-          <p:cNvPr id="102" name="Text 12"/>
-          <p:cNvSpPr/>
-          <p:nvPr/>
-        </p:nvSpPr>
-        <p:spPr>
-          <a:xfrm>
-            <a:off x="9452160" y="4783680"/>
-            <a:ext cx="2910240" cy="2082600"/>
-          </a:xfrm>
-          <a:prstGeom prst="rect">
-            <a:avLst/>
-          </a:prstGeom>
-          <a:noFill/>
-          <a:ln w="0">
-            <a:noFill/>
-          </a:ln>
-        </p:spPr>
-        <p:style>
-          <a:lnRef idx="0"/>
-          <a:fillRef idx="0"/>
-          <a:effectRef idx="0"/>
-          <a:fontRef idx="minor"/>
-        </p:style>
-        <p:txBody>
-          <a:bodyPr lIns="90000" rIns="90000" tIns="45000" bIns="45000" anchor="t">
+          <a:bodyPr wrap="none" lIns="90000" rIns="90000" tIns="45000" bIns="45000" anchor="t">
             <a:noAutofit/>
           </a:bodyPr>
           <a:p>
             <a:pPr>
               <a:lnSpc>
-                <a:spcPts val="2733"/>
+                <a:spcPts val="3149"/>
               </a:lnSpc>
               <a:tabLst>
                 <a:tab algn="l" pos="0"/>
               </a:tabLst>
             </a:pPr>
             <a:r>
-              <a:rPr b="1" lang="en-US" sz="2190" spc="-66" strike="noStrike">
+              <a:rPr b="0" lang="en-US" sz="1750" spc="-35" strike="noStrike">
                 <a:solidFill>
                   <a:srgbClr val="e5e0df"/>
                 </a:solidFill>
                 <a:latin typeface="Inter"/>
                 <a:ea typeface="Inter"/>
               </a:rPr>
-              <a:t>By displaying the candidate list, voters can make informed choices based on their qualifications and policies.</a:t>
+              <a:t>The data is saved in a file named </a:t>
             </a:r>
-            <a:endParaRPr b="0" lang="en-US" sz="2190" spc="-1" strike="noStrike">
+            <a:r>
+              <a:rPr b="0" lang="en-US" sz="1750" spc="-35" strike="noStrike">
+                <a:solidFill>
+                  <a:srgbClr val="e5e0df"/>
+                </a:solidFill>
+                <a:highlight>
+                  <a:srgbClr val="0a004d"/>
+                </a:highlight>
+                <a:latin typeface="Consolas"/>
+                <a:ea typeface="Consolas"/>
+              </a:rPr>
+              <a:t>candidates.txt</a:t>
+            </a:r>
+            <a:r>
+              <a:rPr b="0" lang="en-US" sz="1750" spc="-35" strike="noStrike">
+                <a:solidFill>
+                  <a:srgbClr val="e5e0df"/>
+                </a:solidFill>
+                <a:latin typeface="Inter"/>
+                <a:ea typeface="Inter"/>
+              </a:rPr>
+              <a:t> to maintain a record of all candidates.</a:t>
+            </a:r>
+            <a:endParaRPr b="0" lang="en-US" sz="1750" spc="-1" strike="noStrike">
               <a:solidFill>
                 <a:srgbClr val="000000"/>
               </a:solidFill>
@@ -9580,14 +9824,14 @@
       </p:grpSpPr>
       <p:sp>
         <p:nvSpPr>
-          <p:cNvPr id="103" name="Shape 0"/>
+          <p:cNvPr id="100" name="Shape 0"/>
           <p:cNvSpPr/>
           <p:nvPr/>
         </p:nvSpPr>
         <p:spPr>
           <a:xfrm>
             <a:off x="0" y="0"/>
-            <a:ext cx="14630040" cy="8229240"/>
+            <a:ext cx="14629320" cy="8228520"/>
           </a:xfrm>
           <a:prstGeom prst="rect">
             <a:avLst/>
@@ -9610,25 +9854,31 @@
             <a:noAutofit/>
           </a:bodyPr>
           <a:p>
+            <a:pPr>
+              <a:lnSpc>
+                <a:spcPct val="100000"/>
+              </a:lnSpc>
+            </a:pPr>
             <a:endParaRPr b="0" lang="en-US" sz="1800" spc="-1" strike="noStrike">
               <a:solidFill>
                 <a:srgbClr val="ffffff"/>
               </a:solidFill>
               <a:latin typeface="Arial"/>
-            </a:endParaRPr>
-          </a:p>
-        </p:txBody>
-      </p:sp>
-      <p:sp>
-        <p:nvSpPr>
-          <p:cNvPr id="104" name="Shape 1"/>
+              <a:ea typeface="DejaVu Sans"/>
+            </a:endParaRPr>
+          </a:p>
+        </p:txBody>
+      </p:sp>
+      <p:sp>
+        <p:nvSpPr>
+          <p:cNvPr id="101" name="Shape 1"/>
           <p:cNvSpPr/>
           <p:nvPr/>
         </p:nvSpPr>
         <p:spPr>
           <a:xfrm>
             <a:off x="0" y="0"/>
-            <a:ext cx="14630040" cy="8229240"/>
+            <a:ext cx="14629320" cy="8228520"/>
           </a:xfrm>
           <a:prstGeom prst="rect">
             <a:avLst/>
@@ -9654,25 +9904,31 @@
             <a:noAutofit/>
           </a:bodyPr>
           <a:p>
+            <a:pPr>
+              <a:lnSpc>
+                <a:spcPct val="100000"/>
+              </a:lnSpc>
+            </a:pPr>
             <a:endParaRPr b="0" lang="en-US" sz="1800" spc="-1" strike="noStrike">
               <a:solidFill>
                 <a:srgbClr val="ffffff"/>
               </a:solidFill>
               <a:latin typeface="Arial"/>
-            </a:endParaRPr>
-          </a:p>
-        </p:txBody>
-      </p:sp>
-      <p:sp>
-        <p:nvSpPr>
-          <p:cNvPr id="105" name="Text 2"/>
+              <a:ea typeface="DejaVu Sans"/>
+            </a:endParaRPr>
+          </a:p>
+        </p:txBody>
+      </p:sp>
+      <p:sp>
+        <p:nvSpPr>
+          <p:cNvPr id="102" name="Text 2"/>
           <p:cNvSpPr/>
           <p:nvPr/>
         </p:nvSpPr>
         <p:spPr>
           <a:xfrm>
-            <a:off x="2037960" y="1704240"/>
-            <a:ext cx="4443480" cy="694080"/>
+            <a:off x="2037960" y="1132920"/>
+            <a:ext cx="6926400" cy="693360"/>
           </a:xfrm>
           <a:prstGeom prst="rect">
             <a:avLst/>
@@ -9709,7 +9965,7 @@
                 <a:latin typeface="Inter"/>
                 <a:ea typeface="Inter"/>
               </a:rPr>
-              <a:t>Cast Vote</a:t>
+              <a:t>Display Candidates Details</a:t>
             </a:r>
             <a:endParaRPr b="0" lang="en-US" sz="4370" spc="-1" strike="noStrike">
               <a:solidFill>
@@ -9722,14 +9978,14 @@
       </p:sp>
       <p:sp>
         <p:nvSpPr>
-          <p:cNvPr id="106" name="Shape 3"/>
+          <p:cNvPr id="103" name="Shape 3"/>
           <p:cNvSpPr/>
           <p:nvPr/>
         </p:nvSpPr>
         <p:spPr>
           <a:xfrm>
-            <a:off x="2037960" y="2842920"/>
-            <a:ext cx="10554120" cy="2032200"/>
+            <a:off x="2037960" y="2271600"/>
+            <a:ext cx="10553400" cy="2031480"/>
           </a:xfrm>
           <a:prstGeom prst="roundRect">
             <a:avLst>
@@ -9754,18 +10010,24 @@
             <a:noAutofit/>
           </a:bodyPr>
           <a:p>
+            <a:pPr>
+              <a:lnSpc>
+                <a:spcPct val="100000"/>
+              </a:lnSpc>
+            </a:pPr>
             <a:endParaRPr b="0" lang="en-US" sz="1800" spc="-1" strike="noStrike">
               <a:solidFill>
                 <a:srgbClr val="ffffff"/>
               </a:solidFill>
               <a:latin typeface="Arial"/>
+              <a:ea typeface="DejaVu Sans"/>
             </a:endParaRPr>
           </a:p>
         </p:txBody>
       </p:sp>
       <p:pic>
         <p:nvPicPr>
-          <p:cNvPr id="107" name="Image 0" descr="preencoded.png"/>
+          <p:cNvPr id="104" name="Image 0" descr="preencoded.png"/>
           <p:cNvPicPr/>
           <p:nvPr/>
         </p:nvPicPr>
@@ -9775,8 +10037,8 @@
         </p:blipFill>
         <p:spPr>
           <a:xfrm>
-            <a:off x="2260080" y="3177720"/>
-            <a:ext cx="277200" cy="221760"/>
+            <a:off x="2260080" y="2606400"/>
+            <a:ext cx="276480" cy="221040"/>
           </a:xfrm>
           <a:prstGeom prst="rect">
             <a:avLst/>
@@ -9788,14 +10050,14 @@
       </p:pic>
       <p:sp>
         <p:nvSpPr>
-          <p:cNvPr id="108" name="Text 4"/>
+          <p:cNvPr id="105" name="Text 4"/>
           <p:cNvSpPr/>
           <p:nvPr/>
         </p:nvSpPr>
         <p:spPr>
           <a:xfrm>
-            <a:off x="2760120" y="3098520"/>
-            <a:ext cx="9609840" cy="354960"/>
+            <a:off x="2760120" y="2526840"/>
+            <a:ext cx="9609120" cy="354240"/>
           </a:xfrm>
           <a:prstGeom prst="rect">
             <a:avLst/>
@@ -9832,7 +10094,7 @@
                 <a:latin typeface="Inter"/>
                 <a:ea typeface="Inter"/>
               </a:rPr>
-              <a:t>void CastVote() {</a:t>
+              <a:t>void displayCandidates() {</a:t>
             </a:r>
             <a:endParaRPr b="0" lang="en-US" sz="1750" spc="-1" strike="noStrike">
               <a:solidFill>
@@ -9845,14 +10107,14 @@
       </p:sp>
       <p:sp>
         <p:nvSpPr>
-          <p:cNvPr id="109" name="Text 5"/>
+          <p:cNvPr id="106" name="Text 5"/>
           <p:cNvSpPr/>
           <p:nvPr/>
         </p:nvSpPr>
         <p:spPr>
           <a:xfrm>
-            <a:off x="2760120" y="3653640"/>
-            <a:ext cx="9609840" cy="354960"/>
+            <a:off x="2760120" y="3082320"/>
+            <a:ext cx="9609120" cy="354240"/>
           </a:xfrm>
           <a:prstGeom prst="rect">
             <a:avLst/>
@@ -9882,7 +10144,7 @@
               </a:tabLst>
             </a:pPr>
             <a:r>
-              <a:rPr b="0" i="1" lang="en-US" sz="1750" spc="-35" strike="noStrike">
+              <a:rPr b="0" lang="en-US" sz="1750" spc="-35" strike="noStrike">
                 <a:solidFill>
                   <a:srgbClr val="ffffff"/>
                 </a:solidFill>
@@ -9912,14 +10174,14 @@
       </p:sp>
       <p:sp>
         <p:nvSpPr>
-          <p:cNvPr id="110" name="Text 6"/>
+          <p:cNvPr id="107" name="Text 6"/>
           <p:cNvSpPr/>
           <p:nvPr/>
         </p:nvSpPr>
         <p:spPr>
           <a:xfrm>
-            <a:off x="2760120" y="4209120"/>
-            <a:ext cx="9609840" cy="354960"/>
+            <a:off x="2760120" y="3637440"/>
+            <a:ext cx="9609120" cy="354240"/>
           </a:xfrm>
           <a:prstGeom prst="rect">
             <a:avLst/>
@@ -9979,21 +10241,28 @@
       </p:sp>
       <p:sp>
         <p:nvSpPr>
-          <p:cNvPr id="111" name="Text 7"/>
+          <p:cNvPr id="108" name="Shape 7"/>
           <p:cNvSpPr/>
           <p:nvPr/>
         </p:nvSpPr>
         <p:spPr>
           <a:xfrm>
-            <a:off x="2393280" y="5125320"/>
-            <a:ext cx="10198800" cy="399600"/>
-          </a:xfrm>
-          <a:prstGeom prst="rect">
-            <a:avLst/>
-          </a:prstGeom>
-          <a:noFill/>
-          <a:ln w="0">
-            <a:noFill/>
+            <a:off x="2037960" y="4554000"/>
+            <a:ext cx="3368880" cy="2541600"/>
+          </a:xfrm>
+          <a:prstGeom prst="roundRect">
+            <a:avLst>
+              <a:gd name="adj" fmla="val 2158"/>
+            </a:avLst>
+          </a:prstGeom>
+          <a:solidFill>
+            <a:srgbClr val="110080"/>
+          </a:solidFill>
+          <a:ln w="7620">
+            <a:solidFill>
+              <a:srgbClr val="140099"/>
+            </a:solidFill>
+            <a:round/>
           </a:ln>
         </p:spPr>
         <p:style>
@@ -10003,49 +10272,35 @@
           <a:fontRef idx="minor"/>
         </p:style>
         <p:txBody>
-          <a:bodyPr wrap="none" lIns="90000" rIns="90000" tIns="45000" bIns="45000" anchor="t">
-            <a:noAutofit/>
-          </a:bodyPr>
-          <a:p>
-            <a:pPr marL="343080" indent="-343080">
-              <a:lnSpc>
-                <a:spcPts val="3149"/>
-              </a:lnSpc>
-              <a:buClr>
-                <a:srgbClr val="e5e0df"/>
-              </a:buClr>
-              <a:buFont typeface="Symbol" charset="2"/>
-              <a:buChar char=""/>
-            </a:pPr>
-            <a:r>
-              <a:rPr b="0" lang="en-US" sz="1750" spc="-35" strike="noStrike">
-                <a:solidFill>
-                  <a:srgbClr val="e5e0df"/>
-                </a:solidFill>
-                <a:latin typeface="Inter"/>
-                <a:ea typeface="Inter"/>
-              </a:rPr>
-              <a:t>The heart of the Console Voting System is the voting process itself.</a:t>
-            </a:r>
-            <a:endParaRPr b="0" lang="en-US" sz="1750" spc="-1" strike="noStrike">
-              <a:solidFill>
-                <a:srgbClr val="000000"/>
-              </a:solidFill>
-              <a:latin typeface="Arial"/>
-            </a:endParaRPr>
-          </a:p>
-        </p:txBody>
-      </p:sp>
-      <p:sp>
-        <p:nvSpPr>
-          <p:cNvPr id="112" name="Text 8"/>
+          <a:bodyPr lIns="90000" rIns="90000" tIns="45000" bIns="45000" anchor="t">
+            <a:noAutofit/>
+          </a:bodyPr>
+          <a:p>
+            <a:pPr>
+              <a:lnSpc>
+                <a:spcPct val="100000"/>
+              </a:lnSpc>
+            </a:pPr>
+            <a:endParaRPr b="0" lang="en-US" sz="1800" spc="-1" strike="noStrike">
+              <a:solidFill>
+                <a:srgbClr val="ffffff"/>
+              </a:solidFill>
+              <a:latin typeface="Arial"/>
+              <a:ea typeface="DejaVu Sans"/>
+            </a:endParaRPr>
+          </a:p>
+        </p:txBody>
+      </p:sp>
+      <p:sp>
+        <p:nvSpPr>
+          <p:cNvPr id="109" name="Text 8"/>
           <p:cNvSpPr/>
           <p:nvPr/>
         </p:nvSpPr>
         <p:spPr>
           <a:xfrm>
-            <a:off x="2393280" y="5613840"/>
-            <a:ext cx="10198800" cy="399600"/>
+            <a:off x="2267640" y="4783680"/>
+            <a:ext cx="2909520" cy="693360"/>
           </a:xfrm>
           <a:prstGeom prst="rect">
             <a:avLst/>
@@ -10062,56 +10317,61 @@
           <a:fontRef idx="minor"/>
         </p:style>
         <p:txBody>
-          <a:bodyPr wrap="none" lIns="90000" rIns="90000" tIns="45000" bIns="45000" anchor="t">
-            <a:noAutofit/>
-          </a:bodyPr>
-          <a:p>
-            <a:pPr marL="343080" indent="-343080">
-              <a:lnSpc>
-                <a:spcPts val="3149"/>
-              </a:lnSpc>
-              <a:buClr>
-                <a:srgbClr val="e5e0df"/>
-              </a:buClr>
-              <a:buFont typeface="Symbol" charset="2"/>
-              <a:buChar char=""/>
+          <a:bodyPr lIns="90000" rIns="90000" tIns="45000" bIns="45000" anchor="t">
+            <a:noAutofit/>
+          </a:bodyPr>
+          <a:p>
+            <a:pPr>
+              <a:lnSpc>
+                <a:spcPts val="2733"/>
+              </a:lnSpc>
+              <a:tabLst>
+                <a:tab algn="l" pos="0"/>
+              </a:tabLst>
             </a:pPr>
             <a:r>
-              <a:rPr b="0" lang="en-US" sz="1750" spc="-35" strike="noStrike">
+              <a:rPr b="1" lang="en-US" sz="2190" spc="-66" strike="noStrike">
                 <a:solidFill>
                   <a:srgbClr val="e5e0df"/>
                 </a:solidFill>
                 <a:latin typeface="Inter"/>
                 <a:ea typeface="Inter"/>
               </a:rPr>
-              <a:t>This function allows a voter to cast a vote for their preferred candidate.</a:t>
+              <a:t>Transparency is a key aspect of any election.</a:t>
             </a:r>
-            <a:endParaRPr b="0" lang="en-US" sz="1750" spc="-1" strike="noStrike">
-              <a:solidFill>
-                <a:srgbClr val="000000"/>
-              </a:solidFill>
-              <a:latin typeface="Arial"/>
-            </a:endParaRPr>
-          </a:p>
-        </p:txBody>
-      </p:sp>
-      <p:sp>
-        <p:nvSpPr>
-          <p:cNvPr id="113" name="Text 9"/>
+            <a:endParaRPr b="0" lang="en-US" sz="2190" spc="-1" strike="noStrike">
+              <a:solidFill>
+                <a:srgbClr val="000000"/>
+              </a:solidFill>
+              <a:latin typeface="Arial"/>
+            </a:endParaRPr>
+          </a:p>
+        </p:txBody>
+      </p:sp>
+      <p:sp>
+        <p:nvSpPr>
+          <p:cNvPr id="110" name="Shape 9"/>
           <p:cNvSpPr/>
           <p:nvPr/>
         </p:nvSpPr>
         <p:spPr>
           <a:xfrm>
-            <a:off x="2393280" y="6102720"/>
-            <a:ext cx="10198800" cy="422280"/>
-          </a:xfrm>
-          <a:prstGeom prst="rect">
-            <a:avLst/>
-          </a:prstGeom>
-          <a:noFill/>
-          <a:ln w="0">
-            <a:noFill/>
+            <a:off x="5630400" y="4554000"/>
+            <a:ext cx="3368880" cy="2541600"/>
+          </a:xfrm>
+          <a:prstGeom prst="roundRect">
+            <a:avLst>
+              <a:gd name="adj" fmla="val 2158"/>
+            </a:avLst>
+          </a:prstGeom>
+          <a:solidFill>
+            <a:srgbClr val="110080"/>
+          </a:solidFill>
+          <a:ln w="7620">
+            <a:solidFill>
+              <a:srgbClr val="140099"/>
+            </a:solidFill>
+            <a:round/>
           </a:ln>
         </p:spPr>
         <p:style>
@@ -10121,13 +10381,58 @@
           <a:fontRef idx="minor"/>
         </p:style>
         <p:txBody>
-          <a:bodyPr wrap="none" lIns="90000" rIns="90000" tIns="45000" bIns="45000" anchor="t">
+          <a:bodyPr lIns="90000" rIns="90000" tIns="45000" bIns="45000" anchor="t">
             <a:noAutofit/>
           </a:bodyPr>
           <a:p>
             <a:pPr>
               <a:lnSpc>
-                <a:spcPts val="3149"/>
+                <a:spcPct val="100000"/>
+              </a:lnSpc>
+            </a:pPr>
+            <a:endParaRPr b="0" lang="en-US" sz="1800" spc="-1" strike="noStrike">
+              <a:solidFill>
+                <a:srgbClr val="ffffff"/>
+              </a:solidFill>
+              <a:latin typeface="Arial"/>
+              <a:ea typeface="DejaVu Sans"/>
+            </a:endParaRPr>
+          </a:p>
+        </p:txBody>
+      </p:sp>
+      <p:sp>
+        <p:nvSpPr>
+          <p:cNvPr id="111" name="Text 10"/>
+          <p:cNvSpPr/>
+          <p:nvPr/>
+        </p:nvSpPr>
+        <p:spPr>
+          <a:xfrm>
+            <a:off x="5860080" y="4783680"/>
+            <a:ext cx="2909520" cy="1798920"/>
+          </a:xfrm>
+          <a:prstGeom prst="rect">
+            <a:avLst/>
+          </a:prstGeom>
+          <a:noFill/>
+          <a:ln w="0">
+            <a:noFill/>
+          </a:ln>
+        </p:spPr>
+        <p:style>
+          <a:lnRef idx="0"/>
+          <a:fillRef idx="0"/>
+          <a:effectRef idx="0"/>
+          <a:fontRef idx="minor"/>
+        </p:style>
+        <p:txBody>
+          <a:bodyPr lIns="90000" rIns="90000" tIns="45000" bIns="45000" anchor="t">
+            <a:noAutofit/>
+          </a:bodyPr>
+          <a:p>
+            <a:pPr>
+              <a:lnSpc>
+                <a:spcPts val="2798"/>
               </a:lnSpc>
               <a:tabLst>
                 <a:tab algn="l" pos="0"/>
@@ -10136,12 +10441,12 @@
             <a:r>
               <a:rPr b="0" lang="en-US" sz="1750" spc="-35" strike="noStrike">
                 <a:solidFill>
-                  <a:srgbClr val="e5e0df"/>
+                  <a:srgbClr val="b05ef1"/>
                 </a:solidFill>
                 <a:latin typeface="Inter"/>
                 <a:ea typeface="Inter"/>
               </a:rPr>
-              <a:t>The system ensures that each vote is counted and updated in the </a:t>
+              <a:t>This function enables users to view all registered candidates along with their details from the </a:t>
             </a:r>
             <a:r>
               <a:rPr b="0" lang="en-US" sz="1750" spc="-35" strike="noStrike">
@@ -10159,14 +10464,123 @@
             <a:r>
               <a:rPr b="0" lang="en-US" sz="1750" spc="-35" strike="noStrike">
                 <a:solidFill>
-                  <a:srgbClr val="e5e0df"/>
+                  <a:srgbClr val="b05ef1"/>
                 </a:solidFill>
                 <a:latin typeface="Inter"/>
                 <a:ea typeface="Inter"/>
               </a:rPr>
-              <a:t> file</a:t>
+              <a:t> file.</a:t>
             </a:r>
             <a:endParaRPr b="0" lang="en-US" sz="1750" spc="-1" strike="noStrike">
+              <a:solidFill>
+                <a:srgbClr val="000000"/>
+              </a:solidFill>
+              <a:latin typeface="Arial"/>
+            </a:endParaRPr>
+          </a:p>
+        </p:txBody>
+      </p:sp>
+      <p:sp>
+        <p:nvSpPr>
+          <p:cNvPr id="112" name="Shape 11"/>
+          <p:cNvSpPr/>
+          <p:nvPr/>
+        </p:nvSpPr>
+        <p:spPr>
+          <a:xfrm>
+            <a:off x="9222480" y="4554000"/>
+            <a:ext cx="3368880" cy="2541600"/>
+          </a:xfrm>
+          <a:prstGeom prst="roundRect">
+            <a:avLst>
+              <a:gd name="adj" fmla="val 2158"/>
+            </a:avLst>
+          </a:prstGeom>
+          <a:solidFill>
+            <a:srgbClr val="110080"/>
+          </a:solidFill>
+          <a:ln w="7620">
+            <a:solidFill>
+              <a:srgbClr val="140099"/>
+            </a:solidFill>
+            <a:round/>
+          </a:ln>
+        </p:spPr>
+        <p:style>
+          <a:lnRef idx="0"/>
+          <a:fillRef idx="0"/>
+          <a:effectRef idx="0"/>
+          <a:fontRef idx="minor"/>
+        </p:style>
+        <p:txBody>
+          <a:bodyPr lIns="90000" rIns="90000" tIns="45000" bIns="45000" anchor="t">
+            <a:noAutofit/>
+          </a:bodyPr>
+          <a:p>
+            <a:pPr>
+              <a:lnSpc>
+                <a:spcPct val="100000"/>
+              </a:lnSpc>
+            </a:pPr>
+            <a:endParaRPr b="0" lang="en-US" sz="1800" spc="-1" strike="noStrike">
+              <a:solidFill>
+                <a:srgbClr val="ffffff"/>
+              </a:solidFill>
+              <a:latin typeface="Arial"/>
+              <a:ea typeface="DejaVu Sans"/>
+            </a:endParaRPr>
+          </a:p>
+        </p:txBody>
+      </p:sp>
+      <p:sp>
+        <p:nvSpPr>
+          <p:cNvPr id="113" name="Text 12"/>
+          <p:cNvSpPr/>
+          <p:nvPr/>
+        </p:nvSpPr>
+        <p:spPr>
+          <a:xfrm>
+            <a:off x="9452160" y="4783680"/>
+            <a:ext cx="2909520" cy="2081880"/>
+          </a:xfrm>
+          <a:prstGeom prst="rect">
+            <a:avLst/>
+          </a:prstGeom>
+          <a:noFill/>
+          <a:ln w="0">
+            <a:noFill/>
+          </a:ln>
+        </p:spPr>
+        <p:style>
+          <a:lnRef idx="0"/>
+          <a:fillRef idx="0"/>
+          <a:effectRef idx="0"/>
+          <a:fontRef idx="minor"/>
+        </p:style>
+        <p:txBody>
+          <a:bodyPr lIns="90000" rIns="90000" tIns="45000" bIns="45000" anchor="t">
+            <a:noAutofit/>
+          </a:bodyPr>
+          <a:p>
+            <a:pPr>
+              <a:lnSpc>
+                <a:spcPts val="2733"/>
+              </a:lnSpc>
+              <a:tabLst>
+                <a:tab algn="l" pos="0"/>
+              </a:tabLst>
+            </a:pPr>
+            <a:r>
+              <a:rPr b="1" lang="en-US" sz="2190" spc="-66" strike="noStrike">
+                <a:solidFill>
+                  <a:srgbClr val="e5e0df"/>
+                </a:solidFill>
+                <a:latin typeface="Inter"/>
+                <a:ea typeface="Inter"/>
+              </a:rPr>
+              <a:t>By displaying the candidate list, voters can make informed choices based on their qualifications and policies.</a:t>
+            </a:r>
+            <a:endParaRPr b="0" lang="en-US" sz="2190" spc="-1" strike="noStrike">
               <a:solidFill>
                 <a:srgbClr val="000000"/>
               </a:solidFill>
@@ -10214,7 +10628,7 @@
         <p:spPr>
           <a:xfrm>
             <a:off x="0" y="0"/>
-            <a:ext cx="14630040" cy="8229240"/>
+            <a:ext cx="14629320" cy="8228520"/>
           </a:xfrm>
           <a:prstGeom prst="rect">
             <a:avLst/>
@@ -10237,11 +10651,17 @@
             <a:noAutofit/>
           </a:bodyPr>
           <a:p>
+            <a:pPr>
+              <a:lnSpc>
+                <a:spcPct val="100000"/>
+              </a:lnSpc>
+            </a:pPr>
             <a:endParaRPr b="0" lang="en-US" sz="1800" spc="-1" strike="noStrike">
               <a:solidFill>
                 <a:srgbClr val="ffffff"/>
               </a:solidFill>
               <a:latin typeface="Arial"/>
+              <a:ea typeface="DejaVu Sans"/>
             </a:endParaRPr>
           </a:p>
         </p:txBody>
@@ -10255,7 +10675,7 @@
         <p:spPr>
           <a:xfrm>
             <a:off x="0" y="0"/>
-            <a:ext cx="14630040" cy="8229240"/>
+            <a:ext cx="14629320" cy="8228520"/>
           </a:xfrm>
           <a:prstGeom prst="rect">
             <a:avLst/>
@@ -10281,11 +10701,17 @@
             <a:noAutofit/>
           </a:bodyPr>
           <a:p>
+            <a:pPr>
+              <a:lnSpc>
+                <a:spcPct val="100000"/>
+              </a:lnSpc>
+            </a:pPr>
             <a:endParaRPr b="0" lang="en-US" sz="1800" spc="-1" strike="noStrike">
               <a:solidFill>
                 <a:srgbClr val="ffffff"/>
               </a:solidFill>
               <a:latin typeface="Arial"/>
+              <a:ea typeface="DejaVu Sans"/>
             </a:endParaRPr>
           </a:p>
         </p:txBody>
@@ -10298,8 +10724,8 @@
         </p:nvSpPr>
         <p:spPr>
           <a:xfrm>
-            <a:off x="2037960" y="1565640"/>
-            <a:ext cx="4443480" cy="694080"/>
+            <a:off x="2037960" y="1704240"/>
+            <a:ext cx="4442760" cy="693360"/>
           </a:xfrm>
           <a:prstGeom prst="rect">
             <a:avLst/>
@@ -10336,7 +10762,7 @@
                 <a:latin typeface="Inter"/>
                 <a:ea typeface="Inter"/>
               </a:rPr>
-              <a:t>Display Votes</a:t>
+              <a:t>Cast Vote</a:t>
             </a:r>
             <a:endParaRPr b="0" lang="en-US" sz="4370" spc="-1" strike="noStrike">
               <a:solidFill>
@@ -10355,16 +10781,16 @@
         </p:nvSpPr>
         <p:spPr>
           <a:xfrm>
-            <a:off x="2037960" y="2704680"/>
-            <a:ext cx="10554120" cy="1532160"/>
+            <a:off x="2037960" y="2842920"/>
+            <a:ext cx="10553400" cy="2031480"/>
           </a:xfrm>
           <a:prstGeom prst="roundRect">
             <a:avLst>
-              <a:gd name="adj" fmla="val 3580"/>
+              <a:gd name="adj" fmla="val 2699"/>
             </a:avLst>
           </a:prstGeom>
           <a:solidFill>
-            <a:srgbClr val="0a004d"/>
+            <a:srgbClr val="032349"/>
           </a:solidFill>
           <a:ln w="0">
             <a:noFill/>
@@ -10381,34 +10807,59 @@
             <a:noAutofit/>
           </a:bodyPr>
           <a:p>
+            <a:pPr>
+              <a:lnSpc>
+                <a:spcPct val="100000"/>
+              </a:lnSpc>
+            </a:pPr>
             <a:endParaRPr b="0" lang="en-US" sz="1800" spc="-1" strike="noStrike">
               <a:solidFill>
                 <a:srgbClr val="ffffff"/>
               </a:solidFill>
               <a:latin typeface="Arial"/>
-            </a:endParaRPr>
-          </a:p>
-        </p:txBody>
-      </p:sp>
-      <p:sp>
-        <p:nvSpPr>
-          <p:cNvPr id="118" name="Shape 4"/>
+              <a:ea typeface="DejaVu Sans"/>
+            </a:endParaRPr>
+          </a:p>
+        </p:txBody>
+      </p:sp>
+      <p:pic>
+        <p:nvPicPr>
+          <p:cNvPr id="118" name="Image 0" descr="preencoded.png"/>
+          <p:cNvPicPr/>
+          <p:nvPr/>
+        </p:nvPicPr>
+        <p:blipFill>
+          <a:blip r:embed="rId1"/>
+          <a:stretch/>
+        </p:blipFill>
+        <p:spPr>
+          <a:xfrm>
+            <a:off x="2260080" y="3177720"/>
+            <a:ext cx="276480" cy="221040"/>
+          </a:xfrm>
+          <a:prstGeom prst="rect">
+            <a:avLst/>
+          </a:prstGeom>
+          <a:ln w="0">
+            <a:noFill/>
+          </a:ln>
+        </p:spPr>
+      </p:pic>
+      <p:sp>
+        <p:nvSpPr>
+          <p:cNvPr id="119" name="Text 4"/>
           <p:cNvSpPr/>
           <p:nvPr/>
         </p:nvSpPr>
         <p:spPr>
           <a:xfrm>
-            <a:off x="2026800" y="2704680"/>
-            <a:ext cx="10576080" cy="1532160"/>
-          </a:xfrm>
-          <a:prstGeom prst="roundRect">
-            <a:avLst>
-              <a:gd name="adj" fmla="val 2175"/>
-            </a:avLst>
-          </a:prstGeom>
-          <a:solidFill>
-            <a:srgbClr val="0a004d"/>
-          </a:solidFill>
+            <a:off x="2760120" y="3098520"/>
+            <a:ext cx="9609120" cy="354240"/>
+          </a:xfrm>
+          <a:prstGeom prst="rect">
+            <a:avLst/>
+          </a:prstGeom>
+          <a:noFill/>
           <a:ln w="0">
             <a:noFill/>
           </a:ln>
@@ -10420,29 +10871,47 @@
           <a:fontRef idx="minor"/>
         </p:style>
         <p:txBody>
-          <a:bodyPr lIns="90000" rIns="90000" tIns="45000" bIns="45000" anchor="t">
-            <a:noAutofit/>
-          </a:bodyPr>
-          <a:p>
-            <a:endParaRPr b="0" lang="en-US" sz="1800" spc="-1" strike="noStrike">
-              <a:solidFill>
-                <a:srgbClr val="ffffff"/>
-              </a:solidFill>
-              <a:latin typeface="Arial"/>
-            </a:endParaRPr>
-          </a:p>
-        </p:txBody>
-      </p:sp>
-      <p:sp>
-        <p:nvSpPr>
-          <p:cNvPr id="119" name="Text 5"/>
+          <a:bodyPr wrap="none" lIns="90000" rIns="90000" tIns="45000" bIns="45000" anchor="t">
+            <a:noAutofit/>
+          </a:bodyPr>
+          <a:p>
+            <a:pPr>
+              <a:lnSpc>
+                <a:spcPts val="2798"/>
+              </a:lnSpc>
+              <a:tabLst>
+                <a:tab algn="l" pos="0"/>
+              </a:tabLst>
+            </a:pPr>
+            <a:r>
+              <a:rPr b="0" lang="en-US" sz="1750" spc="-35" strike="noStrike">
+                <a:solidFill>
+                  <a:srgbClr val="ffffff"/>
+                </a:solidFill>
+                <a:latin typeface="Inter"/>
+                <a:ea typeface="Inter"/>
+              </a:rPr>
+              <a:t>void CastVote() {</a:t>
+            </a:r>
+            <a:endParaRPr b="0" lang="en-US" sz="1750" spc="-1" strike="noStrike">
+              <a:solidFill>
+                <a:srgbClr val="000000"/>
+              </a:solidFill>
+              <a:latin typeface="Arial"/>
+            </a:endParaRPr>
+          </a:p>
+        </p:txBody>
+      </p:sp>
+      <p:sp>
+        <p:nvSpPr>
+          <p:cNvPr id="120" name="Text 5"/>
           <p:cNvSpPr/>
           <p:nvPr/>
         </p:nvSpPr>
         <p:spPr>
           <a:xfrm>
-            <a:off x="2248920" y="2871000"/>
-            <a:ext cx="10131840" cy="1199160"/>
+            <a:off x="2760120" y="3653640"/>
+            <a:ext cx="9609120" cy="354240"/>
           </a:xfrm>
           <a:prstGeom prst="rect">
             <a:avLst/>
@@ -10459,70 +10928,35 @@
           <a:fontRef idx="minor"/>
         </p:style>
         <p:txBody>
-          <a:bodyPr lIns="90000" rIns="90000" tIns="45000" bIns="45000" anchor="t">
+          <a:bodyPr wrap="none" lIns="90000" rIns="90000" tIns="45000" bIns="45000" anchor="t">
             <a:noAutofit/>
           </a:bodyPr>
           <a:p>
             <a:pPr>
               <a:lnSpc>
-                <a:spcPts val="3149"/>
+                <a:spcPts val="2798"/>
               </a:lnSpc>
               <a:tabLst>
                 <a:tab algn="l" pos="0"/>
               </a:tabLst>
             </a:pPr>
             <a:r>
-              <a:rPr b="0" lang="en-US" sz="1750" spc="-35" strike="noStrike">
-                <a:solidFill>
-                  <a:srgbClr val="e5e0df"/>
-                </a:solidFill>
-                <a:highlight>
-                  <a:srgbClr val="0a004d"/>
-                </a:highlight>
-                <a:latin typeface="Consolas"/>
-                <a:ea typeface="Consolas"/>
-              </a:rPr>
-              <a:t>void DisplayVotes() {</a:t>
-            </a:r>
-            <a:endParaRPr b="0" lang="en-US" sz="1750" spc="-1" strike="noStrike">
-              <a:solidFill>
-                <a:srgbClr val="000000"/>
-              </a:solidFill>
-              <a:latin typeface="Arial"/>
-            </a:endParaRPr>
-          </a:p>
-          <a:p>
-            <a:pPr>
-              <a:lnSpc>
-                <a:spcPts val="3149"/>
-              </a:lnSpc>
-              <a:tabLst>
-                <a:tab algn="l" pos="0"/>
-              </a:tabLst>
-            </a:pPr>
-            <a:r>
-              <a:rPr b="0" lang="en-US" sz="1750" spc="-35" strike="noStrike">
-                <a:solidFill>
-                  <a:srgbClr val="e5e0df"/>
-                </a:solidFill>
-                <a:highlight>
-                  <a:srgbClr val="0a004d"/>
-                </a:highlight>
-                <a:latin typeface="Consolas"/>
-                <a:ea typeface="Consolas"/>
-              </a:rPr>
-              <a:t>    </a:t>
+              <a:rPr b="0" i="1" lang="en-US" sz="1750" spc="-35" strike="noStrike">
+                <a:solidFill>
+                  <a:srgbClr val="ffffff"/>
+                </a:solidFill>
+                <a:latin typeface="Inter"/>
+                <a:ea typeface="Inter"/>
+              </a:rPr>
+              <a:t> </a:t>
             </a:r>
             <a:r>
-              <a:rPr b="0" lang="en-US" sz="1750" spc="-35" strike="noStrike">
-                <a:solidFill>
-                  <a:srgbClr val="e5e0df"/>
-                </a:solidFill>
-                <a:highlight>
-                  <a:srgbClr val="0a004d"/>
-                </a:highlight>
-                <a:latin typeface="Consolas"/>
-                <a:ea typeface="Consolas"/>
+              <a:rPr b="0" i="1" lang="en-US" sz="1750" spc="-35" strike="noStrike">
+                <a:solidFill>
+                  <a:srgbClr val="ffffff"/>
+                </a:solidFill>
+                <a:latin typeface="Inter"/>
+                <a:ea typeface="Inter"/>
               </a:rPr>
               <a:t>// ... Function Implementation ...</a:t>
             </a:r>
@@ -10533,47 +10967,18 @@
               <a:latin typeface="Arial"/>
             </a:endParaRPr>
           </a:p>
-          <a:p>
-            <a:pPr>
-              <a:lnSpc>
-                <a:spcPts val="3149"/>
-              </a:lnSpc>
-              <a:tabLst>
-                <a:tab algn="l" pos="0"/>
-              </a:tabLst>
-            </a:pPr>
-            <a:r>
-              <a:rPr b="0" lang="en-US" sz="1750" spc="-35" strike="noStrike">
-                <a:solidFill>
-                  <a:srgbClr val="e5e0df"/>
-                </a:solidFill>
-                <a:highlight>
-                  <a:srgbClr val="0a004d"/>
-                </a:highlight>
-                <a:latin typeface="Consolas"/>
-                <a:ea typeface="Consolas"/>
-              </a:rPr>
-              <a:t>}</a:t>
-            </a:r>
-            <a:endParaRPr b="0" lang="en-US" sz="1750" spc="-1" strike="noStrike">
-              <a:solidFill>
-                <a:srgbClr val="000000"/>
-              </a:solidFill>
-              <a:latin typeface="Arial"/>
-            </a:endParaRPr>
-          </a:p>
-        </p:txBody>
-      </p:sp>
-      <p:sp>
-        <p:nvSpPr>
-          <p:cNvPr id="120" name="Text 6"/>
+        </p:txBody>
+      </p:sp>
+      <p:sp>
+        <p:nvSpPr>
+          <p:cNvPr id="121" name="Text 6"/>
           <p:cNvSpPr/>
           <p:nvPr/>
         </p:nvSpPr>
         <p:spPr>
           <a:xfrm>
-            <a:off x="2393280" y="4487040"/>
-            <a:ext cx="10198800" cy="399600"/>
+            <a:off x="2760120" y="4209120"/>
+            <a:ext cx="9609120" cy="354240"/>
           </a:xfrm>
           <a:prstGeom prst="rect">
             <a:avLst/>
@@ -10594,25 +10999,33 @@
             <a:noAutofit/>
           </a:bodyPr>
           <a:p>
-            <a:pPr marL="343080" indent="-343080">
-              <a:lnSpc>
-                <a:spcPts val="3149"/>
-              </a:lnSpc>
-              <a:buClr>
-                <a:srgbClr val="e5e0df"/>
-              </a:buClr>
-              <a:buFont typeface="Symbol" charset="2"/>
-              <a:buChar char=""/>
+            <a:pPr>
+              <a:lnSpc>
+                <a:spcPts val="2798"/>
+              </a:lnSpc>
+              <a:tabLst>
+                <a:tab algn="l" pos="0"/>
+              </a:tabLst>
             </a:pPr>
             <a:r>
               <a:rPr b="0" lang="en-US" sz="1750" spc="-35" strike="noStrike">
                 <a:solidFill>
-                  <a:srgbClr val="e5e0df"/>
+                  <a:srgbClr val="ffffff"/>
                 </a:solidFill>
                 <a:latin typeface="Inter"/>
                 <a:ea typeface="Inter"/>
               </a:rPr>
-              <a:t>After the voting process is complete, the system can display the results using this function.</a:t>
+              <a:t> </a:t>
+            </a:r>
+            <a:r>
+              <a:rPr b="0" lang="en-US" sz="1750" spc="-35" strike="noStrike">
+                <a:solidFill>
+                  <a:srgbClr val="ffffff"/>
+                </a:solidFill>
+                <a:latin typeface="Inter"/>
+                <a:ea typeface="Inter"/>
+              </a:rPr>
+              <a:t>}</a:t>
             </a:r>
             <a:endParaRPr b="0" lang="en-US" sz="1750" spc="-1" strike="noStrike">
               <a:solidFill>
@@ -10625,14 +11038,14 @@
       </p:sp>
       <p:sp>
         <p:nvSpPr>
-          <p:cNvPr id="121" name="Text 7"/>
+          <p:cNvPr id="122" name="Text 7"/>
           <p:cNvSpPr/>
           <p:nvPr/>
         </p:nvSpPr>
         <p:spPr>
           <a:xfrm>
-            <a:off x="2393280" y="4975560"/>
-            <a:ext cx="10198800" cy="799200"/>
+            <a:off x="2393280" y="5125320"/>
+            <a:ext cx="10198080" cy="398880"/>
           </a:xfrm>
           <a:prstGeom prst="rect">
             <a:avLst/>
@@ -10649,7 +11062,7 @@
           <a:fontRef idx="minor"/>
         </p:style>
         <p:txBody>
-          <a:bodyPr lIns="90000" rIns="90000" tIns="45000" bIns="45000" anchor="t">
+          <a:bodyPr wrap="none" lIns="90000" rIns="90000" tIns="45000" bIns="45000" anchor="t">
             <a:noAutofit/>
           </a:bodyPr>
           <a:p>
@@ -10660,7 +11073,7 @@
               <a:buClr>
                 <a:srgbClr val="e5e0df"/>
               </a:buClr>
-              <a:buFont typeface="Symbol" charset="2"/>
+              <a:buFont typeface="Symbol"/>
               <a:buChar char=""/>
             </a:pPr>
             <a:r>
@@ -10671,7 +11084,7 @@
                 <a:latin typeface="Inter"/>
                 <a:ea typeface="Inter"/>
               </a:rPr>
-              <a:t>It presents a summary of votes received by each candidate and identifies the candidate with the highest votes.</a:t>
+              <a:t>The heart of the Console Voting System is the voting process itself.</a:t>
             </a:r>
             <a:endParaRPr b="0" lang="en-US" sz="1750" spc="-1" strike="noStrike">
               <a:solidFill>
@@ -10684,14 +11097,14 @@
       </p:sp>
       <p:sp>
         <p:nvSpPr>
-          <p:cNvPr id="122" name="Text 8"/>
+          <p:cNvPr id="123" name="Text 8"/>
           <p:cNvSpPr/>
           <p:nvPr/>
         </p:nvSpPr>
         <p:spPr>
           <a:xfrm>
-            <a:off x="2393280" y="5864040"/>
-            <a:ext cx="10198800" cy="799200"/>
+            <a:off x="2393280" y="5613840"/>
+            <a:ext cx="10198080" cy="398880"/>
           </a:xfrm>
           <a:prstGeom prst="rect">
             <a:avLst/>
@@ -10708,7 +11121,7 @@
           <a:fontRef idx="minor"/>
         </p:style>
         <p:txBody>
-          <a:bodyPr lIns="90000" rIns="90000" tIns="45000" bIns="45000" anchor="t">
+          <a:bodyPr wrap="none" lIns="90000" rIns="90000" tIns="45000" bIns="45000" anchor="t">
             <a:noAutofit/>
           </a:bodyPr>
           <a:p>
@@ -10719,7 +11132,7 @@
               <a:buClr>
                 <a:srgbClr val="e5e0df"/>
               </a:buClr>
-              <a:buFont typeface="Symbol" charset="2"/>
+              <a:buFont typeface="Symbol"/>
               <a:buChar char=""/>
             </a:pPr>
             <a:r>
@@ -10730,7 +11143,87 @@
                 <a:latin typeface="Inter"/>
                 <a:ea typeface="Inter"/>
               </a:rPr>
-              <a:t>Displaying the results reinforces the principles of transparency and accountability in democratic processes.</a:t>
+              <a:t>This function allows a voter to cast a vote for their preferred candidate.</a:t>
+            </a:r>
+            <a:endParaRPr b="0" lang="en-US" sz="1750" spc="-1" strike="noStrike">
+              <a:solidFill>
+                <a:srgbClr val="000000"/>
+              </a:solidFill>
+              <a:latin typeface="Arial"/>
+            </a:endParaRPr>
+          </a:p>
+        </p:txBody>
+      </p:sp>
+      <p:sp>
+        <p:nvSpPr>
+          <p:cNvPr id="124" name="Text 9"/>
+          <p:cNvSpPr/>
+          <p:nvPr/>
+        </p:nvSpPr>
+        <p:spPr>
+          <a:xfrm>
+            <a:off x="2393280" y="6102720"/>
+            <a:ext cx="10198080" cy="421560"/>
+          </a:xfrm>
+          <a:prstGeom prst="rect">
+            <a:avLst/>
+          </a:prstGeom>
+          <a:noFill/>
+          <a:ln w="0">
+            <a:noFill/>
+          </a:ln>
+        </p:spPr>
+        <p:style>
+          <a:lnRef idx="0"/>
+          <a:fillRef idx="0"/>
+          <a:effectRef idx="0"/>
+          <a:fontRef idx="minor"/>
+        </p:style>
+        <p:txBody>
+          <a:bodyPr wrap="none" lIns="90000" rIns="90000" tIns="45000" bIns="45000" anchor="t">
+            <a:noAutofit/>
+          </a:bodyPr>
+          <a:p>
+            <a:pPr>
+              <a:lnSpc>
+                <a:spcPts val="3149"/>
+              </a:lnSpc>
+              <a:tabLst>
+                <a:tab algn="l" pos="0"/>
+              </a:tabLst>
+            </a:pPr>
+            <a:r>
+              <a:rPr b="0" lang="en-US" sz="1750" spc="-35" strike="noStrike">
+                <a:solidFill>
+                  <a:srgbClr val="e5e0df"/>
+                </a:solidFill>
+                <a:latin typeface="Inter"/>
+                <a:ea typeface="Inter"/>
+              </a:rPr>
+              <a:t>The system ensures that each vote is counted and updated in the </a:t>
+            </a:r>
+            <a:r>
+              <a:rPr b="0" lang="en-US" sz="1750" spc="-35" strike="noStrike">
+                <a:solidFill>
+                  <a:srgbClr val="e5e0df"/>
+                </a:solidFill>
+                <a:highlight>
+                  <a:srgbClr val="0a004d"/>
+                </a:highlight>
+                <a:latin typeface="Consolas"/>
+                <a:ea typeface="Consolas"/>
+              </a:rPr>
+              <a:t>candidates.txt</a:t>
+            </a:r>
+            <a:r>
+              <a:rPr b="0" lang="en-US" sz="1750" spc="-35" strike="noStrike">
+                <a:solidFill>
+                  <a:srgbClr val="e5e0df"/>
+                </a:solidFill>
+                <a:latin typeface="Inter"/>
+                <a:ea typeface="Inter"/>
+              </a:rPr>
+              <a:t> file</a:t>
             </a:r>
             <a:endParaRPr b="0" lang="en-US" sz="1750" spc="-1" strike="noStrike">
               <a:solidFill>
@@ -10773,14 +11266,14 @@
       </p:grpSpPr>
       <p:sp>
         <p:nvSpPr>
-          <p:cNvPr id="123" name="Shape 0"/>
+          <p:cNvPr id="125" name="Shape 0"/>
           <p:cNvSpPr/>
           <p:nvPr/>
         </p:nvSpPr>
         <p:spPr>
           <a:xfrm>
             <a:off x="0" y="0"/>
-            <a:ext cx="14630040" cy="8229240"/>
+            <a:ext cx="14629320" cy="8228520"/>
           </a:xfrm>
           <a:prstGeom prst="rect">
             <a:avLst/>
@@ -10803,25 +11296,31 @@
             <a:noAutofit/>
           </a:bodyPr>
           <a:p>
+            <a:pPr>
+              <a:lnSpc>
+                <a:spcPct val="100000"/>
+              </a:lnSpc>
+            </a:pPr>
             <a:endParaRPr b="0" lang="en-US" sz="1800" spc="-1" strike="noStrike">
               <a:solidFill>
                 <a:srgbClr val="ffffff"/>
               </a:solidFill>
               <a:latin typeface="Arial"/>
-            </a:endParaRPr>
-          </a:p>
-        </p:txBody>
-      </p:sp>
-      <p:sp>
-        <p:nvSpPr>
-          <p:cNvPr id="124" name="Shape 1"/>
+              <a:ea typeface="DejaVu Sans"/>
+            </a:endParaRPr>
+          </a:p>
+        </p:txBody>
+      </p:sp>
+      <p:sp>
+        <p:nvSpPr>
+          <p:cNvPr id="126" name="Shape 1"/>
           <p:cNvSpPr/>
           <p:nvPr/>
         </p:nvSpPr>
         <p:spPr>
           <a:xfrm>
             <a:off x="0" y="0"/>
-            <a:ext cx="14630040" cy="8229240"/>
+            <a:ext cx="14629320" cy="8228520"/>
           </a:xfrm>
           <a:prstGeom prst="rect">
             <a:avLst/>
@@ -10847,25 +11346,31 @@
             <a:noAutofit/>
           </a:bodyPr>
           <a:p>
+            <a:pPr>
+              <a:lnSpc>
+                <a:spcPct val="100000"/>
+              </a:lnSpc>
+            </a:pPr>
             <a:endParaRPr b="0" lang="en-US" sz="1800" spc="-1" strike="noStrike">
               <a:solidFill>
                 <a:srgbClr val="ffffff"/>
               </a:solidFill>
               <a:latin typeface="Arial"/>
-            </a:endParaRPr>
-          </a:p>
-        </p:txBody>
-      </p:sp>
-      <p:sp>
-        <p:nvSpPr>
-          <p:cNvPr id="125" name="Text 2"/>
+              <a:ea typeface="DejaVu Sans"/>
+            </a:endParaRPr>
+          </a:p>
+        </p:txBody>
+      </p:sp>
+      <p:sp>
+        <p:nvSpPr>
+          <p:cNvPr id="127" name="Text 2"/>
           <p:cNvSpPr/>
           <p:nvPr/>
         </p:nvSpPr>
         <p:spPr>
           <a:xfrm>
-            <a:off x="2037960" y="659880"/>
-            <a:ext cx="4443480" cy="694080"/>
+            <a:off x="2037960" y="1565640"/>
+            <a:ext cx="4442760" cy="693360"/>
           </a:xfrm>
           <a:prstGeom prst="rect">
             <a:avLst/>
@@ -10902,7 +11407,7 @@
                 <a:latin typeface="Inter"/>
                 <a:ea typeface="Inter"/>
               </a:rPr>
-              <a:t>Utility Functions</a:t>
+              <a:t>Display Votes</a:t>
             </a:r>
             <a:endParaRPr b="0" lang="en-US" sz="4370" spc="-1" strike="noStrike">
               <a:solidFill>
@@ -10915,22 +11420,22 @@
       </p:sp>
       <p:sp>
         <p:nvSpPr>
-          <p:cNvPr id="126" name="Shape 3"/>
+          <p:cNvPr id="128" name="Shape 3"/>
           <p:cNvSpPr/>
           <p:nvPr/>
         </p:nvSpPr>
         <p:spPr>
           <a:xfrm>
-            <a:off x="2037960" y="1798560"/>
-            <a:ext cx="10554120" cy="3697920"/>
+            <a:off x="2037960" y="2704680"/>
+            <a:ext cx="10553400" cy="1531440"/>
           </a:xfrm>
           <a:prstGeom prst="roundRect">
             <a:avLst>
-              <a:gd name="adj" fmla="val 1483"/>
+              <a:gd name="adj" fmla="val 3580"/>
             </a:avLst>
           </a:prstGeom>
           <a:solidFill>
-            <a:srgbClr val="032349"/>
+            <a:srgbClr val="0a004d"/>
           </a:solidFill>
           <a:ln w="0">
             <a:noFill/>
@@ -10947,53 +11452,40 @@
             <a:noAutofit/>
           </a:bodyPr>
           <a:p>
+            <a:pPr>
+              <a:lnSpc>
+                <a:spcPct val="100000"/>
+              </a:lnSpc>
+            </a:pPr>
             <a:endParaRPr b="0" lang="en-US" sz="1800" spc="-1" strike="noStrike">
               <a:solidFill>
                 <a:srgbClr val="ffffff"/>
               </a:solidFill>
               <a:latin typeface="Arial"/>
-            </a:endParaRPr>
-          </a:p>
-        </p:txBody>
-      </p:sp>
-      <p:pic>
-        <p:nvPicPr>
-          <p:cNvPr id="127" name="Image 0" descr="preencoded.png"/>
-          <p:cNvPicPr/>
-          <p:nvPr/>
-        </p:nvPicPr>
-        <p:blipFill>
-          <a:blip r:embed="rId1"/>
-          <a:stretch/>
-        </p:blipFill>
-        <p:spPr>
-          <a:xfrm>
-            <a:off x="2260080" y="2133360"/>
-            <a:ext cx="277200" cy="221760"/>
-          </a:xfrm>
-          <a:prstGeom prst="rect">
-            <a:avLst/>
-          </a:prstGeom>
-          <a:ln w="0">
-            <a:noFill/>
-          </a:ln>
-        </p:spPr>
-      </p:pic>
-      <p:sp>
-        <p:nvSpPr>
-          <p:cNvPr id="128" name="Text 4"/>
+              <a:ea typeface="DejaVu Sans"/>
+            </a:endParaRPr>
+          </a:p>
+        </p:txBody>
+      </p:sp>
+      <p:sp>
+        <p:nvSpPr>
+          <p:cNvPr id="129" name="Shape 4"/>
           <p:cNvSpPr/>
           <p:nvPr/>
         </p:nvSpPr>
         <p:spPr>
           <a:xfrm>
-            <a:off x="2760120" y="2054160"/>
-            <a:ext cx="9609840" cy="354960"/>
-          </a:xfrm>
-          <a:prstGeom prst="rect">
-            <a:avLst/>
-          </a:prstGeom>
-          <a:noFill/>
+            <a:off x="2026800" y="2704680"/>
+            <a:ext cx="10575360" cy="1531440"/>
+          </a:xfrm>
+          <a:prstGeom prst="roundRect">
+            <a:avLst>
+              <a:gd name="adj" fmla="val 2175"/>
+            </a:avLst>
+          </a:prstGeom>
+          <a:solidFill>
+            <a:srgbClr val="0a004d"/>
+          </a:solidFill>
           <a:ln w="0">
             <a:noFill/>
           </a:ln>
@@ -11005,47 +11497,35 @@
           <a:fontRef idx="minor"/>
         </p:style>
         <p:txBody>
-          <a:bodyPr wrap="none" lIns="90000" rIns="90000" tIns="45000" bIns="45000" anchor="t">
+          <a:bodyPr lIns="90000" rIns="90000" tIns="45000" bIns="45000" anchor="t">
             <a:noAutofit/>
           </a:bodyPr>
           <a:p>
             <a:pPr>
               <a:lnSpc>
-                <a:spcPts val="2798"/>
-              </a:lnSpc>
-              <a:tabLst>
-                <a:tab algn="l" pos="0"/>
-              </a:tabLst>
-            </a:pPr>
-            <a:r>
-              <a:rPr b="0" lang="en-US" sz="1750" spc="-35" strike="noStrike">
-                <a:solidFill>
-                  <a:srgbClr val="ffffff"/>
-                </a:solidFill>
-                <a:latin typeface="Inter"/>
-                <a:ea typeface="Inter"/>
-              </a:rPr>
-              <a:t>void Introduction() { </a:t>
-            </a:r>
-            <a:endParaRPr b="0" lang="en-US" sz="1750" spc="-1" strike="noStrike">
-              <a:solidFill>
-                <a:srgbClr val="000000"/>
-              </a:solidFill>
-              <a:latin typeface="Arial"/>
-            </a:endParaRPr>
-          </a:p>
-        </p:txBody>
-      </p:sp>
-      <p:sp>
-        <p:nvSpPr>
-          <p:cNvPr id="129" name="Text 5"/>
+                <a:spcPct val="100000"/>
+              </a:lnSpc>
+            </a:pPr>
+            <a:endParaRPr b="0" lang="en-US" sz="1800" spc="-1" strike="noStrike">
+              <a:solidFill>
+                <a:srgbClr val="ffffff"/>
+              </a:solidFill>
+              <a:latin typeface="Arial"/>
+              <a:ea typeface="DejaVu Sans"/>
+            </a:endParaRPr>
+          </a:p>
+        </p:txBody>
+      </p:sp>
+      <p:sp>
+        <p:nvSpPr>
+          <p:cNvPr id="130" name="Text 5"/>
           <p:cNvSpPr/>
           <p:nvPr/>
         </p:nvSpPr>
         <p:spPr>
           <a:xfrm>
-            <a:off x="2760120" y="2609280"/>
-            <a:ext cx="9609840" cy="354960"/>
+            <a:off x="2248920" y="2871000"/>
+            <a:ext cx="10131120" cy="1198440"/>
           </a:xfrm>
           <a:prstGeom prst="rect">
             <a:avLst/>
@@ -11062,25 +11542,70 @@
           <a:fontRef idx="minor"/>
         </p:style>
         <p:txBody>
-          <a:bodyPr wrap="none" lIns="90000" rIns="90000" tIns="45000" bIns="45000" anchor="t">
+          <a:bodyPr lIns="90000" rIns="90000" tIns="45000" bIns="45000" anchor="t">
             <a:noAutofit/>
           </a:bodyPr>
           <a:p>
             <a:pPr>
               <a:lnSpc>
-                <a:spcPts val="2798"/>
+                <a:spcPts val="3149"/>
               </a:lnSpc>
               <a:tabLst>
                 <a:tab algn="l" pos="0"/>
               </a:tabLst>
             </a:pPr>
             <a:r>
-              <a:rPr b="0" i="1" lang="en-US" sz="1750" spc="-35" strike="noStrike">
-                <a:solidFill>
-                  <a:srgbClr val="ffffff"/>
-                </a:solidFill>
-                <a:latin typeface="Inter"/>
-                <a:ea typeface="Inter"/>
+              <a:rPr b="0" lang="en-US" sz="1750" spc="-35" strike="noStrike">
+                <a:solidFill>
+                  <a:srgbClr val="e5e0df"/>
+                </a:solidFill>
+                <a:highlight>
+                  <a:srgbClr val="0a004d"/>
+                </a:highlight>
+                <a:latin typeface="Consolas"/>
+                <a:ea typeface="Consolas"/>
+              </a:rPr>
+              <a:t>void DisplayVotes() {</a:t>
+            </a:r>
+            <a:endParaRPr b="0" lang="en-US" sz="1750" spc="-1" strike="noStrike">
+              <a:solidFill>
+                <a:srgbClr val="000000"/>
+              </a:solidFill>
+              <a:latin typeface="Arial"/>
+            </a:endParaRPr>
+          </a:p>
+          <a:p>
+            <a:pPr>
+              <a:lnSpc>
+                <a:spcPts val="3149"/>
+              </a:lnSpc>
+              <a:tabLst>
+                <a:tab algn="l" pos="0"/>
+              </a:tabLst>
+            </a:pPr>
+            <a:r>
+              <a:rPr b="0" lang="en-US" sz="1750" spc="-35" strike="noStrike">
+                <a:solidFill>
+                  <a:srgbClr val="e5e0df"/>
+                </a:solidFill>
+                <a:highlight>
+                  <a:srgbClr val="0a004d"/>
+                </a:highlight>
+                <a:latin typeface="Consolas"/>
+                <a:ea typeface="Consolas"/>
+              </a:rPr>
+              <a:t>    </a:t>
+            </a:r>
+            <a:r>
+              <a:rPr b="0" lang="en-US" sz="1750" spc="-35" strike="noStrike">
+                <a:solidFill>
+                  <a:srgbClr val="e5e0df"/>
+                </a:solidFill>
+                <a:highlight>
+                  <a:srgbClr val="0a004d"/>
+                </a:highlight>
+                <a:latin typeface="Consolas"/>
+                <a:ea typeface="Consolas"/>
               </a:rPr>
               <a:t>// ... Function Implementation ...</a:t>
             </a:r>
@@ -11091,18 +11616,47 @@
               <a:latin typeface="Arial"/>
             </a:endParaRPr>
           </a:p>
-        </p:txBody>
-      </p:sp>
-      <p:sp>
-        <p:nvSpPr>
-          <p:cNvPr id="130" name="Text 6"/>
+          <a:p>
+            <a:pPr>
+              <a:lnSpc>
+                <a:spcPts val="3149"/>
+              </a:lnSpc>
+              <a:tabLst>
+                <a:tab algn="l" pos="0"/>
+              </a:tabLst>
+            </a:pPr>
+            <a:r>
+              <a:rPr b="0" lang="en-US" sz="1750" spc="-35" strike="noStrike">
+                <a:solidFill>
+                  <a:srgbClr val="e5e0df"/>
+                </a:solidFill>
+                <a:highlight>
+                  <a:srgbClr val="0a004d"/>
+                </a:highlight>
+                <a:latin typeface="Consolas"/>
+                <a:ea typeface="Consolas"/>
+              </a:rPr>
+              <a:t>}</a:t>
+            </a:r>
+            <a:endParaRPr b="0" lang="en-US" sz="1750" spc="-1" strike="noStrike">
+              <a:solidFill>
+                <a:srgbClr val="000000"/>
+              </a:solidFill>
+              <a:latin typeface="Arial"/>
+            </a:endParaRPr>
+          </a:p>
+        </p:txBody>
+      </p:sp>
+      <p:sp>
+        <p:nvSpPr>
+          <p:cNvPr id="131" name="Text 6"/>
           <p:cNvSpPr/>
           <p:nvPr/>
         </p:nvSpPr>
         <p:spPr>
           <a:xfrm>
-            <a:off x="2760120" y="3164760"/>
-            <a:ext cx="9609840" cy="354960"/>
+            <a:off x="2393280" y="4487040"/>
+            <a:ext cx="10198080" cy="398880"/>
           </a:xfrm>
           <a:prstGeom prst="rect">
             <a:avLst/>
@@ -11123,33 +11677,25 @@
             <a:noAutofit/>
           </a:bodyPr>
           <a:p>
-            <a:pPr>
-              <a:lnSpc>
-                <a:spcPts val="2798"/>
-              </a:lnSpc>
-              <a:tabLst>
-                <a:tab algn="l" pos="0"/>
-              </a:tabLst>
+            <a:pPr marL="343080" indent="-343080">
+              <a:lnSpc>
+                <a:spcPts val="3149"/>
+              </a:lnSpc>
+              <a:buClr>
+                <a:srgbClr val="e5e0df"/>
+              </a:buClr>
+              <a:buFont typeface="Symbol"/>
+              <a:buChar char=""/>
             </a:pPr>
             <a:r>
               <a:rPr b="0" lang="en-US" sz="1750" spc="-35" strike="noStrike">
                 <a:solidFill>
-                  <a:srgbClr val="ffffff"/>
+                  <a:srgbClr val="e5e0df"/>
                 </a:solidFill>
                 <a:latin typeface="Inter"/>
                 <a:ea typeface="Inter"/>
               </a:rPr>
-              <a:t> </a:t>
-            </a:r>
-            <a:r>
-              <a:rPr b="0" lang="en-US" sz="1750" spc="-35" strike="noStrike">
-                <a:solidFill>
-                  <a:srgbClr val="ffffff"/>
-                </a:solidFill>
-                <a:latin typeface="Inter"/>
-                <a:ea typeface="Inter"/>
-              </a:rPr>
-              <a:t>}</a:t>
+              <a:t>After the voting process is complete, the system can display the results using this function.</a:t>
             </a:r>
             <a:endParaRPr b="0" lang="en-US" sz="1750" spc="-1" strike="noStrike">
               <a:solidFill>
@@ -11162,14 +11708,14 @@
       </p:sp>
       <p:sp>
         <p:nvSpPr>
-          <p:cNvPr id="131" name="Text 7"/>
+          <p:cNvPr id="132" name="Text 7"/>
           <p:cNvSpPr/>
           <p:nvPr/>
         </p:nvSpPr>
         <p:spPr>
           <a:xfrm>
-            <a:off x="2760120" y="3719880"/>
-            <a:ext cx="9609840" cy="354960"/>
+            <a:off x="2393280" y="4975560"/>
+            <a:ext cx="10198080" cy="798480"/>
           </a:xfrm>
           <a:prstGeom prst="rect">
             <a:avLst/>
@@ -11186,27 +11732,29 @@
           <a:fontRef idx="minor"/>
         </p:style>
         <p:txBody>
-          <a:bodyPr wrap="none" lIns="90000" rIns="90000" tIns="45000" bIns="45000" anchor="t">
-            <a:noAutofit/>
-          </a:bodyPr>
-          <a:p>
-            <a:pPr>
-              <a:lnSpc>
-                <a:spcPts val="2798"/>
-              </a:lnSpc>
-              <a:tabLst>
-                <a:tab algn="l" pos="0"/>
-              </a:tabLst>
+          <a:bodyPr lIns="90000" rIns="90000" tIns="45000" bIns="45000" anchor="t">
+            <a:noAutofit/>
+          </a:bodyPr>
+          <a:p>
+            <a:pPr marL="343080" indent="-343080">
+              <a:lnSpc>
+                <a:spcPts val="3149"/>
+              </a:lnSpc>
+              <a:buClr>
+                <a:srgbClr val="e5e0df"/>
+              </a:buClr>
+              <a:buFont typeface="Symbol"/>
+              <a:buChar char=""/>
             </a:pPr>
             <a:r>
               <a:rPr b="0" lang="en-US" sz="1750" spc="-35" strike="noStrike">
                 <a:solidFill>
-                  <a:srgbClr val="ffffff"/>
+                  <a:srgbClr val="e5e0df"/>
                 </a:solidFill>
                 <a:latin typeface="Inter"/>
                 <a:ea typeface="Inter"/>
               </a:rPr>
-              <a:t>void design_lines() { </a:t>
+              <a:t>It presents a summary of votes received by each candidate and identifies the candidate with the highest votes.</a:t>
             </a:r>
             <a:endParaRPr b="0" lang="en-US" sz="1750" spc="-1" strike="noStrike">
               <a:solidFill>
@@ -11219,14 +11767,14 @@
       </p:sp>
       <p:sp>
         <p:nvSpPr>
-          <p:cNvPr id="132" name="Text 8"/>
+          <p:cNvPr id="133" name="Text 8"/>
           <p:cNvSpPr/>
           <p:nvPr/>
         </p:nvSpPr>
         <p:spPr>
           <a:xfrm>
-            <a:off x="2760120" y="4275360"/>
-            <a:ext cx="9609840" cy="354960"/>
+            <a:off x="2393280" y="5864040"/>
+            <a:ext cx="10198080" cy="798480"/>
           </a:xfrm>
           <a:prstGeom prst="rect">
             <a:avLst/>
@@ -11243,121 +11791,7 @@
           <a:fontRef idx="minor"/>
         </p:style>
         <p:txBody>
-          <a:bodyPr wrap="none" lIns="90000" rIns="90000" tIns="45000" bIns="45000" anchor="t">
-            <a:noAutofit/>
-          </a:bodyPr>
-          <a:p>
-            <a:pPr>
-              <a:lnSpc>
-                <a:spcPts val="2798"/>
-              </a:lnSpc>
-              <a:tabLst>
-                <a:tab algn="l" pos="0"/>
-              </a:tabLst>
-            </a:pPr>
-            <a:r>
-              <a:rPr b="0" i="1" lang="en-US" sz="1750" spc="-35" strike="noStrike">
-                <a:solidFill>
-                  <a:srgbClr val="ffffff"/>
-                </a:solidFill>
-                <a:latin typeface="Inter"/>
-                <a:ea typeface="Inter"/>
-              </a:rPr>
-              <a:t>// ... Function Implementation ... </a:t>
-            </a:r>
-            <a:endParaRPr b="0" lang="en-US" sz="1750" spc="-1" strike="noStrike">
-              <a:solidFill>
-                <a:srgbClr val="000000"/>
-              </a:solidFill>
-              <a:latin typeface="Arial"/>
-            </a:endParaRPr>
-          </a:p>
-        </p:txBody>
-      </p:sp>
-      <p:sp>
-        <p:nvSpPr>
-          <p:cNvPr id="133" name="Text 9"/>
-          <p:cNvSpPr/>
-          <p:nvPr/>
-        </p:nvSpPr>
-        <p:spPr>
-          <a:xfrm>
-            <a:off x="2760120" y="4830480"/>
-            <a:ext cx="9609840" cy="354960"/>
-          </a:xfrm>
-          <a:prstGeom prst="rect">
-            <a:avLst/>
-          </a:prstGeom>
-          <a:noFill/>
-          <a:ln w="0">
-            <a:noFill/>
-          </a:ln>
-        </p:spPr>
-        <p:style>
-          <a:lnRef idx="0"/>
-          <a:fillRef idx="0"/>
-          <a:effectRef idx="0"/>
-          <a:fontRef idx="minor"/>
-        </p:style>
-        <p:txBody>
-          <a:bodyPr wrap="none" lIns="90000" rIns="90000" tIns="45000" bIns="45000" anchor="t">
-            <a:noAutofit/>
-          </a:bodyPr>
-          <a:p>
-            <a:pPr>
-              <a:lnSpc>
-                <a:spcPts val="2798"/>
-              </a:lnSpc>
-              <a:tabLst>
-                <a:tab algn="l" pos="0"/>
-              </a:tabLst>
-            </a:pPr>
-            <a:r>
-              <a:rPr b="0" lang="en-US" sz="1750" spc="-35" strike="noStrike">
-                <a:solidFill>
-                  <a:srgbClr val="ffffff"/>
-                </a:solidFill>
-                <a:latin typeface="Inter"/>
-                <a:ea typeface="Inter"/>
-              </a:rPr>
-              <a:t>}</a:t>
-            </a:r>
-            <a:endParaRPr b="0" lang="en-US" sz="1750" spc="-1" strike="noStrike">
-              <a:solidFill>
-                <a:srgbClr val="000000"/>
-              </a:solidFill>
-              <a:latin typeface="Arial"/>
-            </a:endParaRPr>
-          </a:p>
-        </p:txBody>
-      </p:sp>
-      <p:sp>
-        <p:nvSpPr>
-          <p:cNvPr id="134" name="Text 10"/>
-          <p:cNvSpPr/>
-          <p:nvPr/>
-        </p:nvSpPr>
-        <p:spPr>
-          <a:xfrm>
-            <a:off x="2393280" y="5747040"/>
-            <a:ext cx="10198800" cy="399600"/>
-          </a:xfrm>
-          <a:prstGeom prst="rect">
-            <a:avLst/>
-          </a:prstGeom>
-          <a:noFill/>
-          <a:ln w="0">
-            <a:noFill/>
-          </a:ln>
-        </p:spPr>
-        <p:style>
-          <a:lnRef idx="0"/>
-          <a:fillRef idx="0"/>
-          <a:effectRef idx="0"/>
-          <a:fontRef idx="minor"/>
-        </p:style>
-        <p:txBody>
-          <a:bodyPr wrap="none" lIns="90000" rIns="90000" tIns="45000" bIns="45000" anchor="t">
+          <a:bodyPr lIns="90000" rIns="90000" tIns="45000" bIns="45000" anchor="t">
             <a:noAutofit/>
           </a:bodyPr>
           <a:p>
@@ -11368,7 +11802,7 @@
               <a:buClr>
                 <a:srgbClr val="e5e0df"/>
               </a:buClr>
-              <a:buFont typeface="Symbol" charset="2"/>
+              <a:buFont typeface="Symbol"/>
               <a:buChar char=""/>
             </a:pPr>
             <a:r>
@@ -11379,147 +11813,7 @@
                 <a:latin typeface="Inter"/>
                 <a:ea typeface="Inter"/>
               </a:rPr>
-              <a:t>To create a more user-friendly experience, the Console Voting System includes utility functions.</a:t>
-            </a:r>
-            <a:endParaRPr b="0" lang="en-US" sz="1750" spc="-1" strike="noStrike">
-              <a:solidFill>
-                <a:srgbClr val="000000"/>
-              </a:solidFill>
-              <a:latin typeface="Arial"/>
-            </a:endParaRPr>
-          </a:p>
-        </p:txBody>
-      </p:sp>
-      <p:sp>
-        <p:nvSpPr>
-          <p:cNvPr id="135" name="Text 11"/>
-          <p:cNvSpPr/>
-          <p:nvPr/>
-        </p:nvSpPr>
-        <p:spPr>
-          <a:xfrm>
-            <a:off x="2393280" y="6235560"/>
-            <a:ext cx="10198800" cy="822240"/>
-          </a:xfrm>
-          <a:prstGeom prst="rect">
-            <a:avLst/>
-          </a:prstGeom>
-          <a:noFill/>
-          <a:ln w="0">
-            <a:noFill/>
-          </a:ln>
-        </p:spPr>
-        <p:style>
-          <a:lnRef idx="0"/>
-          <a:fillRef idx="0"/>
-          <a:effectRef idx="0"/>
-          <a:fontRef idx="minor"/>
-        </p:style>
-        <p:txBody>
-          <a:bodyPr lIns="90000" rIns="90000" tIns="45000" bIns="45000" anchor="t">
-            <a:noAutofit/>
-          </a:bodyPr>
-          <a:p>
-            <a:pPr>
-              <a:lnSpc>
-                <a:spcPts val="3149"/>
-              </a:lnSpc>
-              <a:tabLst>
-                <a:tab algn="l" pos="0"/>
-              </a:tabLst>
-            </a:pPr>
-            <a:r>
-              <a:rPr b="0" lang="en-US" sz="1750" spc="-35" strike="noStrike">
-                <a:solidFill>
-                  <a:srgbClr val="e5e0df"/>
-                </a:solidFill>
-                <a:highlight>
-                  <a:srgbClr val="0a004d"/>
-                </a:highlight>
-                <a:latin typeface="Consolas"/>
-                <a:ea typeface="Consolas"/>
-              </a:rPr>
-              <a:t>Introduction()</a:t>
-            </a:r>
-            <a:r>
-              <a:rPr b="0" lang="en-US" sz="1750" spc="-35" strike="noStrike">
-                <a:solidFill>
-                  <a:srgbClr val="e5e0df"/>
-                </a:solidFill>
-                <a:latin typeface="Inter"/>
-                <a:ea typeface="Inter"/>
-              </a:rPr>
-              <a:t> displays a warm welcome message to users, setting a positive tone for their voting experience.</a:t>
-            </a:r>
-            <a:endParaRPr b="0" lang="en-US" sz="1750" spc="-1" strike="noStrike">
-              <a:solidFill>
-                <a:srgbClr val="000000"/>
-              </a:solidFill>
-              <a:latin typeface="Arial"/>
-            </a:endParaRPr>
-          </a:p>
-        </p:txBody>
-      </p:sp>
-      <p:sp>
-        <p:nvSpPr>
-          <p:cNvPr id="136" name="Text 12"/>
-          <p:cNvSpPr/>
-          <p:nvPr/>
-        </p:nvSpPr>
-        <p:spPr>
-          <a:xfrm>
-            <a:off x="2393280" y="7146720"/>
-            <a:ext cx="10198800" cy="422280"/>
-          </a:xfrm>
-          <a:prstGeom prst="rect">
-            <a:avLst/>
-          </a:prstGeom>
-          <a:noFill/>
-          <a:ln w="0">
-            <a:noFill/>
-          </a:ln>
-        </p:spPr>
-        <p:style>
-          <a:lnRef idx="0"/>
-          <a:fillRef idx="0"/>
-          <a:effectRef idx="0"/>
-          <a:fontRef idx="minor"/>
-        </p:style>
-        <p:txBody>
-          <a:bodyPr wrap="none" lIns="90000" rIns="90000" tIns="45000" bIns="45000" anchor="t">
-            <a:noAutofit/>
-          </a:bodyPr>
-          <a:p>
-            <a:pPr>
-              <a:lnSpc>
-                <a:spcPts val="3149"/>
-              </a:lnSpc>
-              <a:tabLst>
-                <a:tab algn="l" pos="0"/>
-              </a:tabLst>
-            </a:pPr>
-            <a:r>
-              <a:rPr b="0" lang="en-US" sz="1750" spc="-35" strike="noStrike">
-                <a:solidFill>
-                  <a:srgbClr val="e5e0df"/>
-                </a:solidFill>
-                <a:highlight>
-                  <a:srgbClr val="0a004d"/>
-                </a:highlight>
-                <a:latin typeface="Consolas"/>
-                <a:ea typeface="Consolas"/>
-              </a:rPr>
-              <a:t>design_lines()</a:t>
-            </a:r>
-            <a:r>
-              <a:rPr b="0" lang="en-US" sz="1750" spc="-35" strike="noStrike">
-                <a:solidFill>
-                  <a:srgbClr val="e5e0df"/>
-                </a:solidFill>
-                <a:latin typeface="Inter"/>
-                <a:ea typeface="Inter"/>
-              </a:rPr>
-              <a:t> provides a visually appealing separator to improve the aesthetics of the console display.</a:t>
+              <a:t>Displaying the results reinforces the principles of transparency and accountability in democratic processes.</a:t>
             </a:r>
             <a:endParaRPr b="0" lang="en-US" sz="1750" spc="-1" strike="noStrike">
               <a:solidFill>
